--- a/수업 관리 프로그램(완성).pptx
+++ b/수업 관리 프로그램(완성).pptx
@@ -46,22 +46,22 @@
   <p:notesSz cx="6797675" cy="9928225"/>
   <p:embeddedFontLst>
     <p:embeddedFont>
-      <p:font typeface="나눔고딕" panose="020D0604000000000000" pitchFamily="50" charset="-127"/>
-      <p:regular r:id="rId34"/>
-      <p:bold r:id="rId35"/>
+      <p:font typeface="나눔고딕 ExtraBold" panose="020D0904000000000000" pitchFamily="50" charset="-127"/>
+      <p:bold r:id="rId34"/>
     </p:embeddedFont>
     <p:embeddedFont>
       <p:font typeface="맑은 고딕" panose="020B0503020000020004" pitchFamily="50" charset="-127"/>
-      <p:regular r:id="rId36"/>
-      <p:bold r:id="rId37"/>
+      <p:regular r:id="rId35"/>
+      <p:bold r:id="rId36"/>
+    </p:embeddedFont>
+    <p:embeddedFont>
+      <p:font typeface="나눔고딕" panose="020D0604000000000000" pitchFamily="50" charset="-127"/>
+      <p:regular r:id="rId37"/>
+      <p:bold r:id="rId38"/>
     </p:embeddedFont>
     <p:embeddedFont>
       <p:font typeface="나눔바른고딕" panose="020B0600000101010101" charset="-127"/>
-      <p:regular r:id="rId38"/>
-      <p:bold r:id="rId39"/>
-    </p:embeddedFont>
-    <p:embeddedFont>
-      <p:font typeface="나눔고딕 ExtraBold" panose="020D0904000000000000" pitchFamily="50" charset="-127"/>
+      <p:regular r:id="rId39"/>
       <p:bold r:id="rId40"/>
     </p:embeddedFont>
   </p:embeddedFontLst>
@@ -261,7 +261,7 @@
           <a:p>
             <a:fld id="{26F78F6B-3F51-4A8F-9F44-BC2A8AB3EEF8}" type="datetimeFigureOut">
               <a:rPr lang="ko-KR" altLang="en-US" smtClean="0"/>
-              <a:t>2019-11-14</a:t>
+              <a:t>2019-11-28</a:t>
             </a:fld>
             <a:endParaRPr lang="ko-KR" altLang="en-US"/>
           </a:p>
@@ -426,7 +426,7 @@
           <a:p>
             <a:fld id="{79C5AE56-7F63-4D94-8C88-A4D9F483D2F0}" type="datetimeFigureOut">
               <a:rPr lang="ko-KR" altLang="en-US" smtClean="0"/>
-              <a:t>2019-11-14</a:t>
+              <a:t>2019-11-28</a:t>
             </a:fld>
             <a:endParaRPr lang="ko-KR" altLang="en-US"/>
           </a:p>
@@ -777,6 +777,1251 @@
 </p:notes>
 </file>
 
+<file path=ppt/notesSlides/notesSlide2.xml><?xml version="1.0" encoding="utf-8"?>
+<p:notes xmlns:a="http://schemas.openxmlformats.org/drawingml/2006/main" xmlns:r="http://schemas.openxmlformats.org/officeDocument/2006/relationships" xmlns:p="http://schemas.openxmlformats.org/presentationml/2006/main">
+  <p:cSld>
+    <p:spTree>
+      <p:nvGrpSpPr>
+        <p:cNvPr id="1" name=""/>
+        <p:cNvGrpSpPr/>
+        <p:nvPr/>
+      </p:nvGrpSpPr>
+      <p:grpSpPr>
+        <a:xfrm>
+          <a:off x="0" y="0"/>
+          <a:ext cx="0" cy="0"/>
+          <a:chOff x="0" y="0"/>
+          <a:chExt cx="0" cy="0"/>
+        </a:xfrm>
+      </p:grpSpPr>
+      <p:sp>
+        <p:nvSpPr>
+          <p:cNvPr id="2" name="슬라이드 이미지 개체 틀 1"/>
+          <p:cNvSpPr>
+            <a:spLocks noGrp="1" noRot="1" noChangeAspect="1"/>
+          </p:cNvSpPr>
+          <p:nvPr>
+            <p:ph type="sldImg"/>
+          </p:nvPr>
+        </p:nvSpPr>
+        <p:spPr/>
+      </p:sp>
+      <p:sp>
+        <p:nvSpPr>
+          <p:cNvPr id="3" name="슬라이드 노트 개체 틀 2"/>
+          <p:cNvSpPr>
+            <a:spLocks noGrp="1"/>
+          </p:cNvSpPr>
+          <p:nvPr>
+            <p:ph type="body" idx="1"/>
+          </p:nvPr>
+        </p:nvSpPr>
+        <p:spPr/>
+        <p:txBody>
+          <a:bodyPr/>
+          <a:lstStyle/>
+          <a:p>
+            <a:r>
+              <a:rPr lang="ko-KR" altLang="en-US" dirty="0" err="1" smtClean="0"/>
+              <a:t>쓰레드로</a:t>
+            </a:r>
+            <a:r>
+              <a:rPr lang="ko-KR" altLang="en-US" dirty="0" smtClean="0"/>
+              <a:t> 서버를 만드는 부분</a:t>
+            </a:r>
+            <a:endParaRPr lang="en-US" altLang="ko-KR" dirty="0" smtClean="0"/>
+          </a:p>
+          <a:p>
+            <a:r>
+              <a:rPr lang="ko-KR" altLang="en-US" dirty="0" smtClean="0"/>
+              <a:t>기본적인 소켓 </a:t>
+            </a:r>
+            <a:r>
+              <a:rPr lang="ko-KR" altLang="en-US" dirty="0" err="1" smtClean="0"/>
+              <a:t>할당과정</a:t>
+            </a:r>
+            <a:endParaRPr lang="ko-KR" altLang="en-US" dirty="0"/>
+          </a:p>
+        </p:txBody>
+      </p:sp>
+      <p:sp>
+        <p:nvSpPr>
+          <p:cNvPr id="4" name="슬라이드 번호 개체 틀 3"/>
+          <p:cNvSpPr>
+            <a:spLocks noGrp="1"/>
+          </p:cNvSpPr>
+          <p:nvPr>
+            <p:ph type="sldNum" sz="quarter" idx="10"/>
+          </p:nvPr>
+        </p:nvSpPr>
+        <p:spPr/>
+        <p:txBody>
+          <a:bodyPr/>
+          <a:lstStyle/>
+          <a:p>
+            <a:fld id="{C2AFFE92-455A-4DA0-9131-57DAB90A5704}" type="slidenum">
+              <a:rPr lang="ko-KR" altLang="en-US" smtClean="0"/>
+              <a:t>10</a:t>
+            </a:fld>
+            <a:endParaRPr lang="ko-KR" altLang="en-US"/>
+          </a:p>
+        </p:txBody>
+      </p:sp>
+    </p:spTree>
+    <p:extLst>
+      <p:ext uri="{BB962C8B-B14F-4D97-AF65-F5344CB8AC3E}">
+        <p14:creationId xmlns:p14="http://schemas.microsoft.com/office/powerpoint/2010/main" val="3364582063"/>
+      </p:ext>
+    </p:extLst>
+  </p:cSld>
+  <p:clrMapOvr>
+    <a:masterClrMapping/>
+  </p:clrMapOvr>
+</p:notes>
+</file>
+
+<file path=ppt/notesSlides/notesSlide3.xml><?xml version="1.0" encoding="utf-8"?>
+<p:notes xmlns:a="http://schemas.openxmlformats.org/drawingml/2006/main" xmlns:r="http://schemas.openxmlformats.org/officeDocument/2006/relationships" xmlns:p="http://schemas.openxmlformats.org/presentationml/2006/main">
+  <p:cSld>
+    <p:spTree>
+      <p:nvGrpSpPr>
+        <p:cNvPr id="1" name=""/>
+        <p:cNvGrpSpPr/>
+        <p:nvPr/>
+      </p:nvGrpSpPr>
+      <p:grpSpPr>
+        <a:xfrm>
+          <a:off x="0" y="0"/>
+          <a:ext cx="0" cy="0"/>
+          <a:chOff x="0" y="0"/>
+          <a:chExt cx="0" cy="0"/>
+        </a:xfrm>
+      </p:grpSpPr>
+      <p:sp>
+        <p:nvSpPr>
+          <p:cNvPr id="2" name="슬라이드 이미지 개체 틀 1"/>
+          <p:cNvSpPr>
+            <a:spLocks noGrp="1" noRot="1" noChangeAspect="1"/>
+          </p:cNvSpPr>
+          <p:nvPr>
+            <p:ph type="sldImg"/>
+          </p:nvPr>
+        </p:nvSpPr>
+        <p:spPr/>
+      </p:sp>
+      <p:sp>
+        <p:nvSpPr>
+          <p:cNvPr id="3" name="슬라이드 노트 개체 틀 2"/>
+          <p:cNvSpPr>
+            <a:spLocks noGrp="1"/>
+          </p:cNvSpPr>
+          <p:nvPr>
+            <p:ph type="body" idx="1"/>
+          </p:nvPr>
+        </p:nvSpPr>
+        <p:spPr/>
+        <p:txBody>
+          <a:bodyPr/>
+          <a:lstStyle/>
+          <a:p>
+            <a:pPr marL="0" marR="0" indent="0" algn="l" defTabSz="914400" rtl="0" eaLnBrk="1" fontAlgn="auto" latinLnBrk="1" hangingPunct="1">
+              <a:lnSpc>
+                <a:spcPct val="100000"/>
+              </a:lnSpc>
+              <a:spcBef>
+                <a:spcPts val="0"/>
+              </a:spcBef>
+              <a:spcAft>
+                <a:spcPts val="0"/>
+              </a:spcAft>
+              <a:buClrTx/>
+              <a:buSzTx/>
+              <a:buFontTx/>
+              <a:buNone/>
+              <a:tabLst/>
+              <a:defRPr/>
+            </a:pPr>
+            <a:r>
+              <a:rPr lang="en-US" altLang="ko-KR" sz="1200" kern="1200" dirty="0" smtClean="0">
+                <a:solidFill>
+                  <a:schemeClr val="tx1"/>
+                </a:solidFill>
+                <a:effectLst/>
+                <a:latin typeface="+mn-lt"/>
+                <a:ea typeface="+mn-ea"/>
+                <a:cs typeface="+mn-cs"/>
+              </a:rPr>
+              <a:t>Char</a:t>
+            </a:r>
+            <a:r>
+              <a:rPr lang="en-US" altLang="ko-KR" sz="1200" kern="1200" baseline="0" dirty="0" smtClean="0">
+                <a:solidFill>
+                  <a:schemeClr val="tx1"/>
+                </a:solidFill>
+                <a:effectLst/>
+                <a:latin typeface="+mn-lt"/>
+                <a:ea typeface="+mn-ea"/>
+                <a:cs typeface="+mn-cs"/>
+              </a:rPr>
+              <a:t> </a:t>
+            </a:r>
+            <a:r>
+              <a:rPr lang="en-US" altLang="ko-KR" sz="1200" kern="1200" baseline="0" dirty="0" err="1" smtClean="0">
+                <a:solidFill>
+                  <a:schemeClr val="tx1"/>
+                </a:solidFill>
+                <a:effectLst/>
+                <a:latin typeface="+mn-lt"/>
+                <a:ea typeface="+mn-ea"/>
+                <a:cs typeface="+mn-cs"/>
+              </a:rPr>
+              <a:t>pt</a:t>
+            </a:r>
+            <a:r>
+              <a:rPr lang="en-US" altLang="ko-KR" sz="1200" kern="1200" baseline="0" dirty="0" smtClean="0">
+                <a:solidFill>
+                  <a:schemeClr val="tx1"/>
+                </a:solidFill>
+                <a:effectLst/>
+                <a:latin typeface="+mn-lt"/>
+                <a:ea typeface="+mn-ea"/>
+                <a:cs typeface="+mn-cs"/>
+              </a:rPr>
+              <a:t>[MAX_MESSAG_LEN]</a:t>
+            </a:r>
+            <a:endParaRPr lang="en-US" altLang="ko-KR" sz="1200" kern="1200" dirty="0" smtClean="0">
+              <a:solidFill>
+                <a:schemeClr val="tx1"/>
+              </a:solidFill>
+              <a:effectLst/>
+              <a:latin typeface="+mn-lt"/>
+              <a:ea typeface="+mn-ea"/>
+              <a:cs typeface="+mn-cs"/>
+            </a:endParaRPr>
+          </a:p>
+          <a:p>
+            <a:pPr marL="0" marR="0" indent="0" algn="l" defTabSz="914400" rtl="0" eaLnBrk="1" fontAlgn="auto" latinLnBrk="1" hangingPunct="1">
+              <a:lnSpc>
+                <a:spcPct val="100000"/>
+              </a:lnSpc>
+              <a:spcBef>
+                <a:spcPts val="0"/>
+              </a:spcBef>
+              <a:spcAft>
+                <a:spcPts val="0"/>
+              </a:spcAft>
+              <a:buClrTx/>
+              <a:buSzTx/>
+              <a:buFontTx/>
+              <a:buNone/>
+              <a:tabLst/>
+              <a:defRPr/>
+            </a:pPr>
+            <a:r>
+              <a:rPr lang="en-US" altLang="ko-KR" sz="1200" kern="1200" dirty="0" smtClean="0">
+                <a:solidFill>
+                  <a:schemeClr val="tx1"/>
+                </a:solidFill>
+                <a:effectLst/>
+                <a:latin typeface="+mn-lt"/>
+                <a:ea typeface="+mn-ea"/>
+                <a:cs typeface="+mn-cs"/>
+              </a:rPr>
+              <a:t>//</a:t>
+            </a:r>
+            <a:r>
+              <a:rPr lang="ko-KR" altLang="en-US" sz="1200" kern="1200" dirty="0" smtClean="0">
+                <a:solidFill>
+                  <a:schemeClr val="tx1"/>
+                </a:solidFill>
+                <a:effectLst/>
+                <a:latin typeface="+mn-lt"/>
+                <a:ea typeface="+mn-ea"/>
+                <a:cs typeface="+mn-cs"/>
+              </a:rPr>
+              <a:t>접속할 수 있는 강의 목록들 </a:t>
+            </a:r>
+            <a:endParaRPr lang="en-US" altLang="ko-KR" sz="1200" kern="1200" dirty="0" smtClean="0">
+              <a:solidFill>
+                <a:schemeClr val="tx1"/>
+              </a:solidFill>
+              <a:effectLst/>
+              <a:latin typeface="+mn-lt"/>
+              <a:ea typeface="+mn-ea"/>
+              <a:cs typeface="+mn-cs"/>
+            </a:endParaRPr>
+          </a:p>
+          <a:p>
+            <a:pPr marL="0" marR="0" indent="0" algn="l" defTabSz="914400" rtl="0" eaLnBrk="1" fontAlgn="auto" latinLnBrk="1" hangingPunct="1">
+              <a:lnSpc>
+                <a:spcPct val="100000"/>
+              </a:lnSpc>
+              <a:spcBef>
+                <a:spcPts val="0"/>
+              </a:spcBef>
+              <a:spcAft>
+                <a:spcPts val="0"/>
+              </a:spcAft>
+              <a:buClrTx/>
+              <a:buSzTx/>
+              <a:buFontTx/>
+              <a:buNone/>
+              <a:tabLst/>
+              <a:defRPr/>
+            </a:pPr>
+            <a:endParaRPr lang="en-US" altLang="ko-KR" sz="1200" kern="1200" dirty="0" smtClean="0">
+              <a:solidFill>
+                <a:schemeClr val="tx1"/>
+              </a:solidFill>
+              <a:effectLst/>
+              <a:latin typeface="+mn-lt"/>
+              <a:ea typeface="+mn-ea"/>
+              <a:cs typeface="+mn-cs"/>
+            </a:endParaRPr>
+          </a:p>
+          <a:p>
+            <a:pPr marL="0" marR="0" indent="0" algn="l" defTabSz="914400" rtl="0" eaLnBrk="1" fontAlgn="auto" latinLnBrk="1" hangingPunct="1">
+              <a:lnSpc>
+                <a:spcPct val="100000"/>
+              </a:lnSpc>
+              <a:spcBef>
+                <a:spcPts val="0"/>
+              </a:spcBef>
+              <a:spcAft>
+                <a:spcPts val="0"/>
+              </a:spcAft>
+              <a:buClrTx/>
+              <a:buSzTx/>
+              <a:buFontTx/>
+              <a:buNone/>
+              <a:tabLst/>
+              <a:defRPr/>
+            </a:pPr>
+            <a:r>
+              <a:rPr lang="en-US" altLang="ko-KR" sz="1200" kern="1200" dirty="0" err="1" smtClean="0">
+                <a:solidFill>
+                  <a:schemeClr val="tx1"/>
+                </a:solidFill>
+                <a:effectLst/>
+                <a:latin typeface="+mn-lt"/>
+                <a:ea typeface="+mn-ea"/>
+                <a:cs typeface="+mn-cs"/>
+              </a:rPr>
+              <a:t>Mutex</a:t>
+            </a:r>
+            <a:r>
+              <a:rPr lang="ko-KR" altLang="en-US" sz="1200" kern="1200" dirty="0" smtClean="0">
+                <a:solidFill>
+                  <a:schemeClr val="tx1"/>
+                </a:solidFill>
+                <a:effectLst/>
+                <a:latin typeface="+mn-lt"/>
+                <a:ea typeface="+mn-ea"/>
+                <a:cs typeface="+mn-cs"/>
+              </a:rPr>
+              <a:t>를 이용하여 </a:t>
+            </a:r>
+            <a:r>
+              <a:rPr lang="ko-KR" altLang="en-US" sz="1200" b="0" i="0" kern="1200" dirty="0" smtClean="0">
+                <a:solidFill>
+                  <a:schemeClr val="tx1"/>
+                </a:solidFill>
+                <a:effectLst/>
+                <a:latin typeface="+mn-lt"/>
+                <a:ea typeface="+mn-ea"/>
+                <a:cs typeface="+mn-cs"/>
+              </a:rPr>
+              <a:t>다수의 객체가 공유 자원에 접근하려고 하면</a:t>
+            </a:r>
+            <a:r>
+              <a:rPr lang="en-US" altLang="ko-KR" sz="1200" b="0" i="0" kern="1200" dirty="0" smtClean="0">
+                <a:solidFill>
+                  <a:schemeClr val="tx1"/>
+                </a:solidFill>
+                <a:effectLst/>
+                <a:latin typeface="+mn-lt"/>
+                <a:ea typeface="+mn-ea"/>
+                <a:cs typeface="+mn-cs"/>
+              </a:rPr>
+              <a:t>, (</a:t>
+            </a:r>
+            <a:r>
+              <a:rPr lang="ko-KR" altLang="en-US" sz="1200" b="0" i="0" kern="1200" dirty="0" smtClean="0">
+                <a:solidFill>
+                  <a:schemeClr val="tx1"/>
+                </a:solidFill>
+                <a:effectLst/>
+                <a:latin typeface="+mn-lt"/>
+                <a:ea typeface="+mn-ea"/>
+                <a:cs typeface="+mn-cs"/>
+              </a:rPr>
+              <a:t>공유 자원의 종류에 따라서</a:t>
+            </a:r>
+            <a:r>
+              <a:rPr lang="en-US" altLang="ko-KR" sz="1200" b="0" i="0" kern="1200" dirty="0" smtClean="0">
+                <a:solidFill>
+                  <a:schemeClr val="tx1"/>
+                </a:solidFill>
+                <a:effectLst/>
+                <a:latin typeface="+mn-lt"/>
+                <a:ea typeface="+mn-ea"/>
+                <a:cs typeface="+mn-cs"/>
+              </a:rPr>
+              <a:t>)</a:t>
+            </a:r>
+            <a:r>
+              <a:rPr lang="ko-KR" altLang="en-US" sz="1200" b="0" i="0" kern="1200" dirty="0" smtClean="0">
+                <a:solidFill>
+                  <a:schemeClr val="tx1"/>
+                </a:solidFill>
+                <a:effectLst/>
+                <a:latin typeface="+mn-lt"/>
+                <a:ea typeface="+mn-ea"/>
+                <a:cs typeface="+mn-cs"/>
+              </a:rPr>
+              <a:t>접근 시점을 동기화 시켜줄 필요가 생긴다</a:t>
+            </a:r>
+            <a:r>
+              <a:rPr lang="en-US" altLang="ko-KR" sz="1200" b="0" i="0" kern="1200" dirty="0" smtClean="0">
+                <a:solidFill>
+                  <a:schemeClr val="tx1"/>
+                </a:solidFill>
+                <a:effectLst/>
+                <a:latin typeface="+mn-lt"/>
+                <a:ea typeface="+mn-ea"/>
+                <a:cs typeface="+mn-cs"/>
+              </a:rPr>
+              <a:t>. </a:t>
+            </a:r>
+            <a:r>
+              <a:rPr lang="ko-KR" altLang="en-US" sz="1200" b="0" i="0" kern="1200" dirty="0" smtClean="0">
+                <a:solidFill>
+                  <a:schemeClr val="tx1"/>
+                </a:solidFill>
+                <a:effectLst/>
+                <a:latin typeface="+mn-lt"/>
+                <a:ea typeface="+mn-ea"/>
+                <a:cs typeface="+mn-cs"/>
+              </a:rPr>
+              <a:t>여기에서 </a:t>
+            </a:r>
+            <a:r>
+              <a:rPr lang="ko-KR" altLang="en-US" sz="1200" b="0" i="0" kern="1200" dirty="0" err="1" smtClean="0">
+                <a:solidFill>
+                  <a:schemeClr val="tx1"/>
+                </a:solidFill>
+                <a:effectLst/>
+                <a:latin typeface="+mn-lt"/>
+                <a:ea typeface="+mn-ea"/>
+                <a:cs typeface="+mn-cs"/>
+              </a:rPr>
+              <a:t>동기화란</a:t>
+            </a:r>
+            <a:r>
+              <a:rPr lang="ko-KR" altLang="en-US" sz="1200" b="0" i="0" kern="1200" dirty="0" smtClean="0">
+                <a:solidFill>
+                  <a:schemeClr val="tx1"/>
+                </a:solidFill>
+                <a:effectLst/>
+                <a:latin typeface="+mn-lt"/>
+                <a:ea typeface="+mn-ea"/>
+                <a:cs typeface="+mn-cs"/>
+              </a:rPr>
+              <a:t> 시간과 공간을 맞추어 준다는 의미로</a:t>
+            </a:r>
+            <a:r>
+              <a:rPr lang="en-US" altLang="ko-KR" sz="1200" b="0" i="0" kern="1200" dirty="0" smtClean="0">
+                <a:solidFill>
+                  <a:schemeClr val="tx1"/>
+                </a:solidFill>
+                <a:effectLst/>
+                <a:latin typeface="+mn-lt"/>
+                <a:ea typeface="+mn-ea"/>
+                <a:cs typeface="+mn-cs"/>
+              </a:rPr>
+              <a:t>, </a:t>
+            </a:r>
+            <a:r>
+              <a:rPr lang="ko-KR" altLang="en-US" sz="1200" b="0" i="0" kern="1200" dirty="0" smtClean="0">
+                <a:solidFill>
+                  <a:schemeClr val="tx1"/>
+                </a:solidFill>
+                <a:effectLst/>
+                <a:latin typeface="+mn-lt"/>
+                <a:ea typeface="+mn-ea"/>
+                <a:cs typeface="+mn-cs"/>
+              </a:rPr>
+              <a:t>즉 공유 자원 영역 </a:t>
+            </a:r>
+            <a:r>
+              <a:rPr lang="en-US" altLang="ko-KR" sz="1200" b="0" i="0" kern="1200" dirty="0" smtClean="0">
+                <a:solidFill>
+                  <a:schemeClr val="tx1"/>
+                </a:solidFill>
+                <a:effectLst/>
+                <a:latin typeface="+mn-lt"/>
+                <a:ea typeface="+mn-ea"/>
+                <a:cs typeface="+mn-cs"/>
+              </a:rPr>
+              <a:t>(</a:t>
+            </a:r>
+            <a:r>
+              <a:rPr lang="ko-KR" altLang="en-US" sz="1200" b="0" i="0" kern="1200" dirty="0" smtClean="0">
+                <a:solidFill>
+                  <a:schemeClr val="tx1"/>
+                </a:solidFill>
+                <a:effectLst/>
+                <a:latin typeface="+mn-lt"/>
+                <a:ea typeface="+mn-ea"/>
+                <a:cs typeface="+mn-cs"/>
+              </a:rPr>
+              <a:t>공간</a:t>
+            </a:r>
+            <a:r>
+              <a:rPr lang="en-US" altLang="ko-KR" sz="1200" b="0" i="0" kern="1200" dirty="0" smtClean="0">
+                <a:solidFill>
+                  <a:schemeClr val="tx1"/>
+                </a:solidFill>
+                <a:effectLst/>
+                <a:latin typeface="+mn-lt"/>
+                <a:ea typeface="+mn-ea"/>
+                <a:cs typeface="+mn-cs"/>
+              </a:rPr>
+              <a:t>)</a:t>
+            </a:r>
+            <a:r>
+              <a:rPr lang="ko-KR" altLang="en-US" sz="1200" b="0" i="0" kern="1200" dirty="0" smtClean="0">
+                <a:solidFill>
+                  <a:schemeClr val="tx1"/>
+                </a:solidFill>
+                <a:effectLst/>
+                <a:latin typeface="+mn-lt"/>
+                <a:ea typeface="+mn-ea"/>
+                <a:cs typeface="+mn-cs"/>
+              </a:rPr>
+              <a:t>에 접근하는 객체들의 진입 시간을 제어할 수 있어야 함을 의미한다</a:t>
+            </a:r>
+            <a:r>
+              <a:rPr lang="en-US" altLang="ko-KR" sz="1200" b="0" i="0" kern="1200" dirty="0" smtClean="0">
+                <a:solidFill>
+                  <a:schemeClr val="tx1"/>
+                </a:solidFill>
+                <a:effectLst/>
+                <a:latin typeface="+mn-lt"/>
+                <a:ea typeface="+mn-ea"/>
+                <a:cs typeface="+mn-cs"/>
+              </a:rPr>
+              <a:t>.</a:t>
+            </a:r>
+            <a:endParaRPr lang="ko-KR" altLang="en-US" sz="1200" kern="1200" dirty="0" smtClean="0">
+              <a:solidFill>
+                <a:schemeClr val="tx1"/>
+              </a:solidFill>
+              <a:effectLst/>
+              <a:latin typeface="+mn-lt"/>
+              <a:ea typeface="+mn-ea"/>
+              <a:cs typeface="+mn-cs"/>
+            </a:endParaRPr>
+          </a:p>
+          <a:p>
+            <a:endParaRPr lang="ko-KR" altLang="en-US" dirty="0"/>
+          </a:p>
+        </p:txBody>
+      </p:sp>
+      <p:sp>
+        <p:nvSpPr>
+          <p:cNvPr id="4" name="슬라이드 번호 개체 틀 3"/>
+          <p:cNvSpPr>
+            <a:spLocks noGrp="1"/>
+          </p:cNvSpPr>
+          <p:nvPr>
+            <p:ph type="sldNum" sz="quarter" idx="10"/>
+          </p:nvPr>
+        </p:nvSpPr>
+        <p:spPr/>
+        <p:txBody>
+          <a:bodyPr/>
+          <a:lstStyle/>
+          <a:p>
+            <a:fld id="{C2AFFE92-455A-4DA0-9131-57DAB90A5704}" type="slidenum">
+              <a:rPr lang="ko-KR" altLang="en-US" smtClean="0"/>
+              <a:t>12</a:t>
+            </a:fld>
+            <a:endParaRPr lang="ko-KR" altLang="en-US"/>
+          </a:p>
+        </p:txBody>
+      </p:sp>
+    </p:spTree>
+    <p:extLst>
+      <p:ext uri="{BB962C8B-B14F-4D97-AF65-F5344CB8AC3E}">
+        <p14:creationId xmlns:p14="http://schemas.microsoft.com/office/powerpoint/2010/main" val="1669738040"/>
+      </p:ext>
+    </p:extLst>
+  </p:cSld>
+  <p:clrMapOvr>
+    <a:masterClrMapping/>
+  </p:clrMapOvr>
+</p:notes>
+</file>
+
+<file path=ppt/notesSlides/notesSlide4.xml><?xml version="1.0" encoding="utf-8"?>
+<p:notes xmlns:a="http://schemas.openxmlformats.org/drawingml/2006/main" xmlns:r="http://schemas.openxmlformats.org/officeDocument/2006/relationships" xmlns:p="http://schemas.openxmlformats.org/presentationml/2006/main">
+  <p:cSld>
+    <p:spTree>
+      <p:nvGrpSpPr>
+        <p:cNvPr id="1" name=""/>
+        <p:cNvGrpSpPr/>
+        <p:nvPr/>
+      </p:nvGrpSpPr>
+      <p:grpSpPr>
+        <a:xfrm>
+          <a:off x="0" y="0"/>
+          <a:ext cx="0" cy="0"/>
+          <a:chOff x="0" y="0"/>
+          <a:chExt cx="0" cy="0"/>
+        </a:xfrm>
+      </p:grpSpPr>
+      <p:sp>
+        <p:nvSpPr>
+          <p:cNvPr id="2" name="슬라이드 이미지 개체 틀 1"/>
+          <p:cNvSpPr>
+            <a:spLocks noGrp="1" noRot="1" noChangeAspect="1"/>
+          </p:cNvSpPr>
+          <p:nvPr>
+            <p:ph type="sldImg"/>
+          </p:nvPr>
+        </p:nvSpPr>
+        <p:spPr/>
+      </p:sp>
+      <p:sp>
+        <p:nvSpPr>
+          <p:cNvPr id="3" name="슬라이드 노트 개체 틀 2"/>
+          <p:cNvSpPr>
+            <a:spLocks noGrp="1"/>
+          </p:cNvSpPr>
+          <p:nvPr>
+            <p:ph type="body" idx="1"/>
+          </p:nvPr>
+        </p:nvSpPr>
+        <p:spPr/>
+        <p:txBody>
+          <a:bodyPr/>
+          <a:lstStyle/>
+          <a:p>
+            <a:r>
+              <a:rPr lang="en-US" altLang="ko-KR" dirty="0" err="1" smtClean="0"/>
+              <a:t>Strncmp</a:t>
+            </a:r>
+            <a:r>
+              <a:rPr lang="en-US" altLang="ko-KR" baseline="0" dirty="0" smtClean="0"/>
+              <a:t> </a:t>
+            </a:r>
+            <a:r>
+              <a:rPr lang="ko-KR" altLang="en-US" baseline="0" dirty="0" smtClean="0"/>
+              <a:t>함수를 통해서 </a:t>
+            </a:r>
+            <a:r>
+              <a:rPr lang="en-US" altLang="ko-KR" baseline="0" dirty="0" err="1" smtClean="0"/>
+              <a:t>rbuf</a:t>
+            </a:r>
+            <a:r>
+              <a:rPr lang="ko-KR" altLang="en-US" baseline="0" dirty="0" smtClean="0"/>
+              <a:t>에 담겨져 있는 </a:t>
+            </a:r>
+            <a:r>
+              <a:rPr lang="en-US" altLang="ko-KR" baseline="0" dirty="0" smtClean="0"/>
+              <a:t>string</a:t>
+            </a:r>
+            <a:r>
+              <a:rPr lang="ko-KR" altLang="en-US" baseline="0" dirty="0" smtClean="0"/>
+              <a:t>을 비교하여 각각 명령어에 맞는 코드를 실행</a:t>
+            </a:r>
+            <a:endParaRPr lang="en-US" altLang="ko-KR" baseline="0" dirty="0" smtClean="0"/>
+          </a:p>
+          <a:p>
+            <a:endParaRPr lang="en-US" altLang="ko-KR" baseline="0" dirty="0" smtClean="0"/>
+          </a:p>
+          <a:p>
+            <a:pPr marL="0" marR="0" indent="0" algn="l" defTabSz="914400" rtl="0" eaLnBrk="1" fontAlgn="auto" latinLnBrk="1" hangingPunct="1">
+              <a:lnSpc>
+                <a:spcPct val="100000"/>
+              </a:lnSpc>
+              <a:spcBef>
+                <a:spcPts val="0"/>
+              </a:spcBef>
+              <a:spcAft>
+                <a:spcPts val="0"/>
+              </a:spcAft>
+              <a:buClrTx/>
+              <a:buSzTx/>
+              <a:buFontTx/>
+              <a:buNone/>
+              <a:tabLst/>
+              <a:defRPr/>
+            </a:pPr>
+            <a:r>
+              <a:rPr lang="ko-KR" altLang="en-US" sz="1200" kern="1200" dirty="0" smtClean="0">
+                <a:solidFill>
+                  <a:schemeClr val="tx1"/>
+                </a:solidFill>
+                <a:effectLst/>
+                <a:latin typeface="+mn-lt"/>
+                <a:ea typeface="+mn-ea"/>
+                <a:cs typeface="+mn-cs"/>
+              </a:rPr>
+              <a:t>명령어</a:t>
+            </a:r>
+            <a:r>
+              <a:rPr lang="ko-KR" altLang="en-US" sz="1200" kern="1200" baseline="0" dirty="0" smtClean="0">
+                <a:solidFill>
+                  <a:schemeClr val="tx1"/>
+                </a:solidFill>
+                <a:effectLst/>
+                <a:latin typeface="+mn-lt"/>
+                <a:ea typeface="+mn-ea"/>
+                <a:cs typeface="+mn-cs"/>
+              </a:rPr>
+              <a:t>를 거르는 </a:t>
+            </a:r>
+            <a:r>
+              <a:rPr lang="en-US" altLang="ko-KR" sz="1200" kern="1200" baseline="0" dirty="0" smtClean="0">
+                <a:solidFill>
+                  <a:schemeClr val="tx1"/>
+                </a:solidFill>
+                <a:effectLst/>
+                <a:latin typeface="+mn-lt"/>
+                <a:ea typeface="+mn-ea"/>
+                <a:cs typeface="+mn-cs"/>
+              </a:rPr>
+              <a:t>if</a:t>
+            </a:r>
+            <a:r>
+              <a:rPr lang="ko-KR" altLang="en-US" sz="1200" kern="1200" baseline="0" dirty="0" smtClean="0">
+                <a:solidFill>
+                  <a:schemeClr val="tx1"/>
+                </a:solidFill>
+                <a:effectLst/>
+                <a:latin typeface="+mn-lt"/>
+                <a:ea typeface="+mn-ea"/>
+                <a:cs typeface="+mn-cs"/>
+              </a:rPr>
+              <a:t>문 통과한다면</a:t>
+            </a:r>
+            <a:r>
+              <a:rPr lang="en-US" altLang="ko-KR" sz="1200" kern="1200" baseline="0" dirty="0" smtClean="0">
+                <a:solidFill>
+                  <a:schemeClr val="tx1"/>
+                </a:solidFill>
+                <a:effectLst/>
+                <a:latin typeface="+mn-lt"/>
+                <a:ea typeface="+mn-ea"/>
+                <a:cs typeface="+mn-cs"/>
+              </a:rPr>
+              <a:t> </a:t>
+            </a:r>
+            <a:r>
+              <a:rPr lang="ko-KR" altLang="en-US" sz="1200" kern="1200" dirty="0" smtClean="0">
+                <a:solidFill>
+                  <a:schemeClr val="tx1"/>
+                </a:solidFill>
+                <a:effectLst/>
+                <a:latin typeface="+mn-lt"/>
+                <a:ea typeface="+mn-ea"/>
+                <a:cs typeface="+mn-cs"/>
+              </a:rPr>
+              <a:t>아무런 특수 문자열이 없으면 그대로 출력</a:t>
+            </a:r>
+            <a:endParaRPr lang="en-US" altLang="ko-KR" sz="1200" kern="1200" dirty="0" smtClean="0">
+              <a:solidFill>
+                <a:schemeClr val="tx1"/>
+              </a:solidFill>
+              <a:effectLst/>
+              <a:latin typeface="+mn-lt"/>
+              <a:ea typeface="+mn-ea"/>
+              <a:cs typeface="+mn-cs"/>
+            </a:endParaRPr>
+          </a:p>
+          <a:p>
+            <a:pPr marL="0" marR="0" indent="0" algn="l" defTabSz="914400" rtl="0" eaLnBrk="1" fontAlgn="auto" latinLnBrk="1" hangingPunct="1">
+              <a:lnSpc>
+                <a:spcPct val="100000"/>
+              </a:lnSpc>
+              <a:spcBef>
+                <a:spcPts val="0"/>
+              </a:spcBef>
+              <a:spcAft>
+                <a:spcPts val="0"/>
+              </a:spcAft>
+              <a:buClrTx/>
+              <a:buSzTx/>
+              <a:buFontTx/>
+              <a:buNone/>
+              <a:tabLst/>
+              <a:defRPr/>
+            </a:pPr>
+            <a:endParaRPr lang="ko-KR" altLang="en-US" sz="1200" kern="1200" dirty="0" smtClean="0">
+              <a:solidFill>
+                <a:schemeClr val="tx1"/>
+              </a:solidFill>
+              <a:effectLst/>
+              <a:latin typeface="+mn-lt"/>
+              <a:ea typeface="+mn-ea"/>
+              <a:cs typeface="+mn-cs"/>
+            </a:endParaRPr>
+          </a:p>
+          <a:p>
+            <a:r>
+              <a:rPr lang="en-US" altLang="ko-KR" dirty="0" err="1" smtClean="0"/>
+              <a:t>Fgets</a:t>
+            </a:r>
+            <a:r>
+              <a:rPr lang="ko-KR" altLang="en-US" dirty="0" smtClean="0"/>
+              <a:t>함수를</a:t>
+            </a:r>
+            <a:r>
+              <a:rPr lang="ko-KR" altLang="en-US" baseline="0" dirty="0" smtClean="0"/>
+              <a:t> 통해서 </a:t>
+            </a:r>
+            <a:r>
+              <a:rPr lang="en-US" altLang="ko-KR" baseline="0" dirty="0" smtClean="0"/>
+              <a:t>client</a:t>
+            </a:r>
+            <a:r>
+              <a:rPr lang="ko-KR" altLang="en-US" baseline="0" dirty="0" smtClean="0"/>
+              <a:t>가 입력한 값들을 </a:t>
+            </a:r>
+            <a:r>
+              <a:rPr lang="en-US" altLang="ko-KR" baseline="0" dirty="0" err="1" smtClean="0"/>
+              <a:t>sbuf</a:t>
+            </a:r>
+            <a:r>
+              <a:rPr lang="ko-KR" altLang="en-US" baseline="0" dirty="0" smtClean="0"/>
+              <a:t>에 저장한다</a:t>
+            </a:r>
+            <a:endParaRPr lang="en-US" altLang="ko-KR" baseline="0" dirty="0" smtClean="0"/>
+          </a:p>
+          <a:p>
+            <a:endParaRPr lang="en-US" altLang="ko-KR" baseline="0" dirty="0" smtClean="0"/>
+          </a:p>
+          <a:p>
+            <a:pPr marL="0" marR="0" indent="0" algn="l" defTabSz="914400" rtl="0" eaLnBrk="1" fontAlgn="auto" latinLnBrk="1" hangingPunct="1">
+              <a:lnSpc>
+                <a:spcPct val="100000"/>
+              </a:lnSpc>
+              <a:spcBef>
+                <a:spcPts val="0"/>
+              </a:spcBef>
+              <a:spcAft>
+                <a:spcPts val="0"/>
+              </a:spcAft>
+              <a:buClrTx/>
+              <a:buSzTx/>
+              <a:buFontTx/>
+              <a:buNone/>
+              <a:tabLst/>
+              <a:defRPr/>
+            </a:pPr>
+            <a:r>
+              <a:rPr lang="en-US" altLang="ko-KR" baseline="0" dirty="0" smtClean="0"/>
+              <a:t>/p</a:t>
+            </a:r>
+            <a:r>
+              <a:rPr lang="ko-KR" altLang="en-US" baseline="0" dirty="0" smtClean="0"/>
+              <a:t>나 </a:t>
+            </a:r>
+            <a:r>
+              <a:rPr lang="en-US" altLang="ko-KR" baseline="0" dirty="0" smtClean="0"/>
+              <a:t>/f </a:t>
+            </a:r>
+            <a:r>
+              <a:rPr lang="ko-KR" altLang="en-US" baseline="0" dirty="0" smtClean="0"/>
+              <a:t>명령어가 </a:t>
+            </a:r>
+            <a:r>
+              <a:rPr lang="ko-KR" altLang="en-US" baseline="0" dirty="0" err="1" smtClean="0"/>
+              <a:t>입력되었을때를</a:t>
+            </a:r>
+            <a:r>
+              <a:rPr lang="ko-KR" altLang="en-US" baseline="0" dirty="0" smtClean="0"/>
+              <a:t> 위해서 다른 변수에 저장한다</a:t>
+            </a:r>
+            <a:endParaRPr lang="en-US" altLang="ko-KR" dirty="0" smtClean="0"/>
+          </a:p>
+          <a:p>
+            <a:r>
+              <a:rPr lang="ko-KR" altLang="en-US" baseline="0" dirty="0" smtClean="0"/>
+              <a:t> </a:t>
+            </a:r>
+            <a:r>
+              <a:rPr lang="en-US" altLang="ko-KR" baseline="0" dirty="0" err="1" smtClean="0"/>
+              <a:t>strcpy</a:t>
+            </a:r>
+            <a:r>
+              <a:rPr lang="ko-KR" altLang="en-US" baseline="0" dirty="0" smtClean="0"/>
+              <a:t>에서 </a:t>
+            </a:r>
+            <a:r>
+              <a:rPr lang="en-US" altLang="ko-KR" baseline="0" dirty="0" err="1" smtClean="0"/>
+              <a:t>sbuf</a:t>
+            </a:r>
+            <a:r>
+              <a:rPr lang="ko-KR" altLang="en-US" baseline="0" dirty="0" smtClean="0"/>
+              <a:t>에 있는 값을 </a:t>
+            </a:r>
+            <a:r>
+              <a:rPr lang="en-US" altLang="ko-KR" baseline="0" dirty="0" err="1" smtClean="0"/>
+              <a:t>rbuf</a:t>
+            </a:r>
+            <a:r>
+              <a:rPr lang="ko-KR" altLang="en-US" baseline="0" dirty="0" smtClean="0"/>
+              <a:t>로 복사한다</a:t>
+            </a:r>
+            <a:r>
+              <a:rPr lang="en-US" altLang="ko-KR" baseline="0" dirty="0" smtClean="0"/>
+              <a:t>.</a:t>
+            </a:r>
+          </a:p>
+          <a:p>
+            <a:endParaRPr lang="ko-KR" altLang="en-US" dirty="0"/>
+          </a:p>
+        </p:txBody>
+      </p:sp>
+      <p:sp>
+        <p:nvSpPr>
+          <p:cNvPr id="4" name="슬라이드 번호 개체 틀 3"/>
+          <p:cNvSpPr>
+            <a:spLocks noGrp="1"/>
+          </p:cNvSpPr>
+          <p:nvPr>
+            <p:ph type="sldNum" sz="quarter" idx="10"/>
+          </p:nvPr>
+        </p:nvSpPr>
+        <p:spPr/>
+        <p:txBody>
+          <a:bodyPr/>
+          <a:lstStyle/>
+          <a:p>
+            <a:fld id="{C2AFFE92-455A-4DA0-9131-57DAB90A5704}" type="slidenum">
+              <a:rPr lang="ko-KR" altLang="en-US" smtClean="0"/>
+              <a:t>14</a:t>
+            </a:fld>
+            <a:endParaRPr lang="ko-KR" altLang="en-US"/>
+          </a:p>
+        </p:txBody>
+      </p:sp>
+    </p:spTree>
+    <p:extLst>
+      <p:ext uri="{BB962C8B-B14F-4D97-AF65-F5344CB8AC3E}">
+        <p14:creationId xmlns:p14="http://schemas.microsoft.com/office/powerpoint/2010/main" val="3844536420"/>
+      </p:ext>
+    </p:extLst>
+  </p:cSld>
+  <p:clrMapOvr>
+    <a:masterClrMapping/>
+  </p:clrMapOvr>
+</p:notes>
+</file>
+
+<file path=ppt/notesSlides/notesSlide5.xml><?xml version="1.0" encoding="utf-8"?>
+<p:notes xmlns:a="http://schemas.openxmlformats.org/drawingml/2006/main" xmlns:r="http://schemas.openxmlformats.org/officeDocument/2006/relationships" xmlns:p="http://schemas.openxmlformats.org/presentationml/2006/main">
+  <p:cSld>
+    <p:spTree>
+      <p:nvGrpSpPr>
+        <p:cNvPr id="1" name=""/>
+        <p:cNvGrpSpPr/>
+        <p:nvPr/>
+      </p:nvGrpSpPr>
+      <p:grpSpPr>
+        <a:xfrm>
+          <a:off x="0" y="0"/>
+          <a:ext cx="0" cy="0"/>
+          <a:chOff x="0" y="0"/>
+          <a:chExt cx="0" cy="0"/>
+        </a:xfrm>
+      </p:grpSpPr>
+      <p:sp>
+        <p:nvSpPr>
+          <p:cNvPr id="2" name="슬라이드 이미지 개체 틀 1"/>
+          <p:cNvSpPr>
+            <a:spLocks noGrp="1" noRot="1" noChangeAspect="1"/>
+          </p:cNvSpPr>
+          <p:nvPr>
+            <p:ph type="sldImg"/>
+          </p:nvPr>
+        </p:nvSpPr>
+        <p:spPr/>
+      </p:sp>
+      <p:sp>
+        <p:nvSpPr>
+          <p:cNvPr id="3" name="슬라이드 노트 개체 틀 2"/>
+          <p:cNvSpPr>
+            <a:spLocks noGrp="1"/>
+          </p:cNvSpPr>
+          <p:nvPr>
+            <p:ph type="body" idx="1"/>
+          </p:nvPr>
+        </p:nvSpPr>
+        <p:spPr/>
+        <p:txBody>
+          <a:bodyPr/>
+          <a:lstStyle/>
+          <a:p>
+            <a:endParaRPr lang="ko-KR" altLang="en-US" dirty="0"/>
+          </a:p>
+        </p:txBody>
+      </p:sp>
+      <p:sp>
+        <p:nvSpPr>
+          <p:cNvPr id="4" name="슬라이드 번호 개체 틀 3"/>
+          <p:cNvSpPr>
+            <a:spLocks noGrp="1"/>
+          </p:cNvSpPr>
+          <p:nvPr>
+            <p:ph type="sldNum" sz="quarter" idx="10"/>
+          </p:nvPr>
+        </p:nvSpPr>
+        <p:spPr/>
+        <p:txBody>
+          <a:bodyPr/>
+          <a:lstStyle/>
+          <a:p>
+            <a:fld id="{C2AFFE92-455A-4DA0-9131-57DAB90A5704}" type="slidenum">
+              <a:rPr lang="ko-KR" altLang="en-US" smtClean="0"/>
+              <a:t>17</a:t>
+            </a:fld>
+            <a:endParaRPr lang="ko-KR" altLang="en-US"/>
+          </a:p>
+        </p:txBody>
+      </p:sp>
+    </p:spTree>
+    <p:extLst>
+      <p:ext uri="{BB962C8B-B14F-4D97-AF65-F5344CB8AC3E}">
+        <p14:creationId xmlns:p14="http://schemas.microsoft.com/office/powerpoint/2010/main" val="904664426"/>
+      </p:ext>
+    </p:extLst>
+  </p:cSld>
+  <p:clrMapOvr>
+    <a:masterClrMapping/>
+  </p:clrMapOvr>
+</p:notes>
+</file>
+
+<file path=ppt/notesSlides/notesSlide6.xml><?xml version="1.0" encoding="utf-8"?>
+<p:notes xmlns:a="http://schemas.openxmlformats.org/drawingml/2006/main" xmlns:r="http://schemas.openxmlformats.org/officeDocument/2006/relationships" xmlns:p="http://schemas.openxmlformats.org/presentationml/2006/main">
+  <p:cSld>
+    <p:spTree>
+      <p:nvGrpSpPr>
+        <p:cNvPr id="1" name=""/>
+        <p:cNvGrpSpPr/>
+        <p:nvPr/>
+      </p:nvGrpSpPr>
+      <p:grpSpPr>
+        <a:xfrm>
+          <a:off x="0" y="0"/>
+          <a:ext cx="0" cy="0"/>
+          <a:chOff x="0" y="0"/>
+          <a:chExt cx="0" cy="0"/>
+        </a:xfrm>
+      </p:grpSpPr>
+      <p:sp>
+        <p:nvSpPr>
+          <p:cNvPr id="2" name="슬라이드 이미지 개체 틀 1"/>
+          <p:cNvSpPr>
+            <a:spLocks noGrp="1" noRot="1" noChangeAspect="1"/>
+          </p:cNvSpPr>
+          <p:nvPr>
+            <p:ph type="sldImg"/>
+          </p:nvPr>
+        </p:nvSpPr>
+        <p:spPr/>
+      </p:sp>
+      <p:sp>
+        <p:nvSpPr>
+          <p:cNvPr id="3" name="슬라이드 노트 개체 틀 2"/>
+          <p:cNvSpPr>
+            <a:spLocks noGrp="1"/>
+          </p:cNvSpPr>
+          <p:nvPr>
+            <p:ph type="body" idx="1"/>
+          </p:nvPr>
+        </p:nvSpPr>
+        <p:spPr/>
+        <p:txBody>
+          <a:bodyPr/>
+          <a:lstStyle/>
+          <a:p>
+            <a:pPr fontAlgn="base" latinLnBrk="1"/>
+            <a:r>
+              <a:rPr lang="ko-KR" altLang="en-US" sz="1200" i="1" kern="1200" dirty="0" smtClean="0">
+                <a:solidFill>
+                  <a:schemeClr val="tx1"/>
+                </a:solidFill>
+                <a:effectLst/>
+                <a:latin typeface="+mn-lt"/>
+                <a:ea typeface="+mn-ea"/>
+                <a:cs typeface="+mn-cs"/>
+              </a:rPr>
+              <a:t>통신을 할 때 따로 보내져야 하는 데이터들이 겹쳐서 전송 되거나 버퍼가 내용이 손상되는 현상이 발생하였다</a:t>
+            </a:r>
+            <a:r>
+              <a:rPr lang="en-US" altLang="ko-KR" sz="1200" i="1" kern="1200" dirty="0" smtClean="0">
+                <a:solidFill>
+                  <a:schemeClr val="tx1"/>
+                </a:solidFill>
+                <a:effectLst/>
+                <a:latin typeface="+mn-lt"/>
+                <a:ea typeface="+mn-ea"/>
+                <a:cs typeface="+mn-cs"/>
+              </a:rPr>
+              <a:t>.</a:t>
+            </a:r>
+            <a:endParaRPr lang="ko-KR" altLang="en-US" sz="1200" i="1" kern="1200" dirty="0" smtClean="0">
+              <a:solidFill>
+                <a:schemeClr val="tx1"/>
+              </a:solidFill>
+              <a:effectLst/>
+              <a:latin typeface="+mn-lt"/>
+              <a:ea typeface="+mn-ea"/>
+              <a:cs typeface="+mn-cs"/>
+            </a:endParaRPr>
+          </a:p>
+          <a:p>
+            <a:pPr fontAlgn="base" latinLnBrk="1"/>
+            <a:r>
+              <a:rPr lang="en-US" altLang="ko-KR" sz="1200" i="1" kern="1200" dirty="0" smtClean="0">
+                <a:solidFill>
+                  <a:schemeClr val="tx1"/>
+                </a:solidFill>
+                <a:effectLst/>
+                <a:latin typeface="+mn-lt"/>
+                <a:ea typeface="+mn-ea"/>
+                <a:cs typeface="+mn-cs"/>
+              </a:rPr>
+              <a:t>send()</a:t>
+            </a:r>
+            <a:r>
+              <a:rPr lang="ko-KR" altLang="en-US" sz="1200" i="1" kern="1200" dirty="0" smtClean="0">
+                <a:solidFill>
+                  <a:schemeClr val="tx1"/>
+                </a:solidFill>
+                <a:effectLst/>
+                <a:latin typeface="+mn-lt"/>
+                <a:ea typeface="+mn-ea"/>
+                <a:cs typeface="+mn-cs"/>
+              </a:rPr>
+              <a:t>함수를 쓴 뒤 바로 </a:t>
+            </a:r>
+            <a:r>
+              <a:rPr lang="en-US" altLang="ko-KR" sz="1200" i="1" kern="1200" dirty="0" smtClean="0">
+                <a:solidFill>
+                  <a:schemeClr val="tx1"/>
+                </a:solidFill>
+                <a:effectLst/>
+                <a:latin typeface="+mn-lt"/>
+                <a:ea typeface="+mn-ea"/>
+                <a:cs typeface="+mn-cs"/>
+              </a:rPr>
+              <a:t>send()</a:t>
+            </a:r>
+            <a:r>
+              <a:rPr lang="ko-KR" altLang="en-US" sz="1200" i="1" kern="1200" dirty="0" smtClean="0">
+                <a:solidFill>
+                  <a:schemeClr val="tx1"/>
+                </a:solidFill>
+                <a:effectLst/>
+                <a:latin typeface="+mn-lt"/>
+                <a:ea typeface="+mn-ea"/>
+                <a:cs typeface="+mn-cs"/>
+              </a:rPr>
+              <a:t>함수를 쓰면 데이터들이 중복이 되어 날라 가는 것을 확인하고 </a:t>
+            </a:r>
+            <a:r>
+              <a:rPr lang="en-US" altLang="ko-KR" sz="1200" i="1" kern="1200" dirty="0" smtClean="0">
+                <a:solidFill>
+                  <a:schemeClr val="tx1"/>
+                </a:solidFill>
+                <a:effectLst/>
+                <a:latin typeface="+mn-lt"/>
+                <a:ea typeface="+mn-ea"/>
+                <a:cs typeface="+mn-cs"/>
+              </a:rPr>
+              <a:t>sleep()</a:t>
+            </a:r>
+            <a:r>
+              <a:rPr lang="ko-KR" altLang="en-US" sz="1200" i="1" kern="1200" dirty="0" smtClean="0">
+                <a:solidFill>
+                  <a:schemeClr val="tx1"/>
+                </a:solidFill>
+                <a:effectLst/>
+                <a:latin typeface="+mn-lt"/>
+                <a:ea typeface="+mn-ea"/>
+                <a:cs typeface="+mn-cs"/>
+              </a:rPr>
+              <a:t>함수로 시간차를 두어 전송 할 수 있게 만들어주었다</a:t>
+            </a:r>
+            <a:r>
+              <a:rPr lang="en-US" altLang="ko-KR" sz="1200" i="1" kern="1200" dirty="0" smtClean="0">
+                <a:solidFill>
+                  <a:schemeClr val="tx1"/>
+                </a:solidFill>
+                <a:effectLst/>
+                <a:latin typeface="+mn-lt"/>
+                <a:ea typeface="+mn-ea"/>
+                <a:cs typeface="+mn-cs"/>
+              </a:rPr>
+              <a:t>.</a:t>
+            </a:r>
+            <a:endParaRPr lang="ko-KR" altLang="en-US" sz="1200" i="1" kern="1200" dirty="0" smtClean="0">
+              <a:solidFill>
+                <a:schemeClr val="tx1"/>
+              </a:solidFill>
+              <a:effectLst/>
+              <a:latin typeface="+mn-lt"/>
+              <a:ea typeface="+mn-ea"/>
+              <a:cs typeface="+mn-cs"/>
+            </a:endParaRPr>
+          </a:p>
+          <a:p>
+            <a:endParaRPr lang="ko-KR" altLang="en-US" dirty="0"/>
+          </a:p>
+        </p:txBody>
+      </p:sp>
+      <p:sp>
+        <p:nvSpPr>
+          <p:cNvPr id="4" name="슬라이드 번호 개체 틀 3"/>
+          <p:cNvSpPr>
+            <a:spLocks noGrp="1"/>
+          </p:cNvSpPr>
+          <p:nvPr>
+            <p:ph type="sldNum" sz="quarter" idx="10"/>
+          </p:nvPr>
+        </p:nvSpPr>
+        <p:spPr/>
+        <p:txBody>
+          <a:bodyPr/>
+          <a:lstStyle/>
+          <a:p>
+            <a:fld id="{C2AFFE92-455A-4DA0-9131-57DAB90A5704}" type="slidenum">
+              <a:rPr lang="ko-KR" altLang="en-US" smtClean="0"/>
+              <a:t>23</a:t>
+            </a:fld>
+            <a:endParaRPr lang="ko-KR" altLang="en-US"/>
+          </a:p>
+        </p:txBody>
+      </p:sp>
+    </p:spTree>
+    <p:extLst>
+      <p:ext uri="{BB962C8B-B14F-4D97-AF65-F5344CB8AC3E}">
+        <p14:creationId xmlns:p14="http://schemas.microsoft.com/office/powerpoint/2010/main" val="3717242562"/>
+      </p:ext>
+    </p:extLst>
+  </p:cSld>
+  <p:clrMapOvr>
+    <a:masterClrMapping/>
+  </p:clrMapOvr>
+</p:notes>
+</file>
+
 <file path=ppt/slideLayouts/slideLayout1.xml><?xml version="1.0" encoding="utf-8"?>
 <p:sldLayout xmlns:a="http://schemas.openxmlformats.org/drawingml/2006/main" xmlns:r="http://schemas.openxmlformats.org/officeDocument/2006/relationships" xmlns:p="http://schemas.openxmlformats.org/presentationml/2006/main" type="title" preserve="1">
   <p:cSld name="제목 슬라이드">
@@ -956,7 +2201,7 @@
           <a:p>
             <a:fld id="{FB4F50AB-2C49-403F-B441-A13C806D55BE}" type="datetimeFigureOut">
               <a:rPr lang="ko-KR" altLang="en-US" smtClean="0"/>
-              <a:t>2019-11-14</a:t>
+              <a:t>2019-11-28</a:t>
             </a:fld>
             <a:endParaRPr lang="ko-KR" altLang="en-US"/>
           </a:p>
@@ -1124,7 +2369,7 @@
           <a:p>
             <a:fld id="{FB4F50AB-2C49-403F-B441-A13C806D55BE}" type="datetimeFigureOut">
               <a:rPr lang="ko-KR" altLang="en-US" smtClean="0"/>
-              <a:t>2019-11-14</a:t>
+              <a:t>2019-11-28</a:t>
             </a:fld>
             <a:endParaRPr lang="ko-KR" altLang="en-US"/>
           </a:p>
@@ -1302,7 +2547,7 @@
           <a:p>
             <a:fld id="{FB4F50AB-2C49-403F-B441-A13C806D55BE}" type="datetimeFigureOut">
               <a:rPr lang="ko-KR" altLang="en-US" smtClean="0"/>
-              <a:t>2019-11-14</a:t>
+              <a:t>2019-11-28</a:t>
             </a:fld>
             <a:endParaRPr lang="ko-KR" altLang="en-US"/>
           </a:p>
@@ -1549,7 +2794,7 @@
                 </a:solidFill>
               </a:rPr>
               <a:pPr/>
-              <a:t>2019-11-14</a:t>
+              <a:t>2019-11-28</a:t>
             </a:fld>
             <a:endParaRPr lang="ko-KR" altLang="en-US">
               <a:solidFill>
@@ -1749,7 +2994,7 @@
                 </a:solidFill>
               </a:rPr>
               <a:pPr/>
-              <a:t>2019-11-14</a:t>
+              <a:t>2019-11-28</a:t>
             </a:fld>
             <a:endParaRPr lang="ko-KR" altLang="en-US">
               <a:solidFill>
@@ -2026,7 +3271,7 @@
                 </a:solidFill>
               </a:rPr>
               <a:pPr/>
-              <a:t>2019-11-14</a:t>
+              <a:t>2019-11-28</a:t>
             </a:fld>
             <a:endParaRPr lang="ko-KR" altLang="en-US">
               <a:solidFill>
@@ -2343,7 +3588,7 @@
                 </a:solidFill>
               </a:rPr>
               <a:pPr/>
-              <a:t>2019-11-14</a:t>
+              <a:t>2019-11-28</a:t>
             </a:fld>
             <a:endParaRPr lang="ko-KR" altLang="en-US">
               <a:solidFill>
@@ -2794,7 +4039,7 @@
                 </a:solidFill>
               </a:rPr>
               <a:pPr/>
-              <a:t>2019-11-14</a:t>
+              <a:t>2019-11-28</a:t>
             </a:fld>
             <a:endParaRPr lang="ko-KR" altLang="en-US">
               <a:solidFill>
@@ -2943,7 +4188,7 @@
                 </a:solidFill>
               </a:rPr>
               <a:pPr/>
-              <a:t>2019-11-14</a:t>
+              <a:t>2019-11-28</a:t>
             </a:fld>
             <a:endParaRPr lang="ko-KR" altLang="en-US">
               <a:solidFill>
@@ -3070,7 +4315,7 @@
                 </a:solidFill>
               </a:rPr>
               <a:pPr/>
-              <a:t>2019-11-14</a:t>
+              <a:t>2019-11-28</a:t>
             </a:fld>
             <a:endParaRPr lang="ko-KR" altLang="en-US">
               <a:solidFill>
@@ -3377,7 +4622,7 @@
                 </a:solidFill>
               </a:rPr>
               <a:pPr/>
-              <a:t>2019-11-14</a:t>
+              <a:t>2019-11-28</a:t>
             </a:fld>
             <a:endParaRPr lang="ko-KR" altLang="en-US">
               <a:solidFill>
@@ -3570,7 +4815,7 @@
           <a:p>
             <a:fld id="{FB4F50AB-2C49-403F-B441-A13C806D55BE}" type="datetimeFigureOut">
               <a:rPr lang="ko-KR" altLang="en-US" smtClean="0"/>
-              <a:t>2019-11-14</a:t>
+              <a:t>2019-11-28</a:t>
             </a:fld>
             <a:endParaRPr lang="ko-KR" altLang="en-US"/>
           </a:p>
@@ -3832,7 +5077,7 @@
                 </a:solidFill>
               </a:rPr>
               <a:pPr/>
-              <a:t>2019-11-14</a:t>
+              <a:t>2019-11-28</a:t>
             </a:fld>
             <a:endParaRPr lang="ko-KR" altLang="en-US">
               <a:solidFill>
@@ -4032,7 +5277,7 @@
                 </a:solidFill>
               </a:rPr>
               <a:pPr/>
-              <a:t>2019-11-14</a:t>
+              <a:t>2019-11-28</a:t>
             </a:fld>
             <a:endParaRPr lang="ko-KR" altLang="en-US">
               <a:solidFill>
@@ -4242,7 +5487,7 @@
                 </a:solidFill>
               </a:rPr>
               <a:pPr/>
-              <a:t>2019-11-14</a:t>
+              <a:t>2019-11-28</a:t>
             </a:fld>
             <a:endParaRPr lang="ko-KR" altLang="en-US">
               <a:solidFill>
@@ -4514,7 +5759,7 @@
                 </a:solidFill>
               </a:rPr>
               <a:pPr/>
-              <a:t>2019-11-14</a:t>
+              <a:t>2019-11-28</a:t>
             </a:fld>
             <a:endParaRPr lang="ko-KR" altLang="en-US">
               <a:solidFill>
@@ -4714,7 +5959,7 @@
                 </a:solidFill>
               </a:rPr>
               <a:pPr/>
-              <a:t>2019-11-14</a:t>
+              <a:t>2019-11-28</a:t>
             </a:fld>
             <a:endParaRPr lang="ko-KR" altLang="en-US">
               <a:solidFill>
@@ -4991,7 +6236,7 @@
                 </a:solidFill>
               </a:rPr>
               <a:pPr/>
-              <a:t>2019-11-14</a:t>
+              <a:t>2019-11-28</a:t>
             </a:fld>
             <a:endParaRPr lang="ko-KR" altLang="en-US">
               <a:solidFill>
@@ -5308,7 +6553,7 @@
                 </a:solidFill>
               </a:rPr>
               <a:pPr/>
-              <a:t>2019-11-14</a:t>
+              <a:t>2019-11-28</a:t>
             </a:fld>
             <a:endParaRPr lang="ko-KR" altLang="en-US">
               <a:solidFill>
@@ -5759,7 +7004,7 @@
                 </a:solidFill>
               </a:rPr>
               <a:pPr/>
-              <a:t>2019-11-14</a:t>
+              <a:t>2019-11-28</a:t>
             </a:fld>
             <a:endParaRPr lang="ko-KR" altLang="en-US">
               <a:solidFill>
@@ -5908,7 +7153,7 @@
                 </a:solidFill>
               </a:rPr>
               <a:pPr/>
-              <a:t>2019-11-14</a:t>
+              <a:t>2019-11-28</a:t>
             </a:fld>
             <a:endParaRPr lang="ko-KR" altLang="en-US">
               <a:solidFill>
@@ -6035,7 +7280,7 @@
                 </a:solidFill>
               </a:rPr>
               <a:pPr/>
-              <a:t>2019-11-14</a:t>
+              <a:t>2019-11-28</a:t>
             </a:fld>
             <a:endParaRPr lang="ko-KR" altLang="en-US">
               <a:solidFill>
@@ -6305,7 +7550,7 @@
           <a:p>
             <a:fld id="{FB4F50AB-2C49-403F-B441-A13C806D55BE}" type="datetimeFigureOut">
               <a:rPr lang="ko-KR" altLang="en-US" smtClean="0"/>
-              <a:t>2019-11-14</a:t>
+              <a:t>2019-11-28</a:t>
             </a:fld>
             <a:endParaRPr lang="ko-KR" altLang="en-US"/>
           </a:p>
@@ -6587,7 +7832,7 @@
                 </a:solidFill>
               </a:rPr>
               <a:pPr/>
-              <a:t>2019-11-14</a:t>
+              <a:t>2019-11-28</a:t>
             </a:fld>
             <a:endParaRPr lang="ko-KR" altLang="en-US">
               <a:solidFill>
@@ -6874,7 +8119,7 @@
                 </a:solidFill>
               </a:rPr>
               <a:pPr/>
-              <a:t>2019-11-14</a:t>
+              <a:t>2019-11-28</a:t>
             </a:fld>
             <a:endParaRPr lang="ko-KR" altLang="en-US">
               <a:solidFill>
@@ -7074,7 +8319,7 @@
                 </a:solidFill>
               </a:rPr>
               <a:pPr/>
-              <a:t>2019-11-14</a:t>
+              <a:t>2019-11-28</a:t>
             </a:fld>
             <a:endParaRPr lang="ko-KR" altLang="en-US">
               <a:solidFill>
@@ -7284,7 +8529,7 @@
                 </a:solidFill>
               </a:rPr>
               <a:pPr/>
-              <a:t>2019-11-14</a:t>
+              <a:t>2019-11-28</a:t>
             </a:fld>
             <a:endParaRPr lang="ko-KR" altLang="en-US">
               <a:solidFill>
@@ -7556,7 +8801,7 @@
                 </a:solidFill>
               </a:rPr>
               <a:pPr/>
-              <a:t>2019-11-14</a:t>
+              <a:t>2019-11-28</a:t>
             </a:fld>
             <a:endParaRPr lang="ko-KR" altLang="en-US">
               <a:solidFill>
@@ -7756,7 +9001,7 @@
                 </a:solidFill>
               </a:rPr>
               <a:pPr/>
-              <a:t>2019-11-14</a:t>
+              <a:t>2019-11-28</a:t>
             </a:fld>
             <a:endParaRPr lang="ko-KR" altLang="en-US">
               <a:solidFill>
@@ -8033,7 +9278,7 @@
                 </a:solidFill>
               </a:rPr>
               <a:pPr/>
-              <a:t>2019-11-14</a:t>
+              <a:t>2019-11-28</a:t>
             </a:fld>
             <a:endParaRPr lang="ko-KR" altLang="en-US">
               <a:solidFill>
@@ -8350,7 +9595,7 @@
                 </a:solidFill>
               </a:rPr>
               <a:pPr/>
-              <a:t>2019-11-14</a:t>
+              <a:t>2019-11-28</a:t>
             </a:fld>
             <a:endParaRPr lang="ko-KR" altLang="en-US">
               <a:solidFill>
@@ -8801,7 +10046,7 @@
                 </a:solidFill>
               </a:rPr>
               <a:pPr/>
-              <a:t>2019-11-14</a:t>
+              <a:t>2019-11-28</a:t>
             </a:fld>
             <a:endParaRPr lang="ko-KR" altLang="en-US">
               <a:solidFill>
@@ -8950,7 +10195,7 @@
                 </a:solidFill>
               </a:rPr>
               <a:pPr/>
-              <a:t>2019-11-14</a:t>
+              <a:t>2019-11-28</a:t>
             </a:fld>
             <a:endParaRPr lang="ko-KR" altLang="en-US">
               <a:solidFill>
@@ -9260,7 +10505,7 @@
           <a:p>
             <a:fld id="{FB4F50AB-2C49-403F-B441-A13C806D55BE}" type="datetimeFigureOut">
               <a:rPr lang="ko-KR" altLang="en-US" smtClean="0"/>
-              <a:t>2019-11-14</a:t>
+              <a:t>2019-11-28</a:t>
             </a:fld>
             <a:endParaRPr lang="ko-KR" altLang="en-US"/>
           </a:p>
@@ -9362,7 +10607,7 @@
                 </a:solidFill>
               </a:rPr>
               <a:pPr/>
-              <a:t>2019-11-14</a:t>
+              <a:t>2019-11-28</a:t>
             </a:fld>
             <a:endParaRPr lang="ko-KR" altLang="en-US">
               <a:solidFill>
@@ -9669,7 +10914,7 @@
                 </a:solidFill>
               </a:rPr>
               <a:pPr/>
-              <a:t>2019-11-14</a:t>
+              <a:t>2019-11-28</a:t>
             </a:fld>
             <a:endParaRPr lang="ko-KR" altLang="en-US">
               <a:solidFill>
@@ -9956,7 +11201,7 @@
                 </a:solidFill>
               </a:rPr>
               <a:pPr/>
-              <a:t>2019-11-14</a:t>
+              <a:t>2019-11-28</a:t>
             </a:fld>
             <a:endParaRPr lang="ko-KR" altLang="en-US">
               <a:solidFill>
@@ -10156,7 +11401,7 @@
                 </a:solidFill>
               </a:rPr>
               <a:pPr/>
-              <a:t>2019-11-14</a:t>
+              <a:t>2019-11-28</a:t>
             </a:fld>
             <a:endParaRPr lang="ko-KR" altLang="en-US">
               <a:solidFill>
@@ -10366,7 +11611,7 @@
                 </a:solidFill>
               </a:rPr>
               <a:pPr/>
-              <a:t>2019-11-14</a:t>
+              <a:t>2019-11-28</a:t>
             </a:fld>
             <a:endParaRPr lang="ko-KR" altLang="en-US">
               <a:solidFill>
@@ -10638,7 +11883,7 @@
                 </a:solidFill>
               </a:rPr>
               <a:pPr/>
-              <a:t>2019-11-14</a:t>
+              <a:t>2019-11-28</a:t>
             </a:fld>
             <a:endParaRPr lang="ko-KR" altLang="en-US">
               <a:solidFill>
@@ -10838,7 +12083,7 @@
                 </a:solidFill>
               </a:rPr>
               <a:pPr/>
-              <a:t>2019-11-14</a:t>
+              <a:t>2019-11-28</a:t>
             </a:fld>
             <a:endParaRPr lang="ko-KR" altLang="en-US">
               <a:solidFill>
@@ -11115,7 +12360,7 @@
                 </a:solidFill>
               </a:rPr>
               <a:pPr/>
-              <a:t>2019-11-14</a:t>
+              <a:t>2019-11-28</a:t>
             </a:fld>
             <a:endParaRPr lang="ko-KR" altLang="en-US">
               <a:solidFill>
@@ -11432,7 +12677,7 @@
                 </a:solidFill>
               </a:rPr>
               <a:pPr/>
-              <a:t>2019-11-14</a:t>
+              <a:t>2019-11-28</a:t>
             </a:fld>
             <a:endParaRPr lang="ko-KR" altLang="en-US">
               <a:solidFill>
@@ -11883,7 +13128,7 @@
                 </a:solidFill>
               </a:rPr>
               <a:pPr/>
-              <a:t>2019-11-14</a:t>
+              <a:t>2019-11-28</a:t>
             </a:fld>
             <a:endParaRPr lang="ko-KR" altLang="en-US">
               <a:solidFill>
@@ -12327,7 +13572,7 @@
           <a:p>
             <a:fld id="{FB4F50AB-2C49-403F-B441-A13C806D55BE}" type="datetimeFigureOut">
               <a:rPr lang="ko-KR" altLang="en-US" smtClean="0"/>
-              <a:t>2019-11-14</a:t>
+              <a:t>2019-11-28</a:t>
             </a:fld>
             <a:endParaRPr lang="ko-KR" altLang="en-US"/>
           </a:p>
@@ -12451,7 +13696,7 @@
                 </a:solidFill>
               </a:rPr>
               <a:pPr/>
-              <a:t>2019-11-14</a:t>
+              <a:t>2019-11-28</a:t>
             </a:fld>
             <a:endParaRPr lang="ko-KR" altLang="en-US">
               <a:solidFill>
@@ -12578,7 +13823,7 @@
                 </a:solidFill>
               </a:rPr>
               <a:pPr/>
-              <a:t>2019-11-14</a:t>
+              <a:t>2019-11-28</a:t>
             </a:fld>
             <a:endParaRPr lang="ko-KR" altLang="en-US">
               <a:solidFill>
@@ -12885,7 +14130,7 @@
                 </a:solidFill>
               </a:rPr>
               <a:pPr/>
-              <a:t>2019-11-14</a:t>
+              <a:t>2019-11-28</a:t>
             </a:fld>
             <a:endParaRPr lang="ko-KR" altLang="en-US">
               <a:solidFill>
@@ -13172,7 +14417,7 @@
                 </a:solidFill>
               </a:rPr>
               <a:pPr/>
-              <a:t>2019-11-14</a:t>
+              <a:t>2019-11-28</a:t>
             </a:fld>
             <a:endParaRPr lang="ko-KR" altLang="en-US">
               <a:solidFill>
@@ -13372,7 +14617,7 @@
                 </a:solidFill>
               </a:rPr>
               <a:pPr/>
-              <a:t>2019-11-14</a:t>
+              <a:t>2019-11-28</a:t>
             </a:fld>
             <a:endParaRPr lang="ko-KR" altLang="en-US">
               <a:solidFill>
@@ -13582,7 +14827,7 @@
                 </a:solidFill>
               </a:rPr>
               <a:pPr/>
-              <a:t>2019-11-14</a:t>
+              <a:t>2019-11-28</a:t>
             </a:fld>
             <a:endParaRPr lang="ko-KR" altLang="en-US">
               <a:solidFill>
@@ -13854,7 +15099,7 @@
                 </a:solidFill>
               </a:rPr>
               <a:pPr/>
-              <a:t>2019-11-14</a:t>
+              <a:t>2019-11-28</a:t>
             </a:fld>
             <a:endParaRPr lang="ko-KR" altLang="en-US">
               <a:solidFill>
@@ -14054,7 +15299,7 @@
                 </a:solidFill>
               </a:rPr>
               <a:pPr/>
-              <a:t>2019-11-14</a:t>
+              <a:t>2019-11-28</a:t>
             </a:fld>
             <a:endParaRPr lang="ko-KR" altLang="en-US">
               <a:solidFill>
@@ -14331,7 +15576,7 @@
                 </a:solidFill>
               </a:rPr>
               <a:pPr/>
-              <a:t>2019-11-14</a:t>
+              <a:t>2019-11-28</a:t>
             </a:fld>
             <a:endParaRPr lang="ko-KR" altLang="en-US">
               <a:solidFill>
@@ -14648,7 +15893,7 @@
                 </a:solidFill>
               </a:rPr>
               <a:pPr/>
-              <a:t>2019-11-14</a:t>
+              <a:t>2019-11-28</a:t>
             </a:fld>
             <a:endParaRPr lang="ko-KR" altLang="en-US">
               <a:solidFill>
@@ -14790,7 +16035,7 @@
           <a:p>
             <a:fld id="{FB4F50AB-2C49-403F-B441-A13C806D55BE}" type="datetimeFigureOut">
               <a:rPr lang="ko-KR" altLang="en-US" smtClean="0"/>
-              <a:t>2019-11-14</a:t>
+              <a:t>2019-11-28</a:t>
             </a:fld>
             <a:endParaRPr lang="ko-KR" altLang="en-US"/>
           </a:p>
@@ -15216,7 +16461,7 @@
                 </a:solidFill>
               </a:rPr>
               <a:pPr/>
-              <a:t>2019-11-14</a:t>
+              <a:t>2019-11-28</a:t>
             </a:fld>
             <a:endParaRPr lang="ko-KR" altLang="en-US">
               <a:solidFill>
@@ -15365,7 +16610,7 @@
                 </a:solidFill>
               </a:rPr>
               <a:pPr/>
-              <a:t>2019-11-14</a:t>
+              <a:t>2019-11-28</a:t>
             </a:fld>
             <a:endParaRPr lang="ko-KR" altLang="en-US">
               <a:solidFill>
@@ -15492,7 +16737,7 @@
                 </a:solidFill>
               </a:rPr>
               <a:pPr/>
-              <a:t>2019-11-14</a:t>
+              <a:t>2019-11-28</a:t>
             </a:fld>
             <a:endParaRPr lang="ko-KR" altLang="en-US">
               <a:solidFill>
@@ -15799,7 +17044,7 @@
                 </a:solidFill>
               </a:rPr>
               <a:pPr/>
-              <a:t>2019-11-14</a:t>
+              <a:t>2019-11-28</a:t>
             </a:fld>
             <a:endParaRPr lang="ko-KR" altLang="en-US">
               <a:solidFill>
@@ -16086,7 +17331,7 @@
                 </a:solidFill>
               </a:rPr>
               <a:pPr/>
-              <a:t>2019-11-14</a:t>
+              <a:t>2019-11-28</a:t>
             </a:fld>
             <a:endParaRPr lang="ko-KR" altLang="en-US">
               <a:solidFill>
@@ -16286,7 +17531,7 @@
                 </a:solidFill>
               </a:rPr>
               <a:pPr/>
-              <a:t>2019-11-14</a:t>
+              <a:t>2019-11-28</a:t>
             </a:fld>
             <a:endParaRPr lang="ko-KR" altLang="en-US">
               <a:solidFill>
@@ -16496,7 +17741,7 @@
                 </a:solidFill>
               </a:rPr>
               <a:pPr/>
-              <a:t>2019-11-14</a:t>
+              <a:t>2019-11-28</a:t>
             </a:fld>
             <a:endParaRPr lang="ko-KR" altLang="en-US">
               <a:solidFill>
@@ -16616,7 +17861,7 @@
           <a:p>
             <a:fld id="{FB4F50AB-2C49-403F-B441-A13C806D55BE}" type="datetimeFigureOut">
               <a:rPr lang="ko-KR" altLang="en-US" smtClean="0"/>
-              <a:t>2019-11-14</a:t>
+              <a:t>2019-11-28</a:t>
             </a:fld>
             <a:endParaRPr lang="ko-KR" altLang="en-US"/>
           </a:p>
@@ -16891,7 +18136,7 @@
           <a:p>
             <a:fld id="{FB4F50AB-2C49-403F-B441-A13C806D55BE}" type="datetimeFigureOut">
               <a:rPr lang="ko-KR" altLang="en-US" smtClean="0"/>
-              <a:t>2019-11-14</a:t>
+              <a:t>2019-11-28</a:t>
             </a:fld>
             <a:endParaRPr lang="ko-KR" altLang="en-US"/>
           </a:p>
@@ -17146,7 +18391,7 @@
           <a:p>
             <a:fld id="{FB4F50AB-2C49-403F-B441-A13C806D55BE}" type="datetimeFigureOut">
               <a:rPr lang="ko-KR" altLang="en-US" smtClean="0"/>
-              <a:t>2019-11-14</a:t>
+              <a:t>2019-11-28</a:t>
             </a:fld>
             <a:endParaRPr lang="ko-KR" altLang="en-US"/>
           </a:p>
@@ -17366,7 +18611,7 @@
           <a:p>
             <a:fld id="{FB4F50AB-2C49-403F-B441-A13C806D55BE}" type="datetimeFigureOut">
               <a:rPr lang="ko-KR" altLang="en-US" smtClean="0"/>
-              <a:t>2019-11-14</a:t>
+              <a:t>2019-11-28</a:t>
             </a:fld>
             <a:endParaRPr lang="ko-KR" altLang="en-US"/>
           </a:p>
@@ -17890,7 +19135,7 @@
                 </a:solidFill>
               </a:rPr>
               <a:pPr/>
-              <a:t>2019-11-14</a:t>
+              <a:t>2019-11-28</a:t>
             </a:fld>
             <a:endParaRPr lang="ko-KR" altLang="en-US">
               <a:solidFill>
@@ -18433,7 +19678,7 @@
                 </a:solidFill>
               </a:rPr>
               <a:pPr/>
-              <a:t>2019-11-14</a:t>
+              <a:t>2019-11-28</a:t>
             </a:fld>
             <a:endParaRPr lang="ko-KR" altLang="en-US">
               <a:solidFill>
@@ -18976,7 +20221,7 @@
                 </a:solidFill>
               </a:rPr>
               <a:pPr/>
-              <a:t>2019-11-14</a:t>
+              <a:t>2019-11-28</a:t>
             </a:fld>
             <a:endParaRPr lang="ko-KR" altLang="en-US">
               <a:solidFill>
@@ -19525,7 +20770,7 @@
                 </a:solidFill>
               </a:rPr>
               <a:pPr/>
-              <a:t>2019-11-14</a:t>
+              <a:t>2019-11-28</a:t>
             </a:fld>
             <a:endParaRPr lang="ko-KR" altLang="en-US">
               <a:solidFill>
@@ -20068,7 +21313,7 @@
                 </a:solidFill>
               </a:rPr>
               <a:pPr/>
-              <a:t>2019-11-14</a:t>
+              <a:t>2019-11-28</a:t>
             </a:fld>
             <a:endParaRPr lang="ko-KR" altLang="en-US">
               <a:solidFill>
@@ -20820,16 +22065,6 @@
               </a:rPr>
               <a:t>GWANGJU SOFTWARE MEISTERHIGHSCHOOL</a:t>
             </a:r>
-            <a:endParaRPr lang="en-US" altLang="ko-KR" sz="900" dirty="0">
-              <a:solidFill>
-                <a:schemeClr val="tx1">
-                  <a:lumMod val="65000"/>
-                  <a:lumOff val="35000"/>
-                </a:schemeClr>
-              </a:solidFill>
-              <a:latin typeface="나눔바른고딕" panose="020B0603020101020101" pitchFamily="50" charset="-127"/>
-              <a:ea typeface="나눔바른고딕" panose="020B0603020101020101" pitchFamily="50" charset="-127"/>
-            </a:endParaRPr>
           </a:p>
         </p:txBody>
       </p:sp>
@@ -21025,7 +22260,7 @@
           <p:nvPr/>
         </p:nvPicPr>
         <p:blipFill>
-          <a:blip r:embed="rId2"/>
+          <a:blip r:embed="rId3"/>
           <a:stretch>
             <a:fillRect/>
           </a:stretch>
@@ -21105,7 +22340,7 @@
           <p:nvPr/>
         </p:nvPicPr>
         <p:blipFill>
-          <a:blip r:embed="rId3"/>
+          <a:blip r:embed="rId4"/>
           <a:stretch>
             <a:fillRect/>
           </a:stretch>
@@ -21153,6 +22388,56 @@
               <a:t>server.c</a:t>
             </a:r>
             <a:endParaRPr lang="ko-KR" altLang="en-US" dirty="0"/>
+          </a:p>
+        </p:txBody>
+      </p:sp>
+      <p:sp>
+        <p:nvSpPr>
+          <p:cNvPr id="13" name="직사각형 12">
+            <a:extLst>
+              <a:ext uri="{FF2B5EF4-FFF2-40B4-BE49-F238E27FC236}">
+                <a16:creationId xmlns:a16="http://schemas.microsoft.com/office/drawing/2014/main" id="{23376139-8A06-46E1-A27C-0C04ED577DDC}"/>
+              </a:ext>
+            </a:extLst>
+          </p:cNvPr>
+          <p:cNvSpPr/>
+          <p:nvPr/>
+        </p:nvSpPr>
+        <p:spPr>
+          <a:xfrm>
+            <a:off x="1571091" y="3595107"/>
+            <a:ext cx="4865783" cy="769995"/>
+          </a:xfrm>
+          <a:prstGeom prst="rect">
+            <a:avLst/>
+          </a:prstGeom>
+          <a:noFill/>
+          <a:ln>
+            <a:solidFill>
+              <a:srgbClr val="FF0000"/>
+            </a:solidFill>
+          </a:ln>
+        </p:spPr>
+        <p:style>
+          <a:lnRef idx="2">
+            <a:schemeClr val="accent6"/>
+          </a:lnRef>
+          <a:fillRef idx="1">
+            <a:schemeClr val="lt1"/>
+          </a:fillRef>
+          <a:effectRef idx="0">
+            <a:schemeClr val="accent6"/>
+          </a:effectRef>
+          <a:fontRef idx="minor">
+            <a:schemeClr val="dk1"/>
+          </a:fontRef>
+        </p:style>
+        <p:txBody>
+          <a:bodyPr rtlCol="0" anchor="ctr"/>
+          <a:lstStyle/>
+          <a:p>
+            <a:pPr algn="ctr"/>
+            <a:endParaRPr lang="ko-KR" altLang="en-US"/>
           </a:p>
         </p:txBody>
       </p:sp>
@@ -21441,6 +22726,51 @@
                       </p:childTnLst>
                     </p:cTn>
                   </p:par>
+                  <p:par>
+                    <p:cTn id="24" fill="hold">
+                      <p:stCondLst>
+                        <p:cond delay="indefinite"/>
+                      </p:stCondLst>
+                      <p:childTnLst>
+                        <p:par>
+                          <p:cTn id="25" fill="hold">
+                            <p:stCondLst>
+                              <p:cond delay="0"/>
+                            </p:stCondLst>
+                            <p:childTnLst>
+                              <p:par>
+                                <p:cTn id="26" presetID="1" presetClass="entr" presetSubtype="0" fill="hold" grpId="0" nodeType="clickEffect">
+                                  <p:stCondLst>
+                                    <p:cond delay="0"/>
+                                  </p:stCondLst>
+                                  <p:childTnLst>
+                                    <p:set>
+                                      <p:cBhvr>
+                                        <p:cTn id="27" dur="1" fill="hold">
+                                          <p:stCondLst>
+                                            <p:cond delay="0"/>
+                                          </p:stCondLst>
+                                        </p:cTn>
+                                        <p:tgtEl>
+                                          <p:spTgt spid="13"/>
+                                        </p:tgtEl>
+                                        <p:attrNameLst>
+                                          <p:attrName>style.visibility</p:attrName>
+                                        </p:attrNameLst>
+                                      </p:cBhvr>
+                                      <p:to>
+                                        <p:strVal val="visible"/>
+                                      </p:to>
+                                    </p:set>
+                                  </p:childTnLst>
+                                </p:cTn>
+                              </p:par>
+                            </p:childTnLst>
+                          </p:cTn>
+                        </p:par>
+                      </p:childTnLst>
+                    </p:cTn>
+                  </p:par>
                 </p:childTnLst>
               </p:cTn>
               <p:prevCondLst>
@@ -21467,6 +22797,7 @@
       <p:bldP spid="6" grpId="1" animBg="1"/>
       <p:bldP spid="10" grpId="0"/>
       <p:bldP spid="10" grpId="1"/>
+      <p:bldP spid="13" grpId="0" animBg="1"/>
     </p:bldLst>
   </p:timing>
 </p:sld>
@@ -21563,16 +22894,6 @@
               </a:rPr>
               <a:t>GWANGJU SOFTWARE MEISTERHIGHSCHOOL</a:t>
             </a:r>
-            <a:endParaRPr lang="en-US" altLang="ko-KR" sz="900" dirty="0">
-              <a:solidFill>
-                <a:schemeClr val="tx1">
-                  <a:lumMod val="65000"/>
-                  <a:lumOff val="35000"/>
-                </a:schemeClr>
-              </a:solidFill>
-              <a:latin typeface="나눔바른고딕" panose="020B0603020101020101" pitchFamily="50" charset="-127"/>
-              <a:ea typeface="나눔바른고딕" panose="020B0603020101020101" pitchFamily="50" charset="-127"/>
-            </a:endParaRPr>
           </a:p>
         </p:txBody>
       </p:sp>
@@ -21835,7 +23156,7 @@
           <p:nvPr/>
         </p:nvPicPr>
         <p:blipFill>
-          <a:blip r:embed="rId2"/>
+          <a:blip r:embed="rId3"/>
           <a:stretch>
             <a:fillRect/>
           </a:stretch>
@@ -21924,16 +23245,6 @@
               </a:rPr>
               <a:t>GWANGJU SOFTWARE MEISTERHIGHSCHOOL</a:t>
             </a:r>
-            <a:endParaRPr lang="en-US" altLang="ko-KR" sz="900" dirty="0">
-              <a:solidFill>
-                <a:schemeClr val="tx1">
-                  <a:lumMod val="65000"/>
-                  <a:lumOff val="35000"/>
-                </a:schemeClr>
-              </a:solidFill>
-              <a:latin typeface="나눔바른고딕" panose="020B0603020101020101" pitchFamily="50" charset="-127"/>
-              <a:ea typeface="나눔바른고딕" panose="020B0603020101020101" pitchFamily="50" charset="-127"/>
-            </a:endParaRPr>
           </a:p>
         </p:txBody>
       </p:sp>
@@ -22179,7 +23490,7 @@
           <p:nvPr/>
         </p:nvPicPr>
         <p:blipFill>
-          <a:blip r:embed="rId3"/>
+          <a:blip r:embed="rId4"/>
           <a:stretch>
             <a:fillRect/>
           </a:stretch>
@@ -22245,7 +23556,7 @@
           <p:nvPr/>
         </p:nvPicPr>
         <p:blipFill>
-          <a:blip r:embed="rId4"/>
+          <a:blip r:embed="rId5"/>
           <a:stretch>
             <a:fillRect/>
           </a:stretch>
@@ -22275,7 +23586,7 @@
           <p:nvPr/>
         </p:nvPicPr>
         <p:blipFill>
-          <a:blip r:embed="rId5"/>
+          <a:blip r:embed="rId6"/>
           <a:stretch>
             <a:fillRect/>
           </a:stretch>
@@ -23044,16 +24355,6 @@
               </a:rPr>
               <a:t>GWANGJU SOFTWARE MEISTERHIGHSCHOOL</a:t>
             </a:r>
-            <a:endParaRPr lang="en-US" altLang="ko-KR" sz="900" dirty="0">
-              <a:solidFill>
-                <a:schemeClr val="tx1">
-                  <a:lumMod val="65000"/>
-                  <a:lumOff val="35000"/>
-                </a:schemeClr>
-              </a:solidFill>
-              <a:latin typeface="나눔바른고딕" panose="020B0603020101020101" pitchFamily="50" charset="-127"/>
-              <a:ea typeface="나눔바른고딕" panose="020B0603020101020101" pitchFamily="50" charset="-127"/>
-            </a:endParaRPr>
           </a:p>
         </p:txBody>
       </p:sp>
@@ -23381,16 +24682,6 @@
               </a:rPr>
               <a:t>GWANGJU SOFTWARE MEISTERHIGHSCHOOL</a:t>
             </a:r>
-            <a:endParaRPr lang="en-US" altLang="ko-KR" sz="900" dirty="0">
-              <a:solidFill>
-                <a:schemeClr val="tx1">
-                  <a:lumMod val="65000"/>
-                  <a:lumOff val="35000"/>
-                </a:schemeClr>
-              </a:solidFill>
-              <a:latin typeface="나눔바른고딕" panose="020B0603020101020101" pitchFamily="50" charset="-127"/>
-              <a:ea typeface="나눔바른고딕" panose="020B0603020101020101" pitchFamily="50" charset="-127"/>
-            </a:endParaRPr>
           </a:p>
         </p:txBody>
       </p:sp>
@@ -23592,7 +24883,7 @@
           <p:nvPr/>
         </p:nvPicPr>
         <p:blipFill>
-          <a:blip r:embed="rId2"/>
+          <a:blip r:embed="rId3"/>
           <a:stretch>
             <a:fillRect/>
           </a:stretch>
@@ -23622,7 +24913,7 @@
           <p:nvPr/>
         </p:nvPicPr>
         <p:blipFill>
-          <a:blip r:embed="rId3"/>
+          <a:blip r:embed="rId4"/>
           <a:stretch>
             <a:fillRect/>
           </a:stretch>
@@ -23652,7 +24943,7 @@
           <p:nvPr/>
         </p:nvPicPr>
         <p:blipFill>
-          <a:blip r:embed="rId4"/>
+          <a:blip r:embed="rId5"/>
           <a:stretch>
             <a:fillRect/>
           </a:stretch>
@@ -23682,7 +24973,7 @@
           <p:nvPr/>
         </p:nvPicPr>
         <p:blipFill>
-          <a:blip r:embed="rId5"/>
+          <a:blip r:embed="rId6"/>
           <a:stretch>
             <a:fillRect/>
           </a:stretch>
@@ -23712,7 +25003,7 @@
           <p:nvPr/>
         </p:nvPicPr>
         <p:blipFill>
-          <a:blip r:embed="rId6"/>
+          <a:blip r:embed="rId7"/>
           <a:stretch>
             <a:fillRect/>
           </a:stretch>
@@ -23742,7 +25033,7 @@
           <p:nvPr/>
         </p:nvPicPr>
         <p:blipFill>
-          <a:blip r:embed="rId7"/>
+          <a:blip r:embed="rId8"/>
           <a:stretch>
             <a:fillRect/>
           </a:stretch>
@@ -24299,16 +25590,6 @@
               </a:rPr>
               <a:t>GWANGJU SOFTWARE MEISTERHIGHSCHOOL</a:t>
             </a:r>
-            <a:endParaRPr lang="en-US" altLang="ko-KR" sz="900" dirty="0">
-              <a:solidFill>
-                <a:schemeClr val="tx1">
-                  <a:lumMod val="65000"/>
-                  <a:lumOff val="35000"/>
-                </a:schemeClr>
-              </a:solidFill>
-              <a:latin typeface="나눔바른고딕" panose="020B0603020101020101" pitchFamily="50" charset="-127"/>
-              <a:ea typeface="나눔바른고딕" panose="020B0603020101020101" pitchFamily="50" charset="-127"/>
-            </a:endParaRPr>
           </a:p>
         </p:txBody>
       </p:sp>
@@ -24921,48 +26202,6 @@
       </p:cxnSp>
       <p:sp>
         <p:nvSpPr>
-          <p:cNvPr id="28" name="직사각형 27"/>
-          <p:cNvSpPr/>
-          <p:nvPr/>
-        </p:nvSpPr>
-        <p:spPr>
-          <a:xfrm>
-            <a:off x="6598799" y="6309320"/>
-            <a:ext cx="1989647" cy="282770"/>
-          </a:xfrm>
-          <a:prstGeom prst="rect">
-            <a:avLst/>
-          </a:prstGeom>
-        </p:spPr>
-        <p:txBody>
-          <a:bodyPr wrap="none">
-            <a:spAutoFit/>
-          </a:bodyPr>
-          <a:lstStyle/>
-          <a:p>
-            <a:pPr>
-              <a:lnSpc>
-                <a:spcPct val="150000"/>
-              </a:lnSpc>
-            </a:pPr>
-            <a:r>
-              <a:rPr lang="en-US" altLang="ko-KR" sz="900" dirty="0">
-                <a:solidFill>
-                  <a:schemeClr val="tx1">
-                    <a:lumMod val="65000"/>
-                    <a:lumOff val="35000"/>
-                  </a:schemeClr>
-                </a:solidFill>
-                <a:latin typeface="나눔바른고딕" panose="020B0603020101020101" pitchFamily="50" charset="-127"/>
-                <a:ea typeface="나눔바른고딕" panose="020B0603020101020101" pitchFamily="50" charset="-127"/>
-              </a:rPr>
-              <a:t>CHONBUK NATIONAL UNIVERSITY</a:t>
-            </a:r>
-          </a:p>
-        </p:txBody>
-      </p:sp>
-      <p:sp>
-        <p:nvSpPr>
           <p:cNvPr id="31" name="직사각형 30"/>
           <p:cNvSpPr/>
           <p:nvPr/>
@@ -25240,7 +26479,7 @@
           <p:nvPr/>
         </p:nvPicPr>
         <p:blipFill>
-          <a:blip r:embed="rId2"/>
+          <a:blip r:embed="rId3"/>
           <a:stretch>
             <a:fillRect/>
           </a:stretch>
@@ -25290,48 +26529,6 @@
           </a:fontRef>
         </p:style>
       </p:cxnSp>
-      <p:sp>
-        <p:nvSpPr>
-          <p:cNvPr id="28" name="직사각형 27"/>
-          <p:cNvSpPr/>
-          <p:nvPr/>
-        </p:nvSpPr>
-        <p:spPr>
-          <a:xfrm>
-            <a:off x="6598799" y="6309320"/>
-            <a:ext cx="1989647" cy="282770"/>
-          </a:xfrm>
-          <a:prstGeom prst="rect">
-            <a:avLst/>
-          </a:prstGeom>
-        </p:spPr>
-        <p:txBody>
-          <a:bodyPr wrap="none">
-            <a:spAutoFit/>
-          </a:bodyPr>
-          <a:lstStyle/>
-          <a:p>
-            <a:pPr>
-              <a:lnSpc>
-                <a:spcPct val="150000"/>
-              </a:lnSpc>
-            </a:pPr>
-            <a:r>
-              <a:rPr lang="en-US" altLang="ko-KR" sz="900" dirty="0">
-                <a:solidFill>
-                  <a:schemeClr val="tx1">
-                    <a:lumMod val="65000"/>
-                    <a:lumOff val="35000"/>
-                  </a:schemeClr>
-                </a:solidFill>
-                <a:latin typeface="나눔바른고딕" panose="020B0603020101020101" pitchFamily="50" charset="-127"/>
-                <a:ea typeface="나눔바른고딕" panose="020B0603020101020101" pitchFamily="50" charset="-127"/>
-              </a:rPr>
-              <a:t>CHONBUK NATIONAL UNIVERSITY</a:t>
-            </a:r>
-          </a:p>
-        </p:txBody>
-      </p:sp>
       <p:sp>
         <p:nvSpPr>
           <p:cNvPr id="31" name="직사각형 30"/>
@@ -25573,7 +26770,7 @@
           <p:nvPr/>
         </p:nvPicPr>
         <p:blipFill>
-          <a:blip r:embed="rId3"/>
+          <a:blip r:embed="rId4"/>
           <a:stretch>
             <a:fillRect/>
           </a:stretch>
@@ -26025,16 +27222,6 @@
               </a:rPr>
               <a:t>GWANGJU SOFTWARE MEISTERHIGHSCHOOL</a:t>
             </a:r>
-            <a:endParaRPr lang="en-US" altLang="ko-KR" sz="900" dirty="0">
-              <a:solidFill>
-                <a:schemeClr val="tx1">
-                  <a:lumMod val="65000"/>
-                  <a:lumOff val="35000"/>
-                </a:schemeClr>
-              </a:solidFill>
-              <a:latin typeface="나눔바른고딕" panose="020B0603020101020101" pitchFamily="50" charset="-127"/>
-              <a:ea typeface="나눔바른고딕" panose="020B0603020101020101" pitchFamily="50" charset="-127"/>
-            </a:endParaRPr>
           </a:p>
         </p:txBody>
       </p:sp>
@@ -26368,16 +27555,6 @@
               </a:rPr>
               <a:t>GWANGJU SOFTWARE MEISTERHIGHSCHOOL</a:t>
             </a:r>
-            <a:endParaRPr lang="en-US" altLang="ko-KR" sz="900" dirty="0">
-              <a:solidFill>
-                <a:schemeClr val="tx1">
-                  <a:lumMod val="65000"/>
-                  <a:lumOff val="35000"/>
-                </a:schemeClr>
-              </a:solidFill>
-              <a:latin typeface="나눔바른고딕" panose="020B0603020101020101" pitchFamily="50" charset="-127"/>
-              <a:ea typeface="나눔바른고딕" panose="020B0603020101020101" pitchFamily="50" charset="-127"/>
-            </a:endParaRPr>
           </a:p>
         </p:txBody>
       </p:sp>
@@ -27509,48 +28686,6 @@
       </p:grpSpPr>
       <p:sp>
         <p:nvSpPr>
-          <p:cNvPr id="12" name="직사각형 11"/>
-          <p:cNvSpPr/>
-          <p:nvPr/>
-        </p:nvSpPr>
-        <p:spPr>
-          <a:xfrm>
-            <a:off x="6876256" y="260648"/>
-            <a:ext cx="1989647" cy="282770"/>
-          </a:xfrm>
-          <a:prstGeom prst="rect">
-            <a:avLst/>
-          </a:prstGeom>
-        </p:spPr>
-        <p:txBody>
-          <a:bodyPr wrap="none">
-            <a:spAutoFit/>
-          </a:bodyPr>
-          <a:lstStyle/>
-          <a:p>
-            <a:pPr>
-              <a:lnSpc>
-                <a:spcPct val="150000"/>
-              </a:lnSpc>
-            </a:pPr>
-            <a:r>
-              <a:rPr lang="en-US" altLang="ko-KR" sz="900" dirty="0">
-                <a:solidFill>
-                  <a:schemeClr val="tx1">
-                    <a:lumMod val="65000"/>
-                    <a:lumOff val="35000"/>
-                  </a:schemeClr>
-                </a:solidFill>
-                <a:latin typeface="나눔바른고딕" panose="020B0603020101020101" pitchFamily="50" charset="-127"/>
-                <a:ea typeface="나눔바른고딕" panose="020B0603020101020101" pitchFamily="50" charset="-127"/>
-              </a:rPr>
-              <a:t>CHONBUK NATIONAL UNIVERSITY</a:t>
-            </a:r>
-          </a:p>
-        </p:txBody>
-      </p:sp>
-      <p:sp>
-        <p:nvSpPr>
           <p:cNvPr id="16" name="TextBox 15"/>
           <p:cNvSpPr txBox="1"/>
           <p:nvPr/>
@@ -28581,16 +29716,6 @@
               </a:rPr>
               <a:t>GWANGJU SOFTWARE MEISTERHIGHSCHOOL</a:t>
             </a:r>
-            <a:endParaRPr lang="en-US" altLang="ko-KR" sz="900" dirty="0">
-              <a:solidFill>
-                <a:schemeClr val="tx1">
-                  <a:lumMod val="65000"/>
-                  <a:lumOff val="35000"/>
-                </a:schemeClr>
-              </a:solidFill>
-              <a:latin typeface="나눔바른고딕" panose="020B0603020101020101" pitchFamily="50" charset="-127"/>
-              <a:ea typeface="나눔바른고딕" panose="020B0603020101020101" pitchFamily="50" charset="-127"/>
-            </a:endParaRPr>
           </a:p>
         </p:txBody>
       </p:sp>
@@ -29690,16 +30815,6 @@
               </a:rPr>
               <a:t>GWANGJU SOFTWARE MEISTERHIGHSCHOOL</a:t>
             </a:r>
-            <a:endParaRPr lang="en-US" altLang="ko-KR" sz="900" dirty="0">
-              <a:solidFill>
-                <a:schemeClr val="tx1">
-                  <a:lumMod val="65000"/>
-                  <a:lumOff val="35000"/>
-                </a:schemeClr>
-              </a:solidFill>
-              <a:latin typeface="나눔바른고딕" panose="020B0603020101020101" pitchFamily="50" charset="-127"/>
-              <a:ea typeface="나눔바른고딕" panose="020B0603020101020101" pitchFamily="50" charset="-127"/>
-            </a:endParaRPr>
           </a:p>
         </p:txBody>
       </p:sp>
@@ -30165,16 +31280,6 @@
               </a:rPr>
               <a:t>GWANGJU SOFTWARE MEISTERHIGHSCHOOL</a:t>
             </a:r>
-            <a:endParaRPr lang="en-US" altLang="ko-KR" sz="900" dirty="0">
-              <a:solidFill>
-                <a:schemeClr val="tx1">
-                  <a:lumMod val="65000"/>
-                  <a:lumOff val="35000"/>
-                </a:schemeClr>
-              </a:solidFill>
-              <a:latin typeface="나눔바른고딕" panose="020B0603020101020101" pitchFamily="50" charset="-127"/>
-              <a:ea typeface="나눔바른고딕" panose="020B0603020101020101" pitchFamily="50" charset="-127"/>
-            </a:endParaRPr>
           </a:p>
         </p:txBody>
       </p:sp>
@@ -31131,16 +32236,6 @@
               </a:rPr>
               <a:t>GWANGJU SOFTWARE MEISTERHIGHSCHOOL</a:t>
             </a:r>
-            <a:endParaRPr lang="en-US" altLang="ko-KR" sz="900" dirty="0">
-              <a:solidFill>
-                <a:schemeClr val="tx1">
-                  <a:lumMod val="65000"/>
-                  <a:lumOff val="35000"/>
-                </a:schemeClr>
-              </a:solidFill>
-              <a:latin typeface="나눔바른고딕" panose="020B0603020101020101" pitchFamily="50" charset="-127"/>
-              <a:ea typeface="나눔바른고딕" panose="020B0603020101020101" pitchFamily="50" charset="-127"/>
-            </a:endParaRPr>
           </a:p>
         </p:txBody>
       </p:sp>
@@ -31342,7 +32437,7 @@
           <p:nvPr/>
         </p:nvPicPr>
         <p:blipFill>
-          <a:blip r:embed="rId2"/>
+          <a:blip r:embed="rId3"/>
           <a:stretch>
             <a:fillRect/>
           </a:stretch>
@@ -31458,7 +32553,7 @@
           <p:nvPr/>
         </p:nvPicPr>
         <p:blipFill>
-          <a:blip r:embed="rId3"/>
+          <a:blip r:embed="rId4"/>
           <a:stretch>
             <a:fillRect/>
           </a:stretch>
@@ -31488,7 +32583,7 @@
           <p:nvPr/>
         </p:nvPicPr>
         <p:blipFill>
-          <a:blip r:embed="rId4"/>
+          <a:blip r:embed="rId5"/>
           <a:stretch>
             <a:fillRect/>
           </a:stretch>
@@ -31518,7 +32613,7 @@
           <p:nvPr/>
         </p:nvPicPr>
         <p:blipFill>
-          <a:blip r:embed="rId5"/>
+          <a:blip r:embed="rId6"/>
           <a:stretch>
             <a:fillRect/>
           </a:stretch>
@@ -32217,16 +33312,6 @@
               </a:rPr>
               <a:t>GWANGJU SOFTWARE MEISTERHIGHSCHOOL</a:t>
             </a:r>
-            <a:endParaRPr lang="en-US" altLang="ko-KR" sz="900" dirty="0">
-              <a:solidFill>
-                <a:schemeClr val="tx1">
-                  <a:lumMod val="65000"/>
-                  <a:lumOff val="35000"/>
-                </a:schemeClr>
-              </a:solidFill>
-              <a:latin typeface="나눔바른고딕" panose="020B0603020101020101" pitchFamily="50" charset="-127"/>
-              <a:ea typeface="나눔바른고딕" panose="020B0603020101020101" pitchFamily="50" charset="-127"/>
-            </a:endParaRPr>
           </a:p>
         </p:txBody>
       </p:sp>
@@ -32477,7 +33562,7 @@
         </p:blipFill>
         <p:spPr>
           <a:xfrm>
-            <a:off x="251520" y="2551515"/>
+            <a:off x="323528" y="2564904"/>
             <a:ext cx="6415451" cy="3475036"/>
           </a:xfrm>
           <a:prstGeom prst="rect">
@@ -33126,16 +34211,6 @@
                 </a:rPr>
                 <a:t>GWANGJU SOFTWARE MEISTERHIGHSCHOOL</a:t>
               </a:r>
-              <a:endParaRPr lang="en-US" altLang="ko-KR" sz="900" dirty="0">
-                <a:solidFill>
-                  <a:schemeClr val="tx1">
-                    <a:lumMod val="65000"/>
-                    <a:lumOff val="35000"/>
-                  </a:schemeClr>
-                </a:solidFill>
-                <a:latin typeface="나눔바른고딕" panose="020B0603020101020101" pitchFamily="50" charset="-127"/>
-                <a:ea typeface="나눔바른고딕" panose="020B0603020101020101" pitchFamily="50" charset="-127"/>
-              </a:endParaRPr>
             </a:p>
           </p:txBody>
         </p:sp>
@@ -33276,16 +34351,6 @@
               </a:rPr>
               <a:t>SOFTWARE MEISTERHIGHSCHOOL</a:t>
             </a:r>
-            <a:endParaRPr lang="en-US" altLang="ko-KR" sz="900" dirty="0">
-              <a:solidFill>
-                <a:schemeClr val="tx1">
-                  <a:lumMod val="65000"/>
-                  <a:lumOff val="35000"/>
-                </a:schemeClr>
-              </a:solidFill>
-              <a:latin typeface="나눔바른고딕" panose="020B0603020101020101" pitchFamily="50" charset="-127"/>
-              <a:ea typeface="나눔바른고딕" panose="020B0603020101020101" pitchFamily="50" charset="-127"/>
-            </a:endParaRPr>
           </a:p>
         </p:txBody>
       </p:sp>
@@ -35158,16 +36223,6 @@
                 </a:rPr>
                 <a:t>GWANGJU SOFTWARE MEISTERHIGHSCHOOL</a:t>
               </a:r>
-              <a:endParaRPr lang="en-US" altLang="ko-KR" sz="900" dirty="0">
-                <a:solidFill>
-                  <a:schemeClr val="tx1">
-                    <a:lumMod val="65000"/>
-                    <a:lumOff val="35000"/>
-                  </a:schemeClr>
-                </a:solidFill>
-                <a:latin typeface="나눔바른고딕" panose="020B0603020101020101" pitchFamily="50" charset="-127"/>
-                <a:ea typeface="나눔바른고딕" panose="020B0603020101020101" pitchFamily="50" charset="-127"/>
-              </a:endParaRPr>
             </a:p>
           </p:txBody>
         </p:sp>
@@ -35295,16 +36350,6 @@
               </a:rPr>
               <a:t>GWANGJU SOFTWARE MEISTERHIGHSCHOOL</a:t>
             </a:r>
-            <a:endParaRPr lang="en-US" altLang="ko-KR" sz="900" dirty="0">
-              <a:solidFill>
-                <a:schemeClr val="tx1">
-                  <a:lumMod val="65000"/>
-                  <a:lumOff val="35000"/>
-                </a:schemeClr>
-              </a:solidFill>
-              <a:latin typeface="나눔바른고딕" panose="020B0603020101020101" pitchFamily="50" charset="-127"/>
-              <a:ea typeface="나눔바른고딕" panose="020B0603020101020101" pitchFamily="50" charset="-127"/>
-            </a:endParaRPr>
           </a:p>
         </p:txBody>
       </p:sp>
@@ -36286,16 +37331,6 @@
               </a:rPr>
               <a:t>GWANGJU SOFTWARE MEISTERHIGHSCHOOL</a:t>
             </a:r>
-            <a:endParaRPr lang="en-US" altLang="ko-KR" sz="900" dirty="0">
-              <a:solidFill>
-                <a:schemeClr val="tx1">
-                  <a:lumMod val="65000"/>
-                  <a:lumOff val="35000"/>
-                </a:schemeClr>
-              </a:solidFill>
-              <a:latin typeface="나눔바른고딕" panose="020B0603020101020101" pitchFamily="50" charset="-127"/>
-              <a:ea typeface="나눔바른고딕" panose="020B0603020101020101" pitchFamily="50" charset="-127"/>
-            </a:endParaRPr>
           </a:p>
         </p:txBody>
       </p:sp>
@@ -37867,16 +38902,6 @@
                 </a:rPr>
                 <a:t>GWANGJU SOFTWARE MEISTERHIGHSCHOOL</a:t>
               </a:r>
-              <a:endParaRPr lang="en-US" altLang="ko-KR" sz="900" dirty="0">
-                <a:solidFill>
-                  <a:schemeClr val="tx1">
-                    <a:lumMod val="65000"/>
-                    <a:lumOff val="35000"/>
-                  </a:schemeClr>
-                </a:solidFill>
-                <a:latin typeface="나눔바른고딕" panose="020B0603020101020101" pitchFamily="50" charset="-127"/>
-                <a:ea typeface="나눔바른고딕" panose="020B0603020101020101" pitchFamily="50" charset="-127"/>
-              </a:endParaRPr>
             </a:p>
           </p:txBody>
         </p:sp>

--- a/수업 관리 프로그램(완성).pptx
+++ b/수업 관리 프로그램(완성).pptx
@@ -46,17 +46,17 @@
   <p:notesSz cx="6797675" cy="9928225"/>
   <p:embeddedFontLst>
     <p:embeddedFont>
-      <p:font typeface="나눔고딕 ExtraBold" panose="020D0904000000000000" pitchFamily="50" charset="-127"/>
-      <p:bold r:id="rId34"/>
+      <p:font typeface="나눔고딕" panose="020D0604000000000000" pitchFamily="50" charset="-127"/>
+      <p:regular r:id="rId34"/>
+      <p:bold r:id="rId35"/>
     </p:embeddedFont>
     <p:embeddedFont>
       <p:font typeface="맑은 고딕" panose="020B0503020000020004" pitchFamily="50" charset="-127"/>
-      <p:regular r:id="rId35"/>
-      <p:bold r:id="rId36"/>
+      <p:regular r:id="rId36"/>
+      <p:bold r:id="rId37"/>
     </p:embeddedFont>
     <p:embeddedFont>
-      <p:font typeface="나눔고딕" panose="020D0604000000000000" pitchFamily="50" charset="-127"/>
-      <p:regular r:id="rId37"/>
+      <p:font typeface="나눔고딕 ExtraBold" panose="020D0904000000000000" pitchFamily="50" charset="-127"/>
       <p:bold r:id="rId38"/>
     </p:embeddedFont>
     <p:embeddedFont>
@@ -261,7 +261,7 @@
           <a:p>
             <a:fld id="{26F78F6B-3F51-4A8F-9F44-BC2A8AB3EEF8}" type="datetimeFigureOut">
               <a:rPr lang="ko-KR" altLang="en-US" smtClean="0"/>
-              <a:t>2019-11-28</a:t>
+              <a:t>2019-12-12</a:t>
             </a:fld>
             <a:endParaRPr lang="ko-KR" altLang="en-US"/>
           </a:p>
@@ -426,7 +426,7 @@
           <a:p>
             <a:fld id="{79C5AE56-7F63-4D94-8C88-A4D9F483D2F0}" type="datetimeFigureOut">
               <a:rPr lang="ko-KR" altLang="en-US" smtClean="0"/>
-              <a:t>2019-11-28</a:t>
+              <a:t>2019-12-12</a:t>
             </a:fld>
             <a:endParaRPr lang="ko-KR" altLang="en-US"/>
           </a:p>
@@ -1460,6 +1460,18 @@
               <a:defRPr/>
             </a:pPr>
             <a:r>
+              <a:rPr lang="en-US" altLang="ko-KR" sz="1200" kern="1200" dirty="0" smtClean="0">
+                <a:solidFill>
+                  <a:schemeClr val="tx1"/>
+                </a:solidFill>
+                <a:effectLst/>
+                <a:latin typeface="+mn-lt"/>
+                <a:ea typeface="+mn-ea"/>
+                <a:cs typeface="+mn-cs"/>
+              </a:rPr>
+              <a:t>/w</a:t>
+            </a:r>
+            <a:r>
               <a:rPr lang="ko-KR" altLang="en-US" sz="1200" kern="1200" dirty="0" smtClean="0">
                 <a:solidFill>
                   <a:schemeClr val="tx1"/>
@@ -1469,10 +1481,10 @@
                 <a:ea typeface="+mn-ea"/>
                 <a:cs typeface="+mn-cs"/>
               </a:rPr>
-              <a:t>명령어</a:t>
-            </a:r>
-            <a:r>
-              <a:rPr lang="ko-KR" altLang="en-US" sz="1200" kern="1200" baseline="0" dirty="0" smtClean="0">
+              <a:t>문구가 있으면 귓속말을 보내주는 </a:t>
+            </a:r>
+            <a:r>
+              <a:rPr lang="en-US" altLang="ko-KR" sz="1200" kern="1200" dirty="0" smtClean="0">
                 <a:solidFill>
                   <a:schemeClr val="tx1"/>
                 </a:solidFill>
@@ -1481,10 +1493,10 @@
                 <a:ea typeface="+mn-ea"/>
                 <a:cs typeface="+mn-cs"/>
               </a:rPr>
-              <a:t>를 거르는 </a:t>
-            </a:r>
-            <a:r>
-              <a:rPr lang="en-US" altLang="ko-KR" sz="1200" kern="1200" baseline="0" dirty="0" smtClean="0">
+              <a:t>Whisper()</a:t>
+            </a:r>
+            <a:r>
+              <a:rPr lang="ko-KR" altLang="en-US" sz="1200" kern="1200" dirty="0" smtClean="0">
                 <a:solidFill>
                   <a:schemeClr val="tx1"/>
                 </a:solidFill>
@@ -1493,10 +1505,29 @@
                 <a:ea typeface="+mn-ea"/>
                 <a:cs typeface="+mn-cs"/>
               </a:rPr>
-              <a:t>if</a:t>
-            </a:r>
-            <a:r>
-              <a:rPr lang="ko-KR" altLang="en-US" sz="1200" kern="1200" baseline="0" dirty="0" smtClean="0">
+              <a:t>를 실행</a:t>
+            </a:r>
+          </a:p>
+          <a:p>
+            <a:pPr marL="0" marR="0" indent="0" algn="l" defTabSz="914400" rtl="0" eaLnBrk="1" fontAlgn="auto" latinLnBrk="1" hangingPunct="1">
+              <a:lnSpc>
+                <a:spcPct val="100000"/>
+              </a:lnSpc>
+              <a:spcBef>
+                <a:spcPts val="0"/>
+              </a:spcBef>
+              <a:spcAft>
+                <a:spcPts val="0"/>
+              </a:spcAft>
+              <a:buClrTx/>
+              <a:buSzTx/>
+              <a:buFontTx/>
+              <a:buNone/>
+              <a:tabLst/>
+              <a:defRPr/>
+            </a:pPr>
+            <a:r>
+              <a:rPr lang="en-US" altLang="ko-KR" sz="1200" kern="1200" dirty="0" smtClean="0">
                 <a:solidFill>
                   <a:schemeClr val="tx1"/>
                 </a:solidFill>
@@ -1505,10 +1536,58 @@
                 <a:ea typeface="+mn-ea"/>
                 <a:cs typeface="+mn-cs"/>
               </a:rPr>
-              <a:t>문 통과한다면</a:t>
-            </a:r>
-            <a:r>
-              <a:rPr lang="en-US" altLang="ko-KR" sz="1200" kern="1200" baseline="0" dirty="0" smtClean="0">
+              <a:t>/f </a:t>
+            </a:r>
+            <a:r>
+              <a:rPr lang="ko-KR" altLang="en-US" sz="1200" kern="1200" dirty="0" smtClean="0">
+                <a:solidFill>
+                  <a:schemeClr val="tx1"/>
+                </a:solidFill>
+                <a:effectLst/>
+                <a:latin typeface="+mn-lt"/>
+                <a:ea typeface="+mn-ea"/>
+                <a:cs typeface="+mn-cs"/>
+              </a:rPr>
+              <a:t>문구가 파일을 </a:t>
+            </a:r>
+            <a:r>
+              <a:rPr lang="en-US" altLang="ko-KR" sz="1200" kern="1200" dirty="0" smtClean="0">
+                <a:solidFill>
+                  <a:schemeClr val="tx1"/>
+                </a:solidFill>
+                <a:effectLst/>
+                <a:latin typeface="+mn-lt"/>
+                <a:ea typeface="+mn-ea"/>
+                <a:cs typeface="+mn-cs"/>
+              </a:rPr>
+              <a:t>admin</a:t>
+            </a:r>
+            <a:r>
+              <a:rPr lang="ko-KR" altLang="en-US" sz="1200" kern="1200" dirty="0" smtClean="0">
+                <a:solidFill>
+                  <a:schemeClr val="tx1"/>
+                </a:solidFill>
+                <a:effectLst/>
+                <a:latin typeface="+mn-lt"/>
+                <a:ea typeface="+mn-ea"/>
+                <a:cs typeface="+mn-cs"/>
+              </a:rPr>
+              <a:t>에게 </a:t>
+            </a:r>
+            <a:r>
+              <a:rPr lang="ko-KR" altLang="en-US" sz="1200" kern="1200" dirty="0" err="1" smtClean="0">
+                <a:solidFill>
+                  <a:schemeClr val="tx1"/>
+                </a:solidFill>
+                <a:effectLst/>
+                <a:latin typeface="+mn-lt"/>
+                <a:ea typeface="+mn-ea"/>
+                <a:cs typeface="+mn-cs"/>
+              </a:rPr>
+              <a:t>보대주는</a:t>
+            </a:r>
+            <a:r>
+              <a:rPr lang="ko-KR" altLang="en-US" sz="1200" kern="1200" dirty="0" smtClean="0">
                 <a:solidFill>
                   <a:schemeClr val="tx1"/>
                 </a:solidFill>
@@ -1520,6 +1599,30 @@
               <a:t> </a:t>
             </a:r>
             <a:r>
+              <a:rPr lang="en-US" altLang="ko-KR" sz="1200" kern="1200" dirty="0" err="1" smtClean="0">
+                <a:solidFill>
+                  <a:schemeClr val="tx1"/>
+                </a:solidFill>
+                <a:effectLst/>
+                <a:latin typeface="+mn-lt"/>
+                <a:ea typeface="+mn-ea"/>
+                <a:cs typeface="+mn-cs"/>
+              </a:rPr>
+              <a:t>FileSend</a:t>
+            </a:r>
+            <a:r>
+              <a:rPr lang="en-US" altLang="ko-KR" sz="1200" kern="1200" dirty="0" smtClean="0">
+                <a:solidFill>
+                  <a:schemeClr val="tx1"/>
+                </a:solidFill>
+                <a:effectLst/>
+                <a:latin typeface="+mn-lt"/>
+                <a:ea typeface="+mn-ea"/>
+                <a:cs typeface="+mn-cs"/>
+              </a:rPr>
+              <a:t>()</a:t>
+            </a:r>
+            <a:r>
               <a:rPr lang="ko-KR" altLang="en-US" sz="1200" kern="1200" dirty="0" smtClean="0">
                 <a:solidFill>
                   <a:schemeClr val="tx1"/>
@@ -1529,9 +1632,236 @@
                 <a:ea typeface="+mn-ea"/>
                 <a:cs typeface="+mn-cs"/>
               </a:rPr>
-              <a:t>아무런 특수 문자열이 없으면 그대로 출력</a:t>
+              <a:t>를 실행</a:t>
             </a:r>
             <a:endParaRPr lang="en-US" altLang="ko-KR" sz="1200" kern="1200" dirty="0" smtClean="0">
+              <a:solidFill>
+                <a:schemeClr val="tx1"/>
+              </a:solidFill>
+              <a:effectLst/>
+              <a:latin typeface="+mn-lt"/>
+              <a:ea typeface="+mn-ea"/>
+              <a:cs typeface="+mn-cs"/>
+            </a:endParaRPr>
+          </a:p>
+          <a:p>
+            <a:pPr marL="0" marR="0" indent="0" algn="l" defTabSz="914400" rtl="0" eaLnBrk="1" fontAlgn="auto" latinLnBrk="1" hangingPunct="1">
+              <a:lnSpc>
+                <a:spcPct val="100000"/>
+              </a:lnSpc>
+              <a:spcBef>
+                <a:spcPts val="0"/>
+              </a:spcBef>
+              <a:spcAft>
+                <a:spcPts val="0"/>
+              </a:spcAft>
+              <a:buClrTx/>
+              <a:buSzTx/>
+              <a:buFontTx/>
+              <a:buNone/>
+              <a:tabLst/>
+              <a:defRPr/>
+            </a:pPr>
+            <a:r>
+              <a:rPr lang="en-US" altLang="ko-KR" sz="1200" kern="1200" dirty="0" smtClean="0">
+                <a:solidFill>
+                  <a:schemeClr val="tx1"/>
+                </a:solidFill>
+                <a:effectLst/>
+                <a:latin typeface="+mn-lt"/>
+                <a:ea typeface="+mn-ea"/>
+                <a:cs typeface="+mn-cs"/>
+              </a:rPr>
+              <a:t>/p </a:t>
+            </a:r>
+            <a:r>
+              <a:rPr lang="ko-KR" altLang="en-US" sz="1200" kern="1200" dirty="0" smtClean="0">
+                <a:solidFill>
+                  <a:schemeClr val="tx1"/>
+                </a:solidFill>
+                <a:effectLst/>
+                <a:latin typeface="+mn-lt"/>
+                <a:ea typeface="+mn-ea"/>
+                <a:cs typeface="+mn-cs"/>
+              </a:rPr>
+              <a:t>문구가 있으면 </a:t>
+            </a:r>
+            <a:r>
+              <a:rPr lang="en-US" altLang="ko-KR" sz="1200" kern="1200" dirty="0" smtClean="0">
+                <a:solidFill>
+                  <a:schemeClr val="tx1"/>
+                </a:solidFill>
+                <a:effectLst/>
+                <a:latin typeface="+mn-lt"/>
+                <a:ea typeface="+mn-ea"/>
+                <a:cs typeface="+mn-cs"/>
+              </a:rPr>
+              <a:t>user</a:t>
+            </a:r>
+            <a:r>
+              <a:rPr lang="ko-KR" altLang="en-US" sz="1200" kern="1200" dirty="0" smtClean="0">
+                <a:solidFill>
+                  <a:schemeClr val="tx1"/>
+                </a:solidFill>
+                <a:effectLst/>
+                <a:latin typeface="+mn-lt"/>
+                <a:ea typeface="+mn-ea"/>
+                <a:cs typeface="+mn-cs"/>
+              </a:rPr>
+              <a:t>들에게 파일을 뿌리는 </a:t>
+            </a:r>
+            <a:r>
+              <a:rPr lang="en-US" altLang="ko-KR" sz="1200" kern="1200" dirty="0" err="1" smtClean="0">
+                <a:solidFill>
+                  <a:schemeClr val="tx1"/>
+                </a:solidFill>
+                <a:effectLst/>
+                <a:latin typeface="+mn-lt"/>
+                <a:ea typeface="+mn-ea"/>
+                <a:cs typeface="+mn-cs"/>
+              </a:rPr>
+              <a:t>FileSendALL</a:t>
+            </a:r>
+            <a:r>
+              <a:rPr lang="en-US" altLang="ko-KR" sz="1200" kern="1200" dirty="0" smtClean="0">
+                <a:solidFill>
+                  <a:schemeClr val="tx1"/>
+                </a:solidFill>
+                <a:effectLst/>
+                <a:latin typeface="+mn-lt"/>
+                <a:ea typeface="+mn-ea"/>
+                <a:cs typeface="+mn-cs"/>
+              </a:rPr>
+              <a:t>()</a:t>
+            </a:r>
+            <a:r>
+              <a:rPr lang="ko-KR" altLang="en-US" sz="1200" kern="1200" dirty="0" smtClean="0">
+                <a:solidFill>
+                  <a:schemeClr val="tx1"/>
+                </a:solidFill>
+                <a:effectLst/>
+                <a:latin typeface="+mn-lt"/>
+                <a:ea typeface="+mn-ea"/>
+                <a:cs typeface="+mn-cs"/>
+              </a:rPr>
+              <a:t>를 실행 </a:t>
+            </a:r>
+          </a:p>
+          <a:p>
+            <a:pPr marL="0" marR="0" indent="0" algn="l" defTabSz="914400" rtl="0" eaLnBrk="1" fontAlgn="auto" latinLnBrk="1" hangingPunct="1">
+              <a:lnSpc>
+                <a:spcPct val="100000"/>
+              </a:lnSpc>
+              <a:spcBef>
+                <a:spcPts val="0"/>
+              </a:spcBef>
+              <a:spcAft>
+                <a:spcPts val="0"/>
+              </a:spcAft>
+              <a:buClrTx/>
+              <a:buSzTx/>
+              <a:buFontTx/>
+              <a:buNone/>
+              <a:tabLst/>
+              <a:defRPr/>
+            </a:pPr>
+            <a:r>
+              <a:rPr lang="en-US" altLang="ko-KR" sz="1200" kern="1200" dirty="0" smtClean="0">
+                <a:solidFill>
+                  <a:schemeClr val="tx1"/>
+                </a:solidFill>
+                <a:effectLst/>
+                <a:latin typeface="+mn-lt"/>
+                <a:ea typeface="+mn-ea"/>
+                <a:cs typeface="+mn-cs"/>
+              </a:rPr>
+              <a:t>/c </a:t>
+            </a:r>
+            <a:r>
+              <a:rPr lang="ko-KR" altLang="en-US" sz="1200" kern="1200" dirty="0" smtClean="0">
+                <a:solidFill>
+                  <a:schemeClr val="tx1"/>
+                </a:solidFill>
+                <a:effectLst/>
+                <a:latin typeface="+mn-lt"/>
+                <a:ea typeface="+mn-ea"/>
+                <a:cs typeface="+mn-cs"/>
+              </a:rPr>
+              <a:t>문구가 명령어를 실행시키는 있으면 </a:t>
+            </a:r>
+            <a:r>
+              <a:rPr lang="en-US" altLang="ko-KR" sz="1200" kern="1200" dirty="0" err="1" smtClean="0">
+                <a:solidFill>
+                  <a:schemeClr val="tx1"/>
+                </a:solidFill>
+                <a:effectLst/>
+                <a:latin typeface="+mn-lt"/>
+                <a:ea typeface="+mn-ea"/>
+                <a:cs typeface="+mn-cs"/>
+              </a:rPr>
+              <a:t>Comnd</a:t>
+            </a:r>
+            <a:r>
+              <a:rPr lang="en-US" altLang="ko-KR" sz="1200" kern="1200" dirty="0" smtClean="0">
+                <a:solidFill>
+                  <a:schemeClr val="tx1"/>
+                </a:solidFill>
+                <a:effectLst/>
+                <a:latin typeface="+mn-lt"/>
+                <a:ea typeface="+mn-ea"/>
+                <a:cs typeface="+mn-cs"/>
+              </a:rPr>
+              <a:t>()</a:t>
+            </a:r>
+            <a:r>
+              <a:rPr lang="ko-KR" altLang="en-US" sz="1200" kern="1200" dirty="0" smtClean="0">
+                <a:solidFill>
+                  <a:schemeClr val="tx1"/>
+                </a:solidFill>
+                <a:effectLst/>
+                <a:latin typeface="+mn-lt"/>
+                <a:ea typeface="+mn-ea"/>
+                <a:cs typeface="+mn-cs"/>
+              </a:rPr>
+              <a:t>를 실행 </a:t>
+            </a:r>
+            <a:r>
+              <a:rPr lang="en-US" altLang="ko-KR" sz="1200" kern="1200" dirty="0" smtClean="0">
+                <a:solidFill>
+                  <a:schemeClr val="tx1"/>
+                </a:solidFill>
+                <a:effectLst/>
+                <a:latin typeface="+mn-lt"/>
+                <a:ea typeface="+mn-ea"/>
+                <a:cs typeface="+mn-cs"/>
+              </a:rPr>
+              <a:t>admin</a:t>
+            </a:r>
+            <a:r>
+              <a:rPr lang="ko-KR" altLang="en-US" sz="1200" kern="1200" dirty="0" smtClean="0">
+                <a:solidFill>
+                  <a:schemeClr val="tx1"/>
+                </a:solidFill>
+                <a:effectLst/>
+                <a:latin typeface="+mn-lt"/>
+                <a:ea typeface="+mn-ea"/>
+                <a:cs typeface="+mn-cs"/>
+              </a:rPr>
+              <a:t>만 실행할 수 있다</a:t>
+            </a:r>
+            <a:r>
+              <a:rPr lang="en-US" altLang="ko-KR" sz="1200" kern="1200" dirty="0" smtClean="0">
+                <a:solidFill>
+                  <a:schemeClr val="tx1"/>
+                </a:solidFill>
+                <a:effectLst/>
+                <a:latin typeface="+mn-lt"/>
+                <a:ea typeface="+mn-ea"/>
+                <a:cs typeface="+mn-cs"/>
+              </a:rPr>
+              <a:t>.</a:t>
+            </a:r>
+            <a:endParaRPr lang="ko-KR" altLang="en-US" sz="1200" kern="1200" dirty="0" smtClean="0">
               <a:solidFill>
                 <a:schemeClr val="tx1"/>
               </a:solidFill>
@@ -1568,118 +1898,6 @@
               <a:ea typeface="+mn-ea"/>
               <a:cs typeface="+mn-cs"/>
             </a:endParaRPr>
-          </a:p>
-          <a:p>
-            <a:r>
-              <a:rPr lang="en-US" altLang="ko-KR" dirty="0" err="1" smtClean="0"/>
-              <a:t>Fgets</a:t>
-            </a:r>
-            <a:r>
-              <a:rPr lang="ko-KR" altLang="en-US" dirty="0" smtClean="0"/>
-              <a:t>함수를</a:t>
-            </a:r>
-            <a:r>
-              <a:rPr lang="ko-KR" altLang="en-US" baseline="0" dirty="0" smtClean="0"/>
-              <a:t> 통해서 </a:t>
-            </a:r>
-            <a:r>
-              <a:rPr lang="en-US" altLang="ko-KR" baseline="0" dirty="0" smtClean="0"/>
-              <a:t>client</a:t>
-            </a:r>
-            <a:r>
-              <a:rPr lang="ko-KR" altLang="en-US" baseline="0" dirty="0" smtClean="0"/>
-              <a:t>가 입력한 값들을 </a:t>
-            </a:r>
-            <a:r>
-              <a:rPr lang="en-US" altLang="ko-KR" baseline="0" dirty="0" err="1" smtClean="0"/>
-              <a:t>sbuf</a:t>
-            </a:r>
-            <a:r>
-              <a:rPr lang="ko-KR" altLang="en-US" baseline="0" dirty="0" smtClean="0"/>
-              <a:t>에 저장한다</a:t>
-            </a:r>
-            <a:endParaRPr lang="en-US" altLang="ko-KR" baseline="0" dirty="0" smtClean="0"/>
-          </a:p>
-          <a:p>
-            <a:endParaRPr lang="en-US" altLang="ko-KR" baseline="0" dirty="0" smtClean="0"/>
-          </a:p>
-          <a:p>
-            <a:pPr marL="0" marR="0" indent="0" algn="l" defTabSz="914400" rtl="0" eaLnBrk="1" fontAlgn="auto" latinLnBrk="1" hangingPunct="1">
-              <a:lnSpc>
-                <a:spcPct val="100000"/>
-              </a:lnSpc>
-              <a:spcBef>
-                <a:spcPts val="0"/>
-              </a:spcBef>
-              <a:spcAft>
-                <a:spcPts val="0"/>
-              </a:spcAft>
-              <a:buClrTx/>
-              <a:buSzTx/>
-              <a:buFontTx/>
-              <a:buNone/>
-              <a:tabLst/>
-              <a:defRPr/>
-            </a:pPr>
-            <a:r>
-              <a:rPr lang="en-US" altLang="ko-KR" baseline="0" dirty="0" smtClean="0"/>
-              <a:t>/p</a:t>
-            </a:r>
-            <a:r>
-              <a:rPr lang="ko-KR" altLang="en-US" baseline="0" dirty="0" smtClean="0"/>
-              <a:t>나 </a:t>
-            </a:r>
-            <a:r>
-              <a:rPr lang="en-US" altLang="ko-KR" baseline="0" dirty="0" smtClean="0"/>
-              <a:t>/f </a:t>
-            </a:r>
-            <a:r>
-              <a:rPr lang="ko-KR" altLang="en-US" baseline="0" dirty="0" smtClean="0"/>
-              <a:t>명령어가 </a:t>
-            </a:r>
-            <a:r>
-              <a:rPr lang="ko-KR" altLang="en-US" baseline="0" dirty="0" err="1" smtClean="0"/>
-              <a:t>입력되었을때를</a:t>
-            </a:r>
-            <a:r>
-              <a:rPr lang="ko-KR" altLang="en-US" baseline="0" dirty="0" smtClean="0"/>
-              <a:t> 위해서 다른 변수에 저장한다</a:t>
-            </a:r>
-            <a:endParaRPr lang="en-US" altLang="ko-KR" dirty="0" smtClean="0"/>
-          </a:p>
-          <a:p>
-            <a:r>
-              <a:rPr lang="ko-KR" altLang="en-US" baseline="0" dirty="0" smtClean="0"/>
-              <a:t> </a:t>
-            </a:r>
-            <a:r>
-              <a:rPr lang="en-US" altLang="ko-KR" baseline="0" dirty="0" err="1" smtClean="0"/>
-              <a:t>strcpy</a:t>
-            </a:r>
-            <a:r>
-              <a:rPr lang="ko-KR" altLang="en-US" baseline="0" dirty="0" smtClean="0"/>
-              <a:t>에서 </a:t>
-            </a:r>
-            <a:r>
-              <a:rPr lang="en-US" altLang="ko-KR" baseline="0" dirty="0" err="1" smtClean="0"/>
-              <a:t>sbuf</a:t>
-            </a:r>
-            <a:r>
-              <a:rPr lang="ko-KR" altLang="en-US" baseline="0" dirty="0" smtClean="0"/>
-              <a:t>에 있는 값을 </a:t>
-            </a:r>
-            <a:r>
-              <a:rPr lang="en-US" altLang="ko-KR" baseline="0" dirty="0" err="1" smtClean="0"/>
-              <a:t>rbuf</a:t>
-            </a:r>
-            <a:r>
-              <a:rPr lang="ko-KR" altLang="en-US" baseline="0" dirty="0" smtClean="0"/>
-              <a:t>로 복사한다</a:t>
-            </a:r>
-            <a:r>
-              <a:rPr lang="en-US" altLang="ko-KR" baseline="0" dirty="0" smtClean="0"/>
-              <a:t>.</a:t>
-            </a:r>
           </a:p>
           <a:p>
             <a:endParaRPr lang="ko-KR" altLang="en-US" dirty="0"/>
@@ -1766,6 +1984,1024 @@
           <a:bodyPr/>
           <a:lstStyle/>
           <a:p>
+            <a:pPr marL="0" marR="0" indent="0" algn="l" defTabSz="914400" rtl="0" eaLnBrk="1" fontAlgn="auto" latinLnBrk="1" hangingPunct="1">
+              <a:lnSpc>
+                <a:spcPct val="100000"/>
+              </a:lnSpc>
+              <a:spcBef>
+                <a:spcPts val="0"/>
+              </a:spcBef>
+              <a:spcAft>
+                <a:spcPts val="0"/>
+              </a:spcAft>
+              <a:buClrTx/>
+              <a:buSzTx/>
+              <a:buFontTx/>
+              <a:buNone/>
+              <a:tabLst/>
+              <a:defRPr/>
+            </a:pPr>
+            <a:r>
+              <a:rPr lang="en-US" altLang="ko-KR" sz="1200" kern="1200" dirty="0" err="1" smtClean="0">
+                <a:solidFill>
+                  <a:schemeClr val="tx1"/>
+                </a:solidFill>
+                <a:effectLst/>
+                <a:latin typeface="+mn-lt"/>
+                <a:ea typeface="+mn-ea"/>
+                <a:cs typeface="+mn-cs"/>
+              </a:rPr>
+              <a:t>SendM</a:t>
+            </a:r>
+            <a:r>
+              <a:rPr lang="ko-KR" altLang="en-US" sz="1200" kern="1200" dirty="0" smtClean="0">
+                <a:solidFill>
+                  <a:schemeClr val="tx1"/>
+                </a:solidFill>
+                <a:effectLst/>
+                <a:latin typeface="+mn-lt"/>
+                <a:ea typeface="+mn-ea"/>
+                <a:cs typeface="+mn-cs"/>
+              </a:rPr>
+              <a:t>함수는 </a:t>
+            </a:r>
+            <a:r>
+              <a:rPr lang="en-US" altLang="ko-KR" sz="1200" kern="1200" dirty="0" err="1" smtClean="0">
+                <a:solidFill>
+                  <a:schemeClr val="tx1"/>
+                </a:solidFill>
+                <a:effectLst/>
+                <a:latin typeface="+mn-lt"/>
+                <a:ea typeface="+mn-ea"/>
+                <a:cs typeface="+mn-cs"/>
+              </a:rPr>
+              <a:t>fgets</a:t>
+            </a:r>
+            <a:r>
+              <a:rPr lang="en-US" altLang="ko-KR" sz="1200" kern="1200" dirty="0" smtClean="0">
+                <a:solidFill>
+                  <a:schemeClr val="tx1"/>
+                </a:solidFill>
+                <a:effectLst/>
+                <a:latin typeface="+mn-lt"/>
+                <a:ea typeface="+mn-ea"/>
+                <a:cs typeface="+mn-cs"/>
+              </a:rPr>
+              <a:t>()</a:t>
+            </a:r>
+            <a:r>
+              <a:rPr lang="ko-KR" altLang="en-US" sz="1200" kern="1200" dirty="0" smtClean="0">
+                <a:solidFill>
+                  <a:schemeClr val="tx1"/>
+                </a:solidFill>
+                <a:effectLst/>
+                <a:latin typeface="+mn-lt"/>
+                <a:ea typeface="+mn-ea"/>
+                <a:cs typeface="+mn-cs"/>
+              </a:rPr>
+              <a:t>를 이용하여 전송한 문자열을 받으면 특정 문자열에 따라 실행을 달리한다</a:t>
+            </a:r>
+            <a:r>
+              <a:rPr lang="en-US" altLang="ko-KR" sz="1200" kern="1200" dirty="0" smtClean="0">
+                <a:solidFill>
+                  <a:schemeClr val="tx1"/>
+                </a:solidFill>
+                <a:effectLst/>
+                <a:latin typeface="+mn-lt"/>
+                <a:ea typeface="+mn-ea"/>
+                <a:cs typeface="+mn-cs"/>
+              </a:rPr>
+              <a:t>.</a:t>
+            </a:r>
+          </a:p>
+          <a:p>
+            <a:pPr marL="0" marR="0" indent="0" algn="l" defTabSz="914400" rtl="0" eaLnBrk="1" fontAlgn="auto" latinLnBrk="1" hangingPunct="1">
+              <a:lnSpc>
+                <a:spcPct val="100000"/>
+              </a:lnSpc>
+              <a:spcBef>
+                <a:spcPts val="0"/>
+              </a:spcBef>
+              <a:spcAft>
+                <a:spcPts val="0"/>
+              </a:spcAft>
+              <a:buClrTx/>
+              <a:buSzTx/>
+              <a:buFontTx/>
+              <a:buNone/>
+              <a:tabLst/>
+              <a:defRPr/>
+            </a:pPr>
+            <a:r>
+              <a:rPr lang="ko-KR" altLang="en-US" sz="1200" kern="1200" dirty="0" smtClean="0">
+                <a:solidFill>
+                  <a:schemeClr val="tx1"/>
+                </a:solidFill>
+                <a:effectLst/>
+                <a:latin typeface="+mn-lt"/>
+                <a:ea typeface="+mn-ea"/>
+                <a:cs typeface="+mn-cs"/>
+              </a:rPr>
+              <a:t>대화를 담당하는 </a:t>
+            </a:r>
+            <a:r>
+              <a:rPr lang="en-US" altLang="ko-KR" sz="1200" kern="1200" dirty="0" err="1" smtClean="0">
+                <a:solidFill>
+                  <a:schemeClr val="tx1"/>
+                </a:solidFill>
+                <a:effectLst/>
+                <a:latin typeface="+mn-lt"/>
+                <a:ea typeface="+mn-ea"/>
+                <a:cs typeface="+mn-cs"/>
+              </a:rPr>
+              <a:t>chatstart</a:t>
+            </a:r>
+            <a:r>
+              <a:rPr lang="ko-KR" altLang="en-US" sz="1200" kern="1200" dirty="0" smtClean="0">
+                <a:solidFill>
+                  <a:schemeClr val="tx1"/>
+                </a:solidFill>
+                <a:effectLst/>
+                <a:latin typeface="+mn-lt"/>
+                <a:ea typeface="+mn-ea"/>
+                <a:cs typeface="+mn-cs"/>
+              </a:rPr>
+              <a:t>함수에 </a:t>
+            </a:r>
+            <a:r>
+              <a:rPr lang="en-US" altLang="ko-KR" sz="1200" kern="1200" dirty="0" err="1" smtClean="0">
+                <a:solidFill>
+                  <a:schemeClr val="tx1"/>
+                </a:solidFill>
+                <a:effectLst/>
+                <a:latin typeface="+mn-lt"/>
+                <a:ea typeface="+mn-ea"/>
+                <a:cs typeface="+mn-cs"/>
+              </a:rPr>
+              <a:t>SendM</a:t>
+            </a:r>
+            <a:r>
+              <a:rPr lang="ko-KR" altLang="en-US" sz="1200" kern="1200" baseline="0" dirty="0" smtClean="0">
+                <a:solidFill>
+                  <a:schemeClr val="tx1"/>
+                </a:solidFill>
+                <a:effectLst/>
+                <a:latin typeface="+mn-lt"/>
+                <a:ea typeface="+mn-ea"/>
+                <a:cs typeface="+mn-cs"/>
+              </a:rPr>
+              <a:t> 사용</a:t>
+            </a:r>
+            <a:endParaRPr lang="en-US" altLang="ko-KR" sz="1200" kern="1200" baseline="0" dirty="0" smtClean="0">
+              <a:solidFill>
+                <a:schemeClr val="tx1"/>
+              </a:solidFill>
+              <a:effectLst/>
+              <a:latin typeface="+mn-lt"/>
+              <a:ea typeface="+mn-ea"/>
+              <a:cs typeface="+mn-cs"/>
+            </a:endParaRPr>
+          </a:p>
+          <a:p>
+            <a:pPr marL="0" marR="0" indent="0" algn="l" defTabSz="914400" rtl="0" eaLnBrk="1" fontAlgn="auto" latinLnBrk="1" hangingPunct="1">
+              <a:lnSpc>
+                <a:spcPct val="100000"/>
+              </a:lnSpc>
+              <a:spcBef>
+                <a:spcPts val="0"/>
+              </a:spcBef>
+              <a:spcAft>
+                <a:spcPts val="0"/>
+              </a:spcAft>
+              <a:buClrTx/>
+              <a:buSzTx/>
+              <a:buFontTx/>
+              <a:buNone/>
+              <a:tabLst/>
+              <a:defRPr/>
+            </a:pPr>
+            <a:endParaRPr lang="en-US" altLang="ko-KR" sz="1200" kern="1200" baseline="0" dirty="0" smtClean="0">
+              <a:solidFill>
+                <a:schemeClr val="tx1"/>
+              </a:solidFill>
+              <a:effectLst/>
+              <a:latin typeface="+mn-lt"/>
+              <a:ea typeface="+mn-ea"/>
+              <a:cs typeface="+mn-cs"/>
+            </a:endParaRPr>
+          </a:p>
+          <a:p>
+            <a:pPr fontAlgn="base" latinLnBrk="1"/>
+            <a:r>
+              <a:rPr lang="en-US" altLang="ko-KR" sz="1200" kern="1200" dirty="0" err="1" smtClean="0">
+                <a:solidFill>
+                  <a:schemeClr val="tx1"/>
+                </a:solidFill>
+                <a:effectLst/>
+                <a:latin typeface="+mn-lt"/>
+                <a:ea typeface="+mn-ea"/>
+                <a:cs typeface="+mn-cs"/>
+              </a:rPr>
+              <a:t>strtok</a:t>
+            </a:r>
+            <a:r>
+              <a:rPr lang="en-US" altLang="ko-KR" sz="1200" kern="1200" dirty="0" smtClean="0">
+                <a:solidFill>
+                  <a:schemeClr val="tx1"/>
+                </a:solidFill>
+                <a:effectLst/>
+                <a:latin typeface="+mn-lt"/>
+                <a:ea typeface="+mn-ea"/>
+                <a:cs typeface="+mn-cs"/>
+              </a:rPr>
+              <a:t>()</a:t>
+            </a:r>
+            <a:r>
+              <a:rPr lang="ko-KR" altLang="en-US" sz="1200" kern="1200" dirty="0" smtClean="0">
+                <a:solidFill>
+                  <a:schemeClr val="tx1"/>
+                </a:solidFill>
+                <a:effectLst/>
+                <a:latin typeface="+mn-lt"/>
+                <a:ea typeface="+mn-ea"/>
+                <a:cs typeface="+mn-cs"/>
+              </a:rPr>
+              <a:t>함수를 이용하여 문자열을 분리하고 파일이름을 </a:t>
+            </a:r>
+            <a:r>
+              <a:rPr lang="en-US" altLang="ko-KR" sz="1200" kern="1200" dirty="0" smtClean="0">
+                <a:solidFill>
+                  <a:schemeClr val="tx1"/>
+                </a:solidFill>
+                <a:effectLst/>
+                <a:latin typeface="+mn-lt"/>
+                <a:ea typeface="+mn-ea"/>
+                <a:cs typeface="+mn-cs"/>
+              </a:rPr>
+              <a:t>char *</a:t>
+            </a:r>
+            <a:r>
+              <a:rPr lang="en-US" altLang="ko-KR" sz="1200" kern="1200" dirty="0" err="1" smtClean="0">
+                <a:solidFill>
+                  <a:schemeClr val="tx1"/>
+                </a:solidFill>
+                <a:effectLst/>
+                <a:latin typeface="+mn-lt"/>
+                <a:ea typeface="+mn-ea"/>
+                <a:cs typeface="+mn-cs"/>
+              </a:rPr>
+              <a:t>fio</a:t>
+            </a:r>
+            <a:r>
+              <a:rPr lang="ko-KR" altLang="en-US" sz="1200" kern="1200" dirty="0" smtClean="0">
+                <a:solidFill>
+                  <a:schemeClr val="tx1"/>
+                </a:solidFill>
+                <a:effectLst/>
+                <a:latin typeface="+mn-lt"/>
+                <a:ea typeface="+mn-ea"/>
+                <a:cs typeface="+mn-cs"/>
+              </a:rPr>
+              <a:t>에 저장시킨다</a:t>
+            </a:r>
+            <a:r>
+              <a:rPr lang="en-US" altLang="ko-KR" sz="1200" kern="1200" dirty="0" smtClean="0">
+                <a:solidFill>
+                  <a:schemeClr val="tx1"/>
+                </a:solidFill>
+                <a:effectLst/>
+                <a:latin typeface="+mn-lt"/>
+                <a:ea typeface="+mn-ea"/>
+                <a:cs typeface="+mn-cs"/>
+              </a:rPr>
+              <a:t>.</a:t>
+            </a:r>
+            <a:endParaRPr lang="ko-KR" altLang="en-US" sz="1200" kern="1200" dirty="0" smtClean="0">
+              <a:solidFill>
+                <a:schemeClr val="tx1"/>
+              </a:solidFill>
+              <a:effectLst/>
+              <a:latin typeface="+mn-lt"/>
+              <a:ea typeface="+mn-ea"/>
+              <a:cs typeface="+mn-cs"/>
+            </a:endParaRPr>
+          </a:p>
+          <a:p>
+            <a:pPr fontAlgn="base" latinLnBrk="1"/>
+            <a:r>
+              <a:rPr lang="en-US" altLang="ko-KR" sz="1200" kern="1200" dirty="0" err="1" smtClean="0">
+                <a:solidFill>
+                  <a:schemeClr val="tx1"/>
+                </a:solidFill>
+                <a:effectLst/>
+                <a:latin typeface="+mn-lt"/>
+                <a:ea typeface="+mn-ea"/>
+                <a:cs typeface="+mn-cs"/>
+              </a:rPr>
+              <a:t>fio</a:t>
+            </a:r>
+            <a:r>
+              <a:rPr lang="ko-KR" altLang="en-US" sz="1200" kern="1200" dirty="0" smtClean="0">
+                <a:solidFill>
+                  <a:schemeClr val="tx1"/>
+                </a:solidFill>
+                <a:effectLst/>
+                <a:latin typeface="+mn-lt"/>
+                <a:ea typeface="+mn-ea"/>
+                <a:cs typeface="+mn-cs"/>
+              </a:rPr>
+              <a:t>의 이름을 가진 파일을 읽어온다</a:t>
+            </a:r>
+            <a:r>
+              <a:rPr lang="en-US" altLang="ko-KR" sz="1200" kern="1200" dirty="0" smtClean="0">
+                <a:solidFill>
+                  <a:schemeClr val="tx1"/>
+                </a:solidFill>
+                <a:effectLst/>
+                <a:latin typeface="+mn-lt"/>
+                <a:ea typeface="+mn-ea"/>
+                <a:cs typeface="+mn-cs"/>
+              </a:rPr>
+              <a:t>.</a:t>
+            </a:r>
+            <a:endParaRPr lang="ko-KR" altLang="en-US" sz="1200" kern="1200" dirty="0" smtClean="0">
+              <a:solidFill>
+                <a:schemeClr val="tx1"/>
+              </a:solidFill>
+              <a:effectLst/>
+              <a:latin typeface="+mn-lt"/>
+              <a:ea typeface="+mn-ea"/>
+              <a:cs typeface="+mn-cs"/>
+            </a:endParaRPr>
+          </a:p>
+          <a:p>
+            <a:pPr fontAlgn="base" latinLnBrk="1"/>
+            <a:r>
+              <a:rPr lang="ko-KR" altLang="en-US" sz="1200" kern="1200" dirty="0" smtClean="0">
+                <a:solidFill>
+                  <a:schemeClr val="tx1"/>
+                </a:solidFill>
+                <a:effectLst/>
+                <a:latin typeface="+mn-lt"/>
+                <a:ea typeface="+mn-ea"/>
+                <a:cs typeface="+mn-cs"/>
+              </a:rPr>
+              <a:t>파일이 존재하지 않으면 </a:t>
+            </a:r>
+            <a:r>
+              <a:rPr lang="en-US" altLang="ko-KR" sz="1200" kern="1200" dirty="0" err="1" smtClean="0">
+                <a:solidFill>
+                  <a:schemeClr val="tx1"/>
+                </a:solidFill>
+                <a:effectLst/>
+                <a:latin typeface="+mn-lt"/>
+                <a:ea typeface="+mn-ea"/>
+                <a:cs typeface="+mn-cs"/>
+              </a:rPr>
+              <a:t>conotinue</a:t>
+            </a:r>
+            <a:r>
+              <a:rPr lang="ko-KR" altLang="en-US" sz="1200" kern="1200" dirty="0" smtClean="0">
+                <a:solidFill>
+                  <a:schemeClr val="tx1"/>
+                </a:solidFill>
+                <a:effectLst/>
+                <a:latin typeface="+mn-lt"/>
+                <a:ea typeface="+mn-ea"/>
+                <a:cs typeface="+mn-cs"/>
+              </a:rPr>
+              <a:t>로 넘긴다</a:t>
+            </a:r>
+            <a:r>
+              <a:rPr lang="en-US" altLang="ko-KR" sz="1200" kern="1200" dirty="0" smtClean="0">
+                <a:solidFill>
+                  <a:schemeClr val="tx1"/>
+                </a:solidFill>
+                <a:effectLst/>
+                <a:latin typeface="+mn-lt"/>
+                <a:ea typeface="+mn-ea"/>
+                <a:cs typeface="+mn-cs"/>
+              </a:rPr>
+              <a:t>.</a:t>
+            </a:r>
+            <a:endParaRPr lang="ko-KR" altLang="en-US" sz="1200" kern="1200" dirty="0" smtClean="0">
+              <a:solidFill>
+                <a:schemeClr val="tx1"/>
+              </a:solidFill>
+              <a:effectLst/>
+              <a:latin typeface="+mn-lt"/>
+              <a:ea typeface="+mn-ea"/>
+              <a:cs typeface="+mn-cs"/>
+            </a:endParaRPr>
+          </a:p>
+          <a:p>
+            <a:pPr fontAlgn="base" latinLnBrk="1"/>
+            <a:r>
+              <a:rPr lang="ko-KR" altLang="en-US" sz="1200" kern="1200" dirty="0" smtClean="0">
+                <a:solidFill>
+                  <a:schemeClr val="tx1"/>
+                </a:solidFill>
+                <a:effectLst/>
+                <a:latin typeface="+mn-lt"/>
+                <a:ea typeface="+mn-ea"/>
+                <a:cs typeface="+mn-cs"/>
+              </a:rPr>
+              <a:t>서버에게 </a:t>
+            </a:r>
+            <a:r>
+              <a:rPr lang="en-US" altLang="ko-KR" sz="1200" kern="1200" dirty="0" smtClean="0">
+                <a:solidFill>
+                  <a:schemeClr val="tx1"/>
+                </a:solidFill>
+                <a:effectLst/>
+                <a:latin typeface="+mn-lt"/>
+                <a:ea typeface="+mn-ea"/>
+                <a:cs typeface="+mn-cs"/>
+              </a:rPr>
+              <a:t>[/f </a:t>
+            </a:r>
+            <a:r>
+              <a:rPr lang="ko-KR" altLang="en-US" sz="1200" kern="1200" dirty="0" smtClean="0">
+                <a:solidFill>
+                  <a:schemeClr val="tx1"/>
+                </a:solidFill>
+                <a:effectLst/>
+                <a:latin typeface="+mn-lt"/>
+                <a:ea typeface="+mn-ea"/>
+                <a:cs typeface="+mn-cs"/>
+              </a:rPr>
+              <a:t>파일이름</a:t>
+            </a:r>
+            <a:r>
+              <a:rPr lang="en-US" altLang="ko-KR" sz="1200" kern="1200" dirty="0" smtClean="0">
+                <a:solidFill>
+                  <a:schemeClr val="tx1"/>
+                </a:solidFill>
+                <a:effectLst/>
+                <a:latin typeface="+mn-lt"/>
+                <a:ea typeface="+mn-ea"/>
+                <a:cs typeface="+mn-cs"/>
+              </a:rPr>
+              <a:t>] </a:t>
+            </a:r>
+            <a:r>
+              <a:rPr lang="ko-KR" altLang="en-US" sz="1200" kern="1200" dirty="0" smtClean="0">
+                <a:solidFill>
+                  <a:schemeClr val="tx1"/>
+                </a:solidFill>
+                <a:effectLst/>
+                <a:latin typeface="+mn-lt"/>
+                <a:ea typeface="+mn-ea"/>
+                <a:cs typeface="+mn-cs"/>
+              </a:rPr>
+              <a:t>문자열을 보내서 파일을 보낸다는 것을 알린다</a:t>
+            </a:r>
+            <a:r>
+              <a:rPr lang="en-US" altLang="ko-KR" sz="1200" kern="1200" dirty="0" smtClean="0">
+                <a:solidFill>
+                  <a:schemeClr val="tx1"/>
+                </a:solidFill>
+                <a:effectLst/>
+                <a:latin typeface="+mn-lt"/>
+                <a:ea typeface="+mn-ea"/>
+                <a:cs typeface="+mn-cs"/>
+              </a:rPr>
+              <a:t>.</a:t>
+            </a:r>
+            <a:endParaRPr lang="ko-KR" altLang="en-US" sz="1200" kern="1200" dirty="0" smtClean="0">
+              <a:solidFill>
+                <a:schemeClr val="tx1"/>
+              </a:solidFill>
+              <a:effectLst/>
+              <a:latin typeface="+mn-lt"/>
+              <a:ea typeface="+mn-ea"/>
+              <a:cs typeface="+mn-cs"/>
+            </a:endParaRPr>
+          </a:p>
+          <a:p>
+            <a:pPr fontAlgn="base" latinLnBrk="1"/>
+            <a:r>
+              <a:rPr lang="en-US" altLang="ko-KR" sz="1200" kern="1200" dirty="0" err="1" smtClean="0">
+                <a:solidFill>
+                  <a:schemeClr val="tx1"/>
+                </a:solidFill>
+                <a:effectLst/>
+                <a:latin typeface="+mn-lt"/>
+                <a:ea typeface="+mn-ea"/>
+                <a:cs typeface="+mn-cs"/>
+              </a:rPr>
+              <a:t>fseek</a:t>
+            </a:r>
+            <a:r>
+              <a:rPr lang="en-US" altLang="ko-KR" sz="1200" kern="1200" dirty="0" smtClean="0">
+                <a:solidFill>
+                  <a:schemeClr val="tx1"/>
+                </a:solidFill>
+                <a:effectLst/>
+                <a:latin typeface="+mn-lt"/>
+                <a:ea typeface="+mn-ea"/>
+                <a:cs typeface="+mn-cs"/>
+              </a:rPr>
+              <a:t>() </a:t>
+            </a:r>
+            <a:r>
+              <a:rPr lang="ko-KR" altLang="en-US" sz="1200" kern="1200" dirty="0" smtClean="0">
+                <a:solidFill>
+                  <a:schemeClr val="tx1"/>
+                </a:solidFill>
+                <a:effectLst/>
+                <a:latin typeface="+mn-lt"/>
+                <a:ea typeface="+mn-ea"/>
+                <a:cs typeface="+mn-cs"/>
+              </a:rPr>
+              <a:t>함수와 </a:t>
+            </a:r>
+            <a:r>
+              <a:rPr lang="en-US" altLang="ko-KR" sz="1200" kern="1200" dirty="0" err="1" smtClean="0">
+                <a:solidFill>
+                  <a:schemeClr val="tx1"/>
+                </a:solidFill>
+                <a:effectLst/>
+                <a:latin typeface="+mn-lt"/>
+                <a:ea typeface="+mn-ea"/>
+                <a:cs typeface="+mn-cs"/>
+              </a:rPr>
+              <a:t>ftell</a:t>
+            </a:r>
+            <a:r>
+              <a:rPr lang="en-US" altLang="ko-KR" sz="1200" kern="1200" dirty="0" smtClean="0">
+                <a:solidFill>
+                  <a:schemeClr val="tx1"/>
+                </a:solidFill>
+                <a:effectLst/>
+                <a:latin typeface="+mn-lt"/>
+                <a:ea typeface="+mn-ea"/>
+                <a:cs typeface="+mn-cs"/>
+              </a:rPr>
+              <a:t>() </a:t>
+            </a:r>
+            <a:r>
+              <a:rPr lang="ko-KR" altLang="en-US" sz="1200" kern="1200" dirty="0" smtClean="0">
+                <a:solidFill>
+                  <a:schemeClr val="tx1"/>
+                </a:solidFill>
+                <a:effectLst/>
+                <a:latin typeface="+mn-lt"/>
+                <a:ea typeface="+mn-ea"/>
+                <a:cs typeface="+mn-cs"/>
+              </a:rPr>
+              <a:t>함수로 파일 크기를 찾아 </a:t>
+            </a:r>
+            <a:r>
+              <a:rPr lang="en-US" altLang="ko-KR" sz="1200" kern="1200" dirty="0" err="1" smtClean="0">
+                <a:solidFill>
+                  <a:schemeClr val="tx1"/>
+                </a:solidFill>
+                <a:effectLst/>
+                <a:latin typeface="+mn-lt"/>
+                <a:ea typeface="+mn-ea"/>
+                <a:cs typeface="+mn-cs"/>
+              </a:rPr>
+              <a:t>int</a:t>
+            </a:r>
+            <a:r>
+              <a:rPr lang="en-US" altLang="ko-KR" sz="1200" kern="1200" dirty="0" smtClean="0">
+                <a:solidFill>
+                  <a:schemeClr val="tx1"/>
+                </a:solidFill>
+                <a:effectLst/>
+                <a:latin typeface="+mn-lt"/>
+                <a:ea typeface="+mn-ea"/>
+                <a:cs typeface="+mn-cs"/>
+              </a:rPr>
+              <a:t> size</a:t>
+            </a:r>
+            <a:r>
+              <a:rPr lang="ko-KR" altLang="en-US" sz="1200" kern="1200" dirty="0" smtClean="0">
+                <a:solidFill>
+                  <a:schemeClr val="tx1"/>
+                </a:solidFill>
+                <a:effectLst/>
+                <a:latin typeface="+mn-lt"/>
+                <a:ea typeface="+mn-ea"/>
+                <a:cs typeface="+mn-cs"/>
+              </a:rPr>
+              <a:t>에 저장한다</a:t>
+            </a:r>
+            <a:r>
+              <a:rPr lang="en-US" altLang="ko-KR" sz="1200" kern="1200" dirty="0" smtClean="0">
+                <a:solidFill>
+                  <a:schemeClr val="tx1"/>
+                </a:solidFill>
+                <a:effectLst/>
+                <a:latin typeface="+mn-lt"/>
+                <a:ea typeface="+mn-ea"/>
+                <a:cs typeface="+mn-cs"/>
+              </a:rPr>
+              <a:t>.</a:t>
+            </a:r>
+            <a:endParaRPr lang="ko-KR" altLang="en-US" sz="1200" kern="1200" dirty="0" smtClean="0">
+              <a:solidFill>
+                <a:schemeClr val="tx1"/>
+              </a:solidFill>
+              <a:effectLst/>
+              <a:latin typeface="+mn-lt"/>
+              <a:ea typeface="+mn-ea"/>
+              <a:cs typeface="+mn-cs"/>
+            </a:endParaRPr>
+          </a:p>
+          <a:p>
+            <a:pPr fontAlgn="base" latinLnBrk="1"/>
+            <a:r>
+              <a:rPr lang="en-US" altLang="ko-KR" sz="1200" kern="1200" dirty="0" smtClean="0">
+                <a:solidFill>
+                  <a:schemeClr val="tx1"/>
+                </a:solidFill>
+                <a:effectLst/>
+                <a:latin typeface="+mn-lt"/>
+                <a:ea typeface="+mn-ea"/>
+                <a:cs typeface="+mn-cs"/>
+              </a:rPr>
+              <a:t>char </a:t>
+            </a:r>
+            <a:r>
+              <a:rPr lang="en-US" altLang="ko-KR" sz="1200" kern="1200" dirty="0" err="1" smtClean="0">
+                <a:solidFill>
+                  <a:schemeClr val="tx1"/>
+                </a:solidFill>
+                <a:effectLst/>
+                <a:latin typeface="+mn-lt"/>
+                <a:ea typeface="+mn-ea"/>
+                <a:cs typeface="+mn-cs"/>
+              </a:rPr>
+              <a:t>filesize</a:t>
+            </a:r>
+            <a:r>
+              <a:rPr lang="en-US" altLang="ko-KR" sz="1200" kern="1200" dirty="0" smtClean="0">
+                <a:solidFill>
+                  <a:schemeClr val="tx1"/>
+                </a:solidFill>
+                <a:effectLst/>
+                <a:latin typeface="+mn-lt"/>
+                <a:ea typeface="+mn-ea"/>
+                <a:cs typeface="+mn-cs"/>
+              </a:rPr>
+              <a:t>[]</a:t>
+            </a:r>
+            <a:r>
+              <a:rPr lang="ko-KR" altLang="en-US" sz="1200" kern="1200" dirty="0" smtClean="0">
+                <a:solidFill>
+                  <a:schemeClr val="tx1"/>
+                </a:solidFill>
+                <a:effectLst/>
+                <a:latin typeface="+mn-lt"/>
+                <a:ea typeface="+mn-ea"/>
+                <a:cs typeface="+mn-cs"/>
+              </a:rPr>
+              <a:t>문자열에 </a:t>
+            </a:r>
+            <a:r>
+              <a:rPr lang="en-US" altLang="ko-KR" sz="1200" kern="1200" dirty="0" smtClean="0">
+                <a:solidFill>
+                  <a:schemeClr val="tx1"/>
+                </a:solidFill>
+                <a:effectLst/>
+                <a:latin typeface="+mn-lt"/>
+                <a:ea typeface="+mn-ea"/>
+                <a:cs typeface="+mn-cs"/>
+              </a:rPr>
+              <a:t>size</a:t>
+            </a:r>
+            <a:r>
+              <a:rPr lang="ko-KR" altLang="en-US" sz="1200" kern="1200" dirty="0" smtClean="0">
+                <a:solidFill>
+                  <a:schemeClr val="tx1"/>
+                </a:solidFill>
+                <a:effectLst/>
+                <a:latin typeface="+mn-lt"/>
+                <a:ea typeface="+mn-ea"/>
+                <a:cs typeface="+mn-cs"/>
+              </a:rPr>
+              <a:t>크기를 저장하고 서버에게 보낸다</a:t>
+            </a:r>
+            <a:r>
+              <a:rPr lang="en-US" altLang="ko-KR" sz="1200" kern="1200" dirty="0" smtClean="0">
+                <a:solidFill>
+                  <a:schemeClr val="tx1"/>
+                </a:solidFill>
+                <a:effectLst/>
+                <a:latin typeface="+mn-lt"/>
+                <a:ea typeface="+mn-ea"/>
+                <a:cs typeface="+mn-cs"/>
+              </a:rPr>
+              <a:t>.</a:t>
+            </a:r>
+            <a:endParaRPr lang="ko-KR" altLang="en-US" sz="1200" kern="1200" dirty="0" smtClean="0">
+              <a:solidFill>
+                <a:schemeClr val="tx1"/>
+              </a:solidFill>
+              <a:effectLst/>
+              <a:latin typeface="+mn-lt"/>
+              <a:ea typeface="+mn-ea"/>
+              <a:cs typeface="+mn-cs"/>
+            </a:endParaRPr>
+          </a:p>
+          <a:p>
+            <a:pPr fontAlgn="base" latinLnBrk="1"/>
+            <a:r>
+              <a:rPr lang="en-US" altLang="ko-KR" sz="1200" kern="1200" dirty="0" smtClean="0">
+                <a:solidFill>
+                  <a:schemeClr val="tx1"/>
+                </a:solidFill>
+                <a:effectLst/>
+                <a:latin typeface="+mn-lt"/>
+                <a:ea typeface="+mn-ea"/>
+                <a:cs typeface="+mn-cs"/>
+              </a:rPr>
+              <a:t>char* </a:t>
+            </a:r>
+            <a:r>
+              <a:rPr lang="en-US" altLang="ko-KR" sz="1200" kern="1200" dirty="0" err="1" smtClean="0">
+                <a:solidFill>
+                  <a:schemeClr val="tx1"/>
+                </a:solidFill>
+                <a:effectLst/>
+                <a:latin typeface="+mn-lt"/>
+                <a:ea typeface="+mn-ea"/>
+                <a:cs typeface="+mn-cs"/>
+              </a:rPr>
+              <a:t>buf</a:t>
+            </a:r>
+            <a:r>
+              <a:rPr lang="ko-KR" altLang="en-US" sz="1200" kern="1200" dirty="0" smtClean="0">
+                <a:solidFill>
+                  <a:schemeClr val="tx1"/>
+                </a:solidFill>
+                <a:effectLst/>
+                <a:latin typeface="+mn-lt"/>
+                <a:ea typeface="+mn-ea"/>
+                <a:cs typeface="+mn-cs"/>
+              </a:rPr>
+              <a:t>에 </a:t>
+            </a:r>
+            <a:r>
+              <a:rPr lang="en-US" altLang="ko-KR" sz="1200" kern="1200" dirty="0" smtClean="0">
+                <a:solidFill>
+                  <a:schemeClr val="tx1"/>
+                </a:solidFill>
+                <a:effectLst/>
+                <a:latin typeface="+mn-lt"/>
+                <a:ea typeface="+mn-ea"/>
+                <a:cs typeface="+mn-cs"/>
+              </a:rPr>
+              <a:t>size</a:t>
+            </a:r>
+            <a:r>
+              <a:rPr lang="ko-KR" altLang="en-US" sz="1200" kern="1200" dirty="0" smtClean="0">
+                <a:solidFill>
+                  <a:schemeClr val="tx1"/>
+                </a:solidFill>
+                <a:effectLst/>
+                <a:latin typeface="+mn-lt"/>
+                <a:ea typeface="+mn-ea"/>
+                <a:cs typeface="+mn-cs"/>
+              </a:rPr>
+              <a:t>크기만큼 동적할당하고 읽은 파일을 저장한다</a:t>
+            </a:r>
+            <a:r>
+              <a:rPr lang="en-US" altLang="ko-KR" sz="1200" kern="1200" dirty="0" smtClean="0">
+                <a:solidFill>
+                  <a:schemeClr val="tx1"/>
+                </a:solidFill>
+                <a:effectLst/>
+                <a:latin typeface="+mn-lt"/>
+                <a:ea typeface="+mn-ea"/>
+                <a:cs typeface="+mn-cs"/>
+              </a:rPr>
+              <a:t>.</a:t>
+            </a:r>
+            <a:endParaRPr lang="ko-KR" altLang="en-US" sz="1200" kern="1200" dirty="0" smtClean="0">
+              <a:solidFill>
+                <a:schemeClr val="tx1"/>
+              </a:solidFill>
+              <a:effectLst/>
+              <a:latin typeface="+mn-lt"/>
+              <a:ea typeface="+mn-ea"/>
+              <a:cs typeface="+mn-cs"/>
+            </a:endParaRPr>
+          </a:p>
+          <a:p>
+            <a:pPr fontAlgn="base" latinLnBrk="1"/>
+            <a:r>
+              <a:rPr lang="en-US" altLang="ko-KR" sz="1200" kern="1200" dirty="0" smtClean="0">
+                <a:solidFill>
+                  <a:schemeClr val="tx1"/>
+                </a:solidFill>
+                <a:effectLst/>
+                <a:latin typeface="+mn-lt"/>
+                <a:ea typeface="+mn-ea"/>
+                <a:cs typeface="+mn-cs"/>
+              </a:rPr>
+              <a:t>write()</a:t>
+            </a:r>
+            <a:r>
+              <a:rPr lang="ko-KR" altLang="en-US" sz="1200" kern="1200" dirty="0" smtClean="0">
+                <a:solidFill>
+                  <a:schemeClr val="tx1"/>
+                </a:solidFill>
+                <a:effectLst/>
+                <a:latin typeface="+mn-lt"/>
+                <a:ea typeface="+mn-ea"/>
+                <a:cs typeface="+mn-cs"/>
+              </a:rPr>
+              <a:t>함수를 이용하여 파일을 보낸다</a:t>
+            </a:r>
+            <a:r>
+              <a:rPr lang="en-US" altLang="ko-KR" sz="1200" kern="1200" dirty="0" smtClean="0">
+                <a:solidFill>
+                  <a:schemeClr val="tx1"/>
+                </a:solidFill>
+                <a:effectLst/>
+                <a:latin typeface="+mn-lt"/>
+                <a:ea typeface="+mn-ea"/>
+                <a:cs typeface="+mn-cs"/>
+              </a:rPr>
+              <a:t>.</a:t>
+            </a:r>
+            <a:endParaRPr lang="ko-KR" altLang="en-US" sz="1200" kern="1200" dirty="0" smtClean="0">
+              <a:solidFill>
+                <a:schemeClr val="tx1"/>
+              </a:solidFill>
+              <a:effectLst/>
+              <a:latin typeface="+mn-lt"/>
+              <a:ea typeface="+mn-ea"/>
+              <a:cs typeface="+mn-cs"/>
+            </a:endParaRPr>
+          </a:p>
+          <a:p>
+            <a:pPr fontAlgn="base" latinLnBrk="1"/>
+            <a:r>
+              <a:rPr lang="ko-KR" altLang="en-US" sz="1200" kern="1200" dirty="0" smtClean="0">
+                <a:solidFill>
+                  <a:schemeClr val="tx1"/>
+                </a:solidFill>
+                <a:effectLst/>
+                <a:latin typeface="+mn-lt"/>
+                <a:ea typeface="+mn-ea"/>
+                <a:cs typeface="+mn-cs"/>
+              </a:rPr>
+              <a:t>버퍼를 초기화하고 메모리를 해체한다</a:t>
+            </a:r>
+            <a:r>
+              <a:rPr lang="en-US" altLang="ko-KR" sz="1200" kern="1200" dirty="0" smtClean="0">
+                <a:solidFill>
+                  <a:schemeClr val="tx1"/>
+                </a:solidFill>
+                <a:effectLst/>
+                <a:latin typeface="+mn-lt"/>
+                <a:ea typeface="+mn-ea"/>
+                <a:cs typeface="+mn-cs"/>
+              </a:rPr>
+              <a:t>.</a:t>
+            </a:r>
+            <a:endParaRPr lang="ko-KR" altLang="en-US" sz="1200" kern="1200" dirty="0" smtClean="0">
+              <a:solidFill>
+                <a:schemeClr val="tx1"/>
+              </a:solidFill>
+              <a:effectLst/>
+              <a:latin typeface="+mn-lt"/>
+              <a:ea typeface="+mn-ea"/>
+              <a:cs typeface="+mn-cs"/>
+            </a:endParaRPr>
+          </a:p>
+          <a:p>
+            <a:pPr marL="0" marR="0" indent="0" algn="l" defTabSz="914400" rtl="0" eaLnBrk="1" fontAlgn="auto" latinLnBrk="1" hangingPunct="1">
+              <a:lnSpc>
+                <a:spcPct val="100000"/>
+              </a:lnSpc>
+              <a:spcBef>
+                <a:spcPts val="0"/>
+              </a:spcBef>
+              <a:spcAft>
+                <a:spcPts val="0"/>
+              </a:spcAft>
+              <a:buClrTx/>
+              <a:buSzTx/>
+              <a:buFontTx/>
+              <a:buNone/>
+              <a:tabLst/>
+              <a:defRPr/>
+            </a:pPr>
+            <a:endParaRPr lang="en-US" altLang="ko-KR" sz="1200" kern="1200" baseline="0" dirty="0" smtClean="0">
+              <a:solidFill>
+                <a:schemeClr val="tx1"/>
+              </a:solidFill>
+              <a:effectLst/>
+              <a:latin typeface="+mn-lt"/>
+              <a:ea typeface="+mn-ea"/>
+              <a:cs typeface="+mn-cs"/>
+            </a:endParaRPr>
+          </a:p>
+          <a:p>
+            <a:pPr marL="0" marR="0" indent="0" algn="l" defTabSz="914400" rtl="0" eaLnBrk="1" fontAlgn="auto" latinLnBrk="1" hangingPunct="1">
+              <a:lnSpc>
+                <a:spcPct val="100000"/>
+              </a:lnSpc>
+              <a:spcBef>
+                <a:spcPts val="0"/>
+              </a:spcBef>
+              <a:spcAft>
+                <a:spcPts val="0"/>
+              </a:spcAft>
+              <a:buClrTx/>
+              <a:buSzTx/>
+              <a:buFontTx/>
+              <a:buNone/>
+              <a:tabLst/>
+              <a:defRPr/>
+            </a:pPr>
+            <a:endParaRPr lang="ko-KR" altLang="en-US" sz="1200" kern="1200" dirty="0" smtClean="0">
+              <a:solidFill>
+                <a:schemeClr val="tx1"/>
+              </a:solidFill>
+              <a:effectLst/>
+              <a:latin typeface="+mn-lt"/>
+              <a:ea typeface="+mn-ea"/>
+              <a:cs typeface="+mn-cs"/>
+            </a:endParaRPr>
+          </a:p>
+          <a:p>
+            <a:pPr marL="0" marR="0" indent="0" algn="l" defTabSz="914400" rtl="0" eaLnBrk="1" fontAlgn="auto" latinLnBrk="1" hangingPunct="1">
+              <a:lnSpc>
+                <a:spcPct val="100000"/>
+              </a:lnSpc>
+              <a:spcBef>
+                <a:spcPts val="0"/>
+              </a:spcBef>
+              <a:spcAft>
+                <a:spcPts val="0"/>
+              </a:spcAft>
+              <a:buClrTx/>
+              <a:buSzTx/>
+              <a:buFontTx/>
+              <a:buNone/>
+              <a:tabLst/>
+              <a:defRPr/>
+            </a:pPr>
+            <a:endParaRPr lang="en-US" altLang="ko-KR" sz="1200" kern="1200" dirty="0" smtClean="0">
+              <a:solidFill>
+                <a:schemeClr val="tx1"/>
+              </a:solidFill>
+              <a:effectLst/>
+              <a:latin typeface="+mn-lt"/>
+              <a:ea typeface="+mn-ea"/>
+              <a:cs typeface="+mn-cs"/>
+            </a:endParaRPr>
+          </a:p>
+          <a:p>
+            <a:pPr marL="0" marR="0" indent="0" algn="l" defTabSz="914400" rtl="0" eaLnBrk="1" fontAlgn="auto" latinLnBrk="1" hangingPunct="1">
+              <a:lnSpc>
+                <a:spcPct val="100000"/>
+              </a:lnSpc>
+              <a:spcBef>
+                <a:spcPts val="0"/>
+              </a:spcBef>
+              <a:spcAft>
+                <a:spcPts val="0"/>
+              </a:spcAft>
+              <a:buClrTx/>
+              <a:buSzTx/>
+              <a:buFontTx/>
+              <a:buNone/>
+              <a:tabLst/>
+              <a:defRPr/>
+            </a:pPr>
+            <a:r>
+              <a:rPr lang="en-US" altLang="ko-KR" sz="1200" kern="1200" dirty="0" smtClean="0">
+                <a:solidFill>
+                  <a:schemeClr val="tx1"/>
+                </a:solidFill>
+                <a:effectLst/>
+                <a:latin typeface="+mn-lt"/>
+                <a:ea typeface="+mn-ea"/>
+                <a:cs typeface="+mn-cs"/>
+              </a:rPr>
+              <a:t>//</a:t>
+            </a:r>
+            <a:r>
+              <a:rPr lang="ko-KR" altLang="en-US" sz="1200" kern="1200" dirty="0" smtClean="0">
+                <a:solidFill>
+                  <a:schemeClr val="tx1"/>
+                </a:solidFill>
+                <a:effectLst/>
+                <a:latin typeface="+mn-lt"/>
+                <a:ea typeface="+mn-ea"/>
+                <a:cs typeface="+mn-cs"/>
+              </a:rPr>
+              <a:t>아무런 특수 문자열이 없으면 그대로 출력</a:t>
+            </a:r>
+          </a:p>
+          <a:p>
             <a:endParaRPr lang="ko-KR" altLang="en-US" dirty="0"/>
           </a:p>
         </p:txBody>
@@ -1787,7 +3023,7 @@
           <a:p>
             <a:fld id="{C2AFFE92-455A-4DA0-9131-57DAB90A5704}" type="slidenum">
               <a:rPr lang="ko-KR" altLang="en-US" smtClean="0"/>
-              <a:t>17</a:t>
+              <a:t>15</a:t>
             </a:fld>
             <a:endParaRPr lang="ko-KR" altLang="en-US"/>
           </a:p>
@@ -1796,7 +3032,7 @@
     </p:spTree>
     <p:extLst>
       <p:ext uri="{BB962C8B-B14F-4D97-AF65-F5344CB8AC3E}">
-        <p14:creationId xmlns:p14="http://schemas.microsoft.com/office/powerpoint/2010/main" val="904664426"/>
+        <p14:creationId xmlns:p14="http://schemas.microsoft.com/office/powerpoint/2010/main" val="1064499671"/>
       </p:ext>
     </p:extLst>
   </p:cSld>
@@ -1850,8 +3086,948 @@
           <a:bodyPr/>
           <a:lstStyle/>
           <a:p>
+            <a:endParaRPr lang="ko-KR" altLang="en-US" dirty="0"/>
+          </a:p>
+        </p:txBody>
+      </p:sp>
+      <p:sp>
+        <p:nvSpPr>
+          <p:cNvPr id="4" name="슬라이드 번호 개체 틀 3"/>
+          <p:cNvSpPr>
+            <a:spLocks noGrp="1"/>
+          </p:cNvSpPr>
+          <p:nvPr>
+            <p:ph type="sldNum" sz="quarter" idx="10"/>
+          </p:nvPr>
+        </p:nvSpPr>
+        <p:spPr/>
+        <p:txBody>
+          <a:bodyPr/>
+          <a:lstStyle/>
+          <a:p>
+            <a:fld id="{C2AFFE92-455A-4DA0-9131-57DAB90A5704}" type="slidenum">
+              <a:rPr lang="ko-KR" altLang="en-US" smtClean="0"/>
+              <a:t>17</a:t>
+            </a:fld>
+            <a:endParaRPr lang="ko-KR" altLang="en-US"/>
+          </a:p>
+        </p:txBody>
+      </p:sp>
+    </p:spTree>
+    <p:extLst>
+      <p:ext uri="{BB962C8B-B14F-4D97-AF65-F5344CB8AC3E}">
+        <p14:creationId xmlns:p14="http://schemas.microsoft.com/office/powerpoint/2010/main" val="904664426"/>
+      </p:ext>
+    </p:extLst>
+  </p:cSld>
+  <p:clrMapOvr>
+    <a:masterClrMapping/>
+  </p:clrMapOvr>
+</p:notes>
+</file>
+
+<file path=ppt/notesSlides/notesSlide7.xml><?xml version="1.0" encoding="utf-8"?>
+<p:notes xmlns:a="http://schemas.openxmlformats.org/drawingml/2006/main" xmlns:r="http://schemas.openxmlformats.org/officeDocument/2006/relationships" xmlns:p="http://schemas.openxmlformats.org/presentationml/2006/main">
+  <p:cSld>
+    <p:spTree>
+      <p:nvGrpSpPr>
+        <p:cNvPr id="1" name=""/>
+        <p:cNvGrpSpPr/>
+        <p:nvPr/>
+      </p:nvGrpSpPr>
+      <p:grpSpPr>
+        <a:xfrm>
+          <a:off x="0" y="0"/>
+          <a:ext cx="0" cy="0"/>
+          <a:chOff x="0" y="0"/>
+          <a:chExt cx="0" cy="0"/>
+        </a:xfrm>
+      </p:grpSpPr>
+      <p:sp>
+        <p:nvSpPr>
+          <p:cNvPr id="2" name="슬라이드 이미지 개체 틀 1"/>
+          <p:cNvSpPr>
+            <a:spLocks noGrp="1" noRot="1" noChangeAspect="1"/>
+          </p:cNvSpPr>
+          <p:nvPr>
+            <p:ph type="sldImg"/>
+          </p:nvPr>
+        </p:nvSpPr>
+        <p:spPr/>
+      </p:sp>
+      <p:sp>
+        <p:nvSpPr>
+          <p:cNvPr id="3" name="슬라이드 노트 개체 틀 2"/>
+          <p:cNvSpPr>
+            <a:spLocks noGrp="1"/>
+          </p:cNvSpPr>
+          <p:nvPr>
+            <p:ph type="body" idx="1"/>
+          </p:nvPr>
+        </p:nvSpPr>
+        <p:spPr/>
+        <p:txBody>
+          <a:bodyPr/>
+          <a:lstStyle/>
+          <a:p>
+            <a:pPr marL="0" marR="0" indent="0" algn="l" defTabSz="914400" rtl="0" eaLnBrk="1" fontAlgn="auto" latinLnBrk="1" hangingPunct="1">
+              <a:lnSpc>
+                <a:spcPct val="100000"/>
+              </a:lnSpc>
+              <a:spcBef>
+                <a:spcPts val="0"/>
+              </a:spcBef>
+              <a:spcAft>
+                <a:spcPts val="0"/>
+              </a:spcAft>
+              <a:buClrTx/>
+              <a:buSzTx/>
+              <a:buFontTx/>
+              <a:buNone/>
+              <a:tabLst/>
+              <a:defRPr/>
+            </a:pPr>
+            <a:r>
+              <a:rPr lang="en-US" altLang="ko-KR" sz="1200" kern="1200" dirty="0" err="1" smtClean="0">
+                <a:solidFill>
+                  <a:schemeClr val="tx1"/>
+                </a:solidFill>
+                <a:effectLst/>
+                <a:latin typeface="+mn-lt"/>
+                <a:ea typeface="+mn-ea"/>
+                <a:cs typeface="+mn-cs"/>
+              </a:rPr>
+              <a:t>Commd</a:t>
+            </a:r>
+            <a:r>
+              <a:rPr lang="en-US" altLang="ko-KR" sz="1200" kern="1200" dirty="0" smtClean="0">
+                <a:solidFill>
+                  <a:schemeClr val="tx1"/>
+                </a:solidFill>
+                <a:effectLst/>
+                <a:latin typeface="+mn-lt"/>
+                <a:ea typeface="+mn-ea"/>
+                <a:cs typeface="+mn-cs"/>
+              </a:rPr>
+              <a:t>()</a:t>
+            </a:r>
+            <a:r>
+              <a:rPr lang="ko-KR" altLang="en-US" sz="1200" kern="1200" dirty="0" smtClean="0">
+                <a:solidFill>
+                  <a:schemeClr val="tx1"/>
+                </a:solidFill>
+                <a:effectLst/>
+                <a:latin typeface="+mn-lt"/>
+                <a:ea typeface="+mn-ea"/>
+                <a:cs typeface="+mn-cs"/>
+              </a:rPr>
+              <a:t>함수를 실행한다</a:t>
+            </a:r>
+            <a:r>
+              <a:rPr lang="en-US" altLang="ko-KR" sz="1200" kern="1200" dirty="0" smtClean="0">
+                <a:solidFill>
+                  <a:schemeClr val="tx1"/>
+                </a:solidFill>
+                <a:effectLst/>
+                <a:latin typeface="+mn-lt"/>
+                <a:ea typeface="+mn-ea"/>
+                <a:cs typeface="+mn-cs"/>
+              </a:rPr>
+              <a:t>. </a:t>
+            </a:r>
+            <a:r>
+              <a:rPr lang="ko-KR" altLang="en-US" sz="1200" kern="1200" dirty="0" smtClean="0">
+                <a:solidFill>
+                  <a:schemeClr val="tx1"/>
+                </a:solidFill>
+                <a:effectLst/>
+                <a:latin typeface="+mn-lt"/>
+                <a:ea typeface="+mn-ea"/>
+                <a:cs typeface="+mn-cs"/>
+              </a:rPr>
+              <a:t>관리자가 명령어를 전송하여 실행시키는 기능이다</a:t>
+            </a:r>
+            <a:r>
+              <a:rPr lang="en-US" altLang="ko-KR" sz="1200" kern="1200" dirty="0" smtClean="0">
+                <a:solidFill>
+                  <a:schemeClr val="tx1"/>
+                </a:solidFill>
+                <a:effectLst/>
+                <a:latin typeface="+mn-lt"/>
+                <a:ea typeface="+mn-ea"/>
+                <a:cs typeface="+mn-cs"/>
+              </a:rPr>
+              <a:t>.</a:t>
+            </a:r>
+            <a:endParaRPr lang="ko-KR" altLang="en-US" sz="1200" kern="1200" dirty="0" smtClean="0">
+              <a:solidFill>
+                <a:schemeClr val="tx1"/>
+              </a:solidFill>
+              <a:effectLst/>
+              <a:latin typeface="+mn-lt"/>
+              <a:ea typeface="+mn-ea"/>
+              <a:cs typeface="+mn-cs"/>
+            </a:endParaRPr>
+          </a:p>
+          <a:p>
+            <a:endParaRPr lang="ko-KR" altLang="en-US" dirty="0"/>
+          </a:p>
+        </p:txBody>
+      </p:sp>
+      <p:sp>
+        <p:nvSpPr>
+          <p:cNvPr id="4" name="슬라이드 번호 개체 틀 3"/>
+          <p:cNvSpPr>
+            <a:spLocks noGrp="1"/>
+          </p:cNvSpPr>
+          <p:nvPr>
+            <p:ph type="sldNum" sz="quarter" idx="10"/>
+          </p:nvPr>
+        </p:nvSpPr>
+        <p:spPr/>
+        <p:txBody>
+          <a:bodyPr/>
+          <a:lstStyle/>
+          <a:p>
+            <a:fld id="{C2AFFE92-455A-4DA0-9131-57DAB90A5704}" type="slidenum">
+              <a:rPr lang="ko-KR" altLang="en-US" smtClean="0"/>
+              <a:t>20</a:t>
+            </a:fld>
+            <a:endParaRPr lang="ko-KR" altLang="en-US"/>
+          </a:p>
+        </p:txBody>
+      </p:sp>
+    </p:spTree>
+    <p:extLst>
+      <p:ext uri="{BB962C8B-B14F-4D97-AF65-F5344CB8AC3E}">
+        <p14:creationId xmlns:p14="http://schemas.microsoft.com/office/powerpoint/2010/main" val="461529011"/>
+      </p:ext>
+    </p:extLst>
+  </p:cSld>
+  <p:clrMapOvr>
+    <a:masterClrMapping/>
+  </p:clrMapOvr>
+</p:notes>
+</file>
+
+<file path=ppt/notesSlides/notesSlide8.xml><?xml version="1.0" encoding="utf-8"?>
+<p:notes xmlns:a="http://schemas.openxmlformats.org/drawingml/2006/main" xmlns:r="http://schemas.openxmlformats.org/officeDocument/2006/relationships" xmlns:p="http://schemas.openxmlformats.org/presentationml/2006/main">
+  <p:cSld>
+    <p:spTree>
+      <p:nvGrpSpPr>
+        <p:cNvPr id="1" name=""/>
+        <p:cNvGrpSpPr/>
+        <p:nvPr/>
+      </p:nvGrpSpPr>
+      <p:grpSpPr>
+        <a:xfrm>
+          <a:off x="0" y="0"/>
+          <a:ext cx="0" cy="0"/>
+          <a:chOff x="0" y="0"/>
+          <a:chExt cx="0" cy="0"/>
+        </a:xfrm>
+      </p:grpSpPr>
+      <p:sp>
+        <p:nvSpPr>
+          <p:cNvPr id="2" name="슬라이드 이미지 개체 틀 1"/>
+          <p:cNvSpPr>
+            <a:spLocks noGrp="1" noRot="1" noChangeAspect="1"/>
+          </p:cNvSpPr>
+          <p:nvPr>
+            <p:ph type="sldImg"/>
+          </p:nvPr>
+        </p:nvSpPr>
+        <p:spPr/>
+      </p:sp>
+      <p:sp>
+        <p:nvSpPr>
+          <p:cNvPr id="3" name="슬라이드 노트 개체 틀 2"/>
+          <p:cNvSpPr>
+            <a:spLocks noGrp="1"/>
+          </p:cNvSpPr>
+          <p:nvPr>
+            <p:ph type="body" idx="1"/>
+          </p:nvPr>
+        </p:nvSpPr>
+        <p:spPr/>
+        <p:txBody>
+          <a:bodyPr/>
+          <a:lstStyle/>
+          <a:p>
             <a:pPr fontAlgn="base" latinLnBrk="1"/>
             <a:r>
+              <a:rPr lang="ko-KR" altLang="en-US" sz="1200" kern="1200" dirty="0" smtClean="0">
+                <a:solidFill>
+                  <a:schemeClr val="tx1"/>
+                </a:solidFill>
+                <a:effectLst/>
+                <a:latin typeface="+mn-lt"/>
+                <a:ea typeface="+mn-ea"/>
+                <a:cs typeface="+mn-cs"/>
+              </a:rPr>
+              <a:t>서버</a:t>
+            </a:r>
+            <a:r>
+              <a:rPr lang="en-US" altLang="ko-KR" sz="1200" kern="1200" dirty="0" smtClean="0">
+                <a:solidFill>
+                  <a:schemeClr val="tx1"/>
+                </a:solidFill>
+                <a:effectLst/>
+                <a:latin typeface="+mn-lt"/>
+                <a:ea typeface="+mn-ea"/>
+                <a:cs typeface="+mn-cs"/>
+              </a:rPr>
+              <a:t>-&gt;</a:t>
+            </a:r>
+            <a:r>
+              <a:rPr lang="ko-KR" altLang="en-US" sz="1200" kern="1200" dirty="0" smtClean="0">
+                <a:solidFill>
+                  <a:schemeClr val="tx1"/>
+                </a:solidFill>
+                <a:effectLst/>
+                <a:latin typeface="+mn-lt"/>
+                <a:ea typeface="+mn-ea"/>
+                <a:cs typeface="+mn-cs"/>
+              </a:rPr>
+              <a:t>유</a:t>
+            </a:r>
+            <a:r>
+              <a:rPr lang="ko-KR" altLang="en-US" sz="1200" kern="1200" dirty="0" smtClean="0">
+                <a:solidFill>
+                  <a:schemeClr val="tx1"/>
+                </a:solidFill>
+                <a:effectLst/>
+                <a:latin typeface="+mn-lt"/>
+                <a:ea typeface="+mn-ea"/>
+                <a:cs typeface="+mn-cs"/>
+              </a:rPr>
+              <a:t>저</a:t>
+            </a:r>
+            <a:endParaRPr lang="en-US" altLang="ko-KR" sz="1200" kern="1200" dirty="0" smtClean="0">
+              <a:solidFill>
+                <a:schemeClr val="tx1"/>
+              </a:solidFill>
+              <a:effectLst/>
+              <a:latin typeface="+mn-lt"/>
+              <a:ea typeface="+mn-ea"/>
+              <a:cs typeface="+mn-cs"/>
+            </a:endParaRPr>
+          </a:p>
+          <a:p>
+            <a:pPr fontAlgn="base" latinLnBrk="1"/>
+            <a:r>
+              <a:rPr lang="en-US" altLang="ko-KR" sz="1200" kern="1200" dirty="0" err="1" smtClean="0">
+                <a:solidFill>
+                  <a:schemeClr val="tx1"/>
+                </a:solidFill>
+                <a:effectLst/>
+                <a:latin typeface="+mn-lt"/>
+                <a:ea typeface="+mn-ea"/>
+                <a:cs typeface="+mn-cs"/>
+              </a:rPr>
+              <a:t>strtok</a:t>
+            </a:r>
+            <a:r>
+              <a:rPr lang="en-US" altLang="ko-KR" sz="1200" kern="1200" dirty="0" smtClean="0">
+                <a:solidFill>
+                  <a:schemeClr val="tx1"/>
+                </a:solidFill>
+                <a:effectLst/>
+                <a:latin typeface="+mn-lt"/>
+                <a:ea typeface="+mn-ea"/>
+                <a:cs typeface="+mn-cs"/>
+              </a:rPr>
+              <a:t>()</a:t>
+            </a:r>
+            <a:r>
+              <a:rPr lang="ko-KR" altLang="en-US" sz="1200" kern="1200" dirty="0" smtClean="0">
+                <a:solidFill>
+                  <a:schemeClr val="tx1"/>
+                </a:solidFill>
+                <a:effectLst/>
+                <a:latin typeface="+mn-lt"/>
+                <a:ea typeface="+mn-ea"/>
+                <a:cs typeface="+mn-cs"/>
+              </a:rPr>
+              <a:t>함수를 이용하여 문자열을 분리하고 파일이름을 </a:t>
+            </a:r>
+            <a:r>
+              <a:rPr lang="en-US" altLang="ko-KR" sz="1200" kern="1200" dirty="0" smtClean="0">
+                <a:solidFill>
+                  <a:schemeClr val="tx1"/>
+                </a:solidFill>
+                <a:effectLst/>
+                <a:latin typeface="+mn-lt"/>
+                <a:ea typeface="+mn-ea"/>
+                <a:cs typeface="+mn-cs"/>
+              </a:rPr>
+              <a:t>char *</a:t>
+            </a:r>
+            <a:r>
+              <a:rPr lang="en-US" altLang="ko-KR" sz="1200" kern="1200" dirty="0" err="1" smtClean="0">
+                <a:solidFill>
+                  <a:schemeClr val="tx1"/>
+                </a:solidFill>
+                <a:effectLst/>
+                <a:latin typeface="+mn-lt"/>
+                <a:ea typeface="+mn-ea"/>
+                <a:cs typeface="+mn-cs"/>
+              </a:rPr>
+              <a:t>fio</a:t>
+            </a:r>
+            <a:r>
+              <a:rPr lang="ko-KR" altLang="en-US" sz="1200" kern="1200" dirty="0" smtClean="0">
+                <a:solidFill>
+                  <a:schemeClr val="tx1"/>
+                </a:solidFill>
+                <a:effectLst/>
+                <a:latin typeface="+mn-lt"/>
+                <a:ea typeface="+mn-ea"/>
+                <a:cs typeface="+mn-cs"/>
+              </a:rPr>
+              <a:t>에 저장시킨다</a:t>
+            </a:r>
+            <a:r>
+              <a:rPr lang="en-US" altLang="ko-KR" sz="1200" kern="1200" dirty="0" smtClean="0">
+                <a:solidFill>
+                  <a:schemeClr val="tx1"/>
+                </a:solidFill>
+                <a:effectLst/>
+                <a:latin typeface="+mn-lt"/>
+                <a:ea typeface="+mn-ea"/>
+                <a:cs typeface="+mn-cs"/>
+              </a:rPr>
+              <a:t>.</a:t>
+            </a:r>
+            <a:endParaRPr lang="ko-KR" altLang="en-US" sz="1200" kern="1200" dirty="0" smtClean="0">
+              <a:solidFill>
+                <a:schemeClr val="tx1"/>
+              </a:solidFill>
+              <a:effectLst/>
+              <a:latin typeface="+mn-lt"/>
+              <a:ea typeface="+mn-ea"/>
+              <a:cs typeface="+mn-cs"/>
+            </a:endParaRPr>
+          </a:p>
+          <a:p>
+            <a:pPr fontAlgn="base" latinLnBrk="1"/>
+            <a:r>
+              <a:rPr lang="en-US" altLang="ko-KR" sz="1200" kern="1200" dirty="0" err="1" smtClean="0">
+                <a:solidFill>
+                  <a:schemeClr val="tx1"/>
+                </a:solidFill>
+                <a:effectLst/>
+                <a:latin typeface="+mn-lt"/>
+                <a:ea typeface="+mn-ea"/>
+                <a:cs typeface="+mn-cs"/>
+              </a:rPr>
+              <a:t>recv</a:t>
+            </a:r>
+            <a:r>
+              <a:rPr lang="en-US" altLang="ko-KR" sz="1200" kern="1200" dirty="0" smtClean="0">
+                <a:solidFill>
+                  <a:schemeClr val="tx1"/>
+                </a:solidFill>
+                <a:effectLst/>
+                <a:latin typeface="+mn-lt"/>
+                <a:ea typeface="+mn-ea"/>
+                <a:cs typeface="+mn-cs"/>
+              </a:rPr>
+              <a:t>()</a:t>
+            </a:r>
+            <a:r>
+              <a:rPr lang="ko-KR" altLang="en-US" sz="1200" kern="1200" dirty="0" smtClean="0">
+                <a:solidFill>
+                  <a:schemeClr val="tx1"/>
+                </a:solidFill>
+                <a:effectLst/>
+                <a:latin typeface="+mn-lt"/>
+                <a:ea typeface="+mn-ea"/>
+                <a:cs typeface="+mn-cs"/>
+              </a:rPr>
+              <a:t>함수로 </a:t>
+            </a:r>
+            <a:r>
+              <a:rPr lang="en-US" altLang="ko-KR" sz="1200" kern="1200" dirty="0" smtClean="0">
+                <a:solidFill>
+                  <a:schemeClr val="tx1"/>
+                </a:solidFill>
+                <a:effectLst/>
+                <a:latin typeface="+mn-lt"/>
+                <a:ea typeface="+mn-ea"/>
+                <a:cs typeface="+mn-cs"/>
+              </a:rPr>
+              <a:t>user</a:t>
+            </a:r>
+            <a:r>
+              <a:rPr lang="ko-KR" altLang="en-US" sz="1200" kern="1200" dirty="0" smtClean="0">
+                <a:solidFill>
+                  <a:schemeClr val="tx1"/>
+                </a:solidFill>
+                <a:effectLst/>
+                <a:latin typeface="+mn-lt"/>
+                <a:ea typeface="+mn-ea"/>
+                <a:cs typeface="+mn-cs"/>
+              </a:rPr>
+              <a:t>가 보낸 </a:t>
+            </a:r>
+            <a:r>
+              <a:rPr lang="ko-KR" altLang="en-US" sz="1200" kern="1200" dirty="0" err="1" smtClean="0">
+                <a:solidFill>
+                  <a:schemeClr val="tx1"/>
+                </a:solidFill>
+                <a:effectLst/>
+                <a:latin typeface="+mn-lt"/>
+                <a:ea typeface="+mn-ea"/>
+                <a:cs typeface="+mn-cs"/>
+              </a:rPr>
+              <a:t>파일크기를</a:t>
+            </a:r>
+            <a:r>
+              <a:rPr lang="ko-KR" altLang="en-US" sz="1200" kern="1200" dirty="0" smtClean="0">
+                <a:solidFill>
+                  <a:schemeClr val="tx1"/>
+                </a:solidFill>
+                <a:effectLst/>
+                <a:latin typeface="+mn-lt"/>
+                <a:ea typeface="+mn-ea"/>
+                <a:cs typeface="+mn-cs"/>
+              </a:rPr>
+              <a:t> 받고 </a:t>
+            </a:r>
+            <a:r>
+              <a:rPr lang="en-US" altLang="ko-KR" sz="1200" kern="1200" dirty="0" err="1" smtClean="0">
+                <a:solidFill>
+                  <a:schemeClr val="tx1"/>
+                </a:solidFill>
+                <a:effectLst/>
+                <a:latin typeface="+mn-lt"/>
+                <a:ea typeface="+mn-ea"/>
+                <a:cs typeface="+mn-cs"/>
+              </a:rPr>
+              <a:t>int</a:t>
+            </a:r>
+            <a:r>
+              <a:rPr lang="en-US" altLang="ko-KR" sz="1200" kern="1200" dirty="0" smtClean="0">
+                <a:solidFill>
+                  <a:schemeClr val="tx1"/>
+                </a:solidFill>
+                <a:effectLst/>
+                <a:latin typeface="+mn-lt"/>
+                <a:ea typeface="+mn-ea"/>
+                <a:cs typeface="+mn-cs"/>
+              </a:rPr>
+              <a:t> size</a:t>
+            </a:r>
+            <a:r>
+              <a:rPr lang="ko-KR" altLang="en-US" sz="1200" kern="1200" dirty="0" smtClean="0">
+                <a:solidFill>
+                  <a:schemeClr val="tx1"/>
+                </a:solidFill>
+                <a:effectLst/>
+                <a:latin typeface="+mn-lt"/>
+                <a:ea typeface="+mn-ea"/>
+                <a:cs typeface="+mn-cs"/>
+              </a:rPr>
+              <a:t>에 저장시키고 </a:t>
+            </a:r>
+            <a:r>
+              <a:rPr lang="en-US" altLang="ko-KR" sz="1200" kern="1200" dirty="0" smtClean="0">
+                <a:solidFill>
+                  <a:schemeClr val="tx1"/>
+                </a:solidFill>
+                <a:effectLst/>
+                <a:latin typeface="+mn-lt"/>
+                <a:ea typeface="+mn-ea"/>
+                <a:cs typeface="+mn-cs"/>
+              </a:rPr>
+              <a:t>size</a:t>
+            </a:r>
+            <a:r>
+              <a:rPr lang="ko-KR" altLang="en-US" sz="1200" kern="1200" dirty="0" smtClean="0">
+                <a:solidFill>
+                  <a:schemeClr val="tx1"/>
+                </a:solidFill>
+                <a:effectLst/>
+                <a:latin typeface="+mn-lt"/>
+                <a:ea typeface="+mn-ea"/>
+                <a:cs typeface="+mn-cs"/>
+              </a:rPr>
+              <a:t>크기만큼 </a:t>
+            </a:r>
+            <a:r>
+              <a:rPr lang="en-US" altLang="ko-KR" sz="1200" kern="1200" dirty="0" smtClean="0">
+                <a:solidFill>
+                  <a:schemeClr val="tx1"/>
+                </a:solidFill>
+                <a:effectLst/>
+                <a:latin typeface="+mn-lt"/>
+                <a:ea typeface="+mn-ea"/>
+                <a:cs typeface="+mn-cs"/>
+              </a:rPr>
+              <a:t>char* </a:t>
+            </a:r>
+            <a:r>
+              <a:rPr lang="en-US" altLang="ko-KR" sz="1200" kern="1200" dirty="0" err="1" smtClean="0">
+                <a:solidFill>
+                  <a:schemeClr val="tx1"/>
+                </a:solidFill>
+                <a:effectLst/>
+                <a:latin typeface="+mn-lt"/>
+                <a:ea typeface="+mn-ea"/>
+                <a:cs typeface="+mn-cs"/>
+              </a:rPr>
+              <a:t>buf</a:t>
+            </a:r>
+            <a:r>
+              <a:rPr lang="ko-KR" altLang="en-US" sz="1200" kern="1200" dirty="0" smtClean="0">
+                <a:solidFill>
+                  <a:schemeClr val="tx1"/>
+                </a:solidFill>
+                <a:effectLst/>
+                <a:latin typeface="+mn-lt"/>
+                <a:ea typeface="+mn-ea"/>
+                <a:cs typeface="+mn-cs"/>
+              </a:rPr>
+              <a:t>를 동적 할당한다</a:t>
+            </a:r>
+            <a:r>
+              <a:rPr lang="en-US" altLang="ko-KR" sz="1200" kern="1200" dirty="0" smtClean="0">
+                <a:solidFill>
+                  <a:schemeClr val="tx1"/>
+                </a:solidFill>
+                <a:effectLst/>
+                <a:latin typeface="+mn-lt"/>
+                <a:ea typeface="+mn-ea"/>
+                <a:cs typeface="+mn-cs"/>
+              </a:rPr>
+              <a:t>.</a:t>
+            </a:r>
+            <a:endParaRPr lang="ko-KR" altLang="en-US" sz="1200" kern="1200" dirty="0" smtClean="0">
+              <a:solidFill>
+                <a:schemeClr val="tx1"/>
+              </a:solidFill>
+              <a:effectLst/>
+              <a:latin typeface="+mn-lt"/>
+              <a:ea typeface="+mn-ea"/>
+              <a:cs typeface="+mn-cs"/>
+            </a:endParaRPr>
+          </a:p>
+          <a:p>
+            <a:pPr fontAlgn="base" latinLnBrk="1"/>
+            <a:r>
+              <a:rPr lang="en-US" altLang="ko-KR" sz="1200" kern="1200" dirty="0" smtClean="0">
+                <a:solidFill>
+                  <a:schemeClr val="tx1"/>
+                </a:solidFill>
+                <a:effectLst/>
+                <a:latin typeface="+mn-lt"/>
+                <a:ea typeface="+mn-ea"/>
+                <a:cs typeface="+mn-cs"/>
+              </a:rPr>
+              <a:t>read()</a:t>
+            </a:r>
+            <a:r>
+              <a:rPr lang="ko-KR" altLang="en-US" sz="1200" kern="1200" dirty="0" smtClean="0">
+                <a:solidFill>
+                  <a:schemeClr val="tx1"/>
+                </a:solidFill>
+                <a:effectLst/>
+                <a:latin typeface="+mn-lt"/>
+                <a:ea typeface="+mn-ea"/>
+                <a:cs typeface="+mn-cs"/>
+              </a:rPr>
+              <a:t>함수로 </a:t>
+            </a:r>
+            <a:r>
+              <a:rPr lang="ko-KR" altLang="en-US" sz="1200" kern="1200" dirty="0" err="1" smtClean="0">
+                <a:solidFill>
+                  <a:schemeClr val="tx1"/>
+                </a:solidFill>
+                <a:effectLst/>
+                <a:latin typeface="+mn-lt"/>
+                <a:ea typeface="+mn-ea"/>
+                <a:cs typeface="+mn-cs"/>
+              </a:rPr>
+              <a:t>파일정보를</a:t>
+            </a:r>
+            <a:r>
+              <a:rPr lang="ko-KR" altLang="en-US" sz="1200" kern="1200" dirty="0" smtClean="0">
+                <a:solidFill>
+                  <a:schemeClr val="tx1"/>
+                </a:solidFill>
+                <a:effectLst/>
+                <a:latin typeface="+mn-lt"/>
+                <a:ea typeface="+mn-ea"/>
+                <a:cs typeface="+mn-cs"/>
+              </a:rPr>
+              <a:t> 받아 </a:t>
+            </a:r>
+            <a:r>
+              <a:rPr lang="en-US" altLang="ko-KR" sz="1200" kern="1200" dirty="0" err="1" smtClean="0">
+                <a:solidFill>
+                  <a:schemeClr val="tx1"/>
+                </a:solidFill>
+                <a:effectLst/>
+                <a:latin typeface="+mn-lt"/>
+                <a:ea typeface="+mn-ea"/>
+                <a:cs typeface="+mn-cs"/>
+              </a:rPr>
+              <a:t>buf</a:t>
+            </a:r>
+            <a:r>
+              <a:rPr lang="ko-KR" altLang="en-US" sz="1200" kern="1200" dirty="0" smtClean="0">
+                <a:solidFill>
+                  <a:schemeClr val="tx1"/>
+                </a:solidFill>
+                <a:effectLst/>
+                <a:latin typeface="+mn-lt"/>
+                <a:ea typeface="+mn-ea"/>
+                <a:cs typeface="+mn-cs"/>
+              </a:rPr>
+              <a:t>에 저장시킨다</a:t>
+            </a:r>
+            <a:r>
+              <a:rPr lang="en-US" altLang="ko-KR" sz="1200" kern="1200" dirty="0" smtClean="0">
+                <a:solidFill>
+                  <a:schemeClr val="tx1"/>
+                </a:solidFill>
+                <a:effectLst/>
+                <a:latin typeface="+mn-lt"/>
+                <a:ea typeface="+mn-ea"/>
+                <a:cs typeface="+mn-cs"/>
+              </a:rPr>
+              <a:t>.</a:t>
+            </a:r>
+            <a:endParaRPr lang="ko-KR" altLang="en-US" sz="1200" kern="1200" dirty="0" smtClean="0">
+              <a:solidFill>
+                <a:schemeClr val="tx1"/>
+              </a:solidFill>
+              <a:effectLst/>
+              <a:latin typeface="+mn-lt"/>
+              <a:ea typeface="+mn-ea"/>
+              <a:cs typeface="+mn-cs"/>
+            </a:endParaRPr>
+          </a:p>
+          <a:p>
+            <a:pPr fontAlgn="base" latinLnBrk="1"/>
+            <a:r>
+              <a:rPr lang="en-US" altLang="ko-KR" sz="1200" kern="1200" dirty="0" smtClean="0">
+                <a:solidFill>
+                  <a:schemeClr val="tx1"/>
+                </a:solidFill>
+                <a:effectLst/>
+                <a:latin typeface="+mn-lt"/>
+                <a:ea typeface="+mn-ea"/>
+                <a:cs typeface="+mn-cs"/>
+              </a:rPr>
+              <a:t>user</a:t>
+            </a:r>
+            <a:r>
+              <a:rPr lang="ko-KR" altLang="en-US" sz="1200" kern="1200" dirty="0" smtClean="0">
+                <a:solidFill>
+                  <a:schemeClr val="tx1"/>
+                </a:solidFill>
+                <a:effectLst/>
+                <a:latin typeface="+mn-lt"/>
+                <a:ea typeface="+mn-ea"/>
+                <a:cs typeface="+mn-cs"/>
+              </a:rPr>
+              <a:t>중에 </a:t>
+            </a:r>
+            <a:r>
+              <a:rPr lang="en-US" altLang="ko-KR" sz="1200" kern="1200" dirty="0" smtClean="0">
+                <a:solidFill>
+                  <a:schemeClr val="tx1"/>
+                </a:solidFill>
+                <a:effectLst/>
+                <a:latin typeface="+mn-lt"/>
+                <a:ea typeface="+mn-ea"/>
+                <a:cs typeface="+mn-cs"/>
+              </a:rPr>
+              <a:t>admin</a:t>
+            </a:r>
+            <a:r>
+              <a:rPr lang="ko-KR" altLang="en-US" sz="1200" kern="1200" dirty="0" smtClean="0">
+                <a:solidFill>
+                  <a:schemeClr val="tx1"/>
+                </a:solidFill>
+                <a:effectLst/>
+                <a:latin typeface="+mn-lt"/>
+                <a:ea typeface="+mn-ea"/>
+                <a:cs typeface="+mn-cs"/>
+              </a:rPr>
+              <a:t>권한을 가진 계정을 찾아서 파일을 전송한다</a:t>
+            </a:r>
+            <a:r>
+              <a:rPr lang="en-US" altLang="ko-KR" sz="1200" kern="1200" dirty="0" smtClean="0">
+                <a:solidFill>
+                  <a:schemeClr val="tx1"/>
+                </a:solidFill>
+                <a:effectLst/>
+                <a:latin typeface="+mn-lt"/>
+                <a:ea typeface="+mn-ea"/>
+                <a:cs typeface="+mn-cs"/>
+              </a:rPr>
+              <a:t>. </a:t>
+            </a:r>
+            <a:r>
+              <a:rPr lang="ko-KR" altLang="en-US" sz="1200" kern="1200" dirty="0" smtClean="0">
+                <a:solidFill>
+                  <a:schemeClr val="tx1"/>
+                </a:solidFill>
+                <a:effectLst/>
+                <a:latin typeface="+mn-lt"/>
+                <a:ea typeface="+mn-ea"/>
+                <a:cs typeface="+mn-cs"/>
+              </a:rPr>
+              <a:t>보낼 때 충돌을 방지하기 위해 </a:t>
+            </a:r>
+            <a:r>
+              <a:rPr lang="en-US" altLang="ko-KR" sz="1200" kern="1200" dirty="0" smtClean="0">
+                <a:solidFill>
+                  <a:schemeClr val="tx1"/>
+                </a:solidFill>
+                <a:effectLst/>
+                <a:latin typeface="+mn-lt"/>
+                <a:ea typeface="+mn-ea"/>
+                <a:cs typeface="+mn-cs"/>
+              </a:rPr>
+              <a:t>sleep()</a:t>
+            </a:r>
+            <a:r>
+              <a:rPr lang="ko-KR" altLang="en-US" sz="1200" kern="1200" dirty="0" smtClean="0">
+                <a:solidFill>
+                  <a:schemeClr val="tx1"/>
+                </a:solidFill>
+                <a:effectLst/>
+                <a:latin typeface="+mn-lt"/>
+                <a:ea typeface="+mn-ea"/>
+                <a:cs typeface="+mn-cs"/>
+              </a:rPr>
+              <a:t>함수를 사용하였다</a:t>
+            </a:r>
+            <a:r>
+              <a:rPr lang="en-US" altLang="ko-KR" sz="1200" kern="1200" dirty="0" smtClean="0">
+                <a:solidFill>
+                  <a:schemeClr val="tx1"/>
+                </a:solidFill>
+                <a:effectLst/>
+                <a:latin typeface="+mn-lt"/>
+                <a:ea typeface="+mn-ea"/>
+                <a:cs typeface="+mn-cs"/>
+              </a:rPr>
+              <a:t>.</a:t>
+            </a:r>
+            <a:endParaRPr lang="ko-KR" altLang="en-US" sz="1200" kern="1200" dirty="0" smtClean="0">
+              <a:solidFill>
+                <a:schemeClr val="tx1"/>
+              </a:solidFill>
+              <a:effectLst/>
+              <a:latin typeface="+mn-lt"/>
+              <a:ea typeface="+mn-ea"/>
+              <a:cs typeface="+mn-cs"/>
+            </a:endParaRPr>
+          </a:p>
+          <a:p>
+            <a:pPr fontAlgn="base" latinLnBrk="1"/>
+            <a:r>
+              <a:rPr lang="ko-KR" altLang="en-US" sz="1200" kern="1200" dirty="0" err="1" smtClean="0">
+                <a:solidFill>
+                  <a:schemeClr val="tx1"/>
+                </a:solidFill>
+                <a:effectLst/>
+                <a:latin typeface="+mn-lt"/>
+                <a:ea typeface="+mn-ea"/>
+                <a:cs typeface="+mn-cs"/>
+              </a:rPr>
+              <a:t>파일전송이</a:t>
+            </a:r>
+            <a:r>
+              <a:rPr lang="ko-KR" altLang="en-US" sz="1200" kern="1200" dirty="0" smtClean="0">
+                <a:solidFill>
+                  <a:schemeClr val="tx1"/>
+                </a:solidFill>
+                <a:effectLst/>
+                <a:latin typeface="+mn-lt"/>
+                <a:ea typeface="+mn-ea"/>
+                <a:cs typeface="+mn-cs"/>
+              </a:rPr>
+              <a:t> 끝나면 </a:t>
+            </a:r>
+            <a:r>
+              <a:rPr lang="en-US" altLang="ko-KR" sz="1200" kern="1200" dirty="0" err="1" smtClean="0">
+                <a:solidFill>
+                  <a:schemeClr val="tx1"/>
+                </a:solidFill>
+                <a:effectLst/>
+                <a:latin typeface="+mn-lt"/>
+                <a:ea typeface="+mn-ea"/>
+                <a:cs typeface="+mn-cs"/>
+              </a:rPr>
+              <a:t>buf</a:t>
+            </a:r>
+            <a:r>
+              <a:rPr lang="ko-KR" altLang="en-US" sz="1200" kern="1200" dirty="0" smtClean="0">
+                <a:solidFill>
+                  <a:schemeClr val="tx1"/>
+                </a:solidFill>
+                <a:effectLst/>
+                <a:latin typeface="+mn-lt"/>
+                <a:ea typeface="+mn-ea"/>
+                <a:cs typeface="+mn-cs"/>
+              </a:rPr>
+              <a:t>를 초기화하고 메모리를 해체한다</a:t>
+            </a:r>
+            <a:r>
+              <a:rPr lang="en-US" altLang="ko-KR" sz="1200" kern="1200" dirty="0" smtClean="0">
+                <a:solidFill>
+                  <a:schemeClr val="tx1"/>
+                </a:solidFill>
+                <a:effectLst/>
+                <a:latin typeface="+mn-lt"/>
+                <a:ea typeface="+mn-ea"/>
+                <a:cs typeface="+mn-cs"/>
+              </a:rPr>
+              <a:t>.</a:t>
+            </a:r>
+            <a:endParaRPr lang="ko-KR" altLang="en-US" sz="1200" kern="1200" dirty="0" smtClean="0">
+              <a:solidFill>
+                <a:schemeClr val="tx1"/>
+              </a:solidFill>
+              <a:effectLst/>
+              <a:latin typeface="+mn-lt"/>
+              <a:ea typeface="+mn-ea"/>
+              <a:cs typeface="+mn-cs"/>
+            </a:endParaRPr>
+          </a:p>
+          <a:p>
+            <a:pPr fontAlgn="base" latinLnBrk="1"/>
+            <a:endParaRPr lang="en-US" altLang="ko-KR" sz="1200" i="1" kern="1200" dirty="0" smtClean="0">
+              <a:solidFill>
+                <a:schemeClr val="tx1"/>
+              </a:solidFill>
+              <a:effectLst/>
+              <a:latin typeface="+mn-lt"/>
+              <a:ea typeface="+mn-ea"/>
+              <a:cs typeface="+mn-cs"/>
+            </a:endParaRPr>
+          </a:p>
+          <a:p>
+            <a:pPr fontAlgn="base" latinLnBrk="1"/>
+            <a:endParaRPr lang="en-US" altLang="ko-KR" sz="1200" i="1" kern="1200" dirty="0" smtClean="0">
+              <a:solidFill>
+                <a:schemeClr val="tx1"/>
+              </a:solidFill>
+              <a:effectLst/>
+              <a:latin typeface="+mn-lt"/>
+              <a:ea typeface="+mn-ea"/>
+              <a:cs typeface="+mn-cs"/>
+            </a:endParaRPr>
+          </a:p>
+          <a:p>
+            <a:pPr fontAlgn="base" latinLnBrk="1"/>
+            <a:r>
               <a:rPr lang="ko-KR" altLang="en-US" sz="1200" i="1" kern="1200" dirty="0" smtClean="0">
                 <a:solidFill>
                   <a:schemeClr val="tx1"/>
@@ -1861,7 +4037,19 @@
                 <a:ea typeface="+mn-ea"/>
                 <a:cs typeface="+mn-cs"/>
               </a:rPr>
-              <a:t>통신을 할 때 따로 보내져야 하는 데이터들이 겹쳐서 전송 되거나 버퍼가 내용이 손상되는 현상이 발생하였다</a:t>
+              <a:t>통신을 </a:t>
+            </a:r>
+            <a:r>
+              <a:rPr lang="ko-KR" altLang="en-US" sz="1200" i="1" kern="1200" dirty="0" smtClean="0">
+                <a:solidFill>
+                  <a:schemeClr val="tx1"/>
+                </a:solidFill>
+                <a:effectLst/>
+                <a:latin typeface="+mn-lt"/>
+                <a:ea typeface="+mn-ea"/>
+                <a:cs typeface="+mn-cs"/>
+              </a:rPr>
+              <a:t>할 때 따로 보내져야 하는 데이터들이 겹쳐서 전송 되거나 버퍼가 내용이 손상되는 현상이 발생하였다</a:t>
             </a:r>
             <a:r>
               <a:rPr lang="en-US" altLang="ko-KR" sz="1200" i="1" kern="1200" dirty="0" smtClean="0">
@@ -2201,7 +4389,7 @@
           <a:p>
             <a:fld id="{FB4F50AB-2C49-403F-B441-A13C806D55BE}" type="datetimeFigureOut">
               <a:rPr lang="ko-KR" altLang="en-US" smtClean="0"/>
-              <a:t>2019-11-28</a:t>
+              <a:t>2019-12-12</a:t>
             </a:fld>
             <a:endParaRPr lang="ko-KR" altLang="en-US"/>
           </a:p>
@@ -2369,7 +4557,7 @@
           <a:p>
             <a:fld id="{FB4F50AB-2C49-403F-B441-A13C806D55BE}" type="datetimeFigureOut">
               <a:rPr lang="ko-KR" altLang="en-US" smtClean="0"/>
-              <a:t>2019-11-28</a:t>
+              <a:t>2019-12-12</a:t>
             </a:fld>
             <a:endParaRPr lang="ko-KR" altLang="en-US"/>
           </a:p>
@@ -2547,7 +4735,7 @@
           <a:p>
             <a:fld id="{FB4F50AB-2C49-403F-B441-A13C806D55BE}" type="datetimeFigureOut">
               <a:rPr lang="ko-KR" altLang="en-US" smtClean="0"/>
-              <a:t>2019-11-28</a:t>
+              <a:t>2019-12-12</a:t>
             </a:fld>
             <a:endParaRPr lang="ko-KR" altLang="en-US"/>
           </a:p>
@@ -2794,7 +4982,7 @@
                 </a:solidFill>
               </a:rPr>
               <a:pPr/>
-              <a:t>2019-11-28</a:t>
+              <a:t>2019-12-12</a:t>
             </a:fld>
             <a:endParaRPr lang="ko-KR" altLang="en-US">
               <a:solidFill>
@@ -2994,7 +5182,7 @@
                 </a:solidFill>
               </a:rPr>
               <a:pPr/>
-              <a:t>2019-11-28</a:t>
+              <a:t>2019-12-12</a:t>
             </a:fld>
             <a:endParaRPr lang="ko-KR" altLang="en-US">
               <a:solidFill>
@@ -3271,7 +5459,7 @@
                 </a:solidFill>
               </a:rPr>
               <a:pPr/>
-              <a:t>2019-11-28</a:t>
+              <a:t>2019-12-12</a:t>
             </a:fld>
             <a:endParaRPr lang="ko-KR" altLang="en-US">
               <a:solidFill>
@@ -3588,7 +5776,7 @@
                 </a:solidFill>
               </a:rPr>
               <a:pPr/>
-              <a:t>2019-11-28</a:t>
+              <a:t>2019-12-12</a:t>
             </a:fld>
             <a:endParaRPr lang="ko-KR" altLang="en-US">
               <a:solidFill>
@@ -4039,7 +6227,7 @@
                 </a:solidFill>
               </a:rPr>
               <a:pPr/>
-              <a:t>2019-11-28</a:t>
+              <a:t>2019-12-12</a:t>
             </a:fld>
             <a:endParaRPr lang="ko-KR" altLang="en-US">
               <a:solidFill>
@@ -4188,7 +6376,7 @@
                 </a:solidFill>
               </a:rPr>
               <a:pPr/>
-              <a:t>2019-11-28</a:t>
+              <a:t>2019-12-12</a:t>
             </a:fld>
             <a:endParaRPr lang="ko-KR" altLang="en-US">
               <a:solidFill>
@@ -4315,7 +6503,7 @@
                 </a:solidFill>
               </a:rPr>
               <a:pPr/>
-              <a:t>2019-11-28</a:t>
+              <a:t>2019-12-12</a:t>
             </a:fld>
             <a:endParaRPr lang="ko-KR" altLang="en-US">
               <a:solidFill>
@@ -4622,7 +6810,7 @@
                 </a:solidFill>
               </a:rPr>
               <a:pPr/>
-              <a:t>2019-11-28</a:t>
+              <a:t>2019-12-12</a:t>
             </a:fld>
             <a:endParaRPr lang="ko-KR" altLang="en-US">
               <a:solidFill>
@@ -4815,7 +7003,7 @@
           <a:p>
             <a:fld id="{FB4F50AB-2C49-403F-B441-A13C806D55BE}" type="datetimeFigureOut">
               <a:rPr lang="ko-KR" altLang="en-US" smtClean="0"/>
-              <a:t>2019-11-28</a:t>
+              <a:t>2019-12-12</a:t>
             </a:fld>
             <a:endParaRPr lang="ko-KR" altLang="en-US"/>
           </a:p>
@@ -5077,7 +7265,7 @@
                 </a:solidFill>
               </a:rPr>
               <a:pPr/>
-              <a:t>2019-11-28</a:t>
+              <a:t>2019-12-12</a:t>
             </a:fld>
             <a:endParaRPr lang="ko-KR" altLang="en-US">
               <a:solidFill>
@@ -5277,7 +7465,7 @@
                 </a:solidFill>
               </a:rPr>
               <a:pPr/>
-              <a:t>2019-11-28</a:t>
+              <a:t>2019-12-12</a:t>
             </a:fld>
             <a:endParaRPr lang="ko-KR" altLang="en-US">
               <a:solidFill>
@@ -5487,7 +7675,7 @@
                 </a:solidFill>
               </a:rPr>
               <a:pPr/>
-              <a:t>2019-11-28</a:t>
+              <a:t>2019-12-12</a:t>
             </a:fld>
             <a:endParaRPr lang="ko-KR" altLang="en-US">
               <a:solidFill>
@@ -5759,7 +7947,7 @@
                 </a:solidFill>
               </a:rPr>
               <a:pPr/>
-              <a:t>2019-11-28</a:t>
+              <a:t>2019-12-12</a:t>
             </a:fld>
             <a:endParaRPr lang="ko-KR" altLang="en-US">
               <a:solidFill>
@@ -5959,7 +8147,7 @@
                 </a:solidFill>
               </a:rPr>
               <a:pPr/>
-              <a:t>2019-11-28</a:t>
+              <a:t>2019-12-12</a:t>
             </a:fld>
             <a:endParaRPr lang="ko-KR" altLang="en-US">
               <a:solidFill>
@@ -6236,7 +8424,7 @@
                 </a:solidFill>
               </a:rPr>
               <a:pPr/>
-              <a:t>2019-11-28</a:t>
+              <a:t>2019-12-12</a:t>
             </a:fld>
             <a:endParaRPr lang="ko-KR" altLang="en-US">
               <a:solidFill>
@@ -6553,7 +8741,7 @@
                 </a:solidFill>
               </a:rPr>
               <a:pPr/>
-              <a:t>2019-11-28</a:t>
+              <a:t>2019-12-12</a:t>
             </a:fld>
             <a:endParaRPr lang="ko-KR" altLang="en-US">
               <a:solidFill>
@@ -7004,7 +9192,7 @@
                 </a:solidFill>
               </a:rPr>
               <a:pPr/>
-              <a:t>2019-11-28</a:t>
+              <a:t>2019-12-12</a:t>
             </a:fld>
             <a:endParaRPr lang="ko-KR" altLang="en-US">
               <a:solidFill>
@@ -7153,7 +9341,7 @@
                 </a:solidFill>
               </a:rPr>
               <a:pPr/>
-              <a:t>2019-11-28</a:t>
+              <a:t>2019-12-12</a:t>
             </a:fld>
             <a:endParaRPr lang="ko-KR" altLang="en-US">
               <a:solidFill>
@@ -7280,7 +9468,7 @@
                 </a:solidFill>
               </a:rPr>
               <a:pPr/>
-              <a:t>2019-11-28</a:t>
+              <a:t>2019-12-12</a:t>
             </a:fld>
             <a:endParaRPr lang="ko-KR" altLang="en-US">
               <a:solidFill>
@@ -7550,7 +9738,7 @@
           <a:p>
             <a:fld id="{FB4F50AB-2C49-403F-B441-A13C806D55BE}" type="datetimeFigureOut">
               <a:rPr lang="ko-KR" altLang="en-US" smtClean="0"/>
-              <a:t>2019-11-28</a:t>
+              <a:t>2019-12-12</a:t>
             </a:fld>
             <a:endParaRPr lang="ko-KR" altLang="en-US"/>
           </a:p>
@@ -7832,7 +10020,7 @@
                 </a:solidFill>
               </a:rPr>
               <a:pPr/>
-              <a:t>2019-11-28</a:t>
+              <a:t>2019-12-12</a:t>
             </a:fld>
             <a:endParaRPr lang="ko-KR" altLang="en-US">
               <a:solidFill>
@@ -8119,7 +10307,7 @@
                 </a:solidFill>
               </a:rPr>
               <a:pPr/>
-              <a:t>2019-11-28</a:t>
+              <a:t>2019-12-12</a:t>
             </a:fld>
             <a:endParaRPr lang="ko-KR" altLang="en-US">
               <a:solidFill>
@@ -8319,7 +10507,7 @@
                 </a:solidFill>
               </a:rPr>
               <a:pPr/>
-              <a:t>2019-11-28</a:t>
+              <a:t>2019-12-12</a:t>
             </a:fld>
             <a:endParaRPr lang="ko-KR" altLang="en-US">
               <a:solidFill>
@@ -8529,7 +10717,7 @@
                 </a:solidFill>
               </a:rPr>
               <a:pPr/>
-              <a:t>2019-11-28</a:t>
+              <a:t>2019-12-12</a:t>
             </a:fld>
             <a:endParaRPr lang="ko-KR" altLang="en-US">
               <a:solidFill>
@@ -8801,7 +10989,7 @@
                 </a:solidFill>
               </a:rPr>
               <a:pPr/>
-              <a:t>2019-11-28</a:t>
+              <a:t>2019-12-12</a:t>
             </a:fld>
             <a:endParaRPr lang="ko-KR" altLang="en-US">
               <a:solidFill>
@@ -9001,7 +11189,7 @@
                 </a:solidFill>
               </a:rPr>
               <a:pPr/>
-              <a:t>2019-11-28</a:t>
+              <a:t>2019-12-12</a:t>
             </a:fld>
             <a:endParaRPr lang="ko-KR" altLang="en-US">
               <a:solidFill>
@@ -9278,7 +11466,7 @@
                 </a:solidFill>
               </a:rPr>
               <a:pPr/>
-              <a:t>2019-11-28</a:t>
+              <a:t>2019-12-12</a:t>
             </a:fld>
             <a:endParaRPr lang="ko-KR" altLang="en-US">
               <a:solidFill>
@@ -9595,7 +11783,7 @@
                 </a:solidFill>
               </a:rPr>
               <a:pPr/>
-              <a:t>2019-11-28</a:t>
+              <a:t>2019-12-12</a:t>
             </a:fld>
             <a:endParaRPr lang="ko-KR" altLang="en-US">
               <a:solidFill>
@@ -10046,7 +12234,7 @@
                 </a:solidFill>
               </a:rPr>
               <a:pPr/>
-              <a:t>2019-11-28</a:t>
+              <a:t>2019-12-12</a:t>
             </a:fld>
             <a:endParaRPr lang="ko-KR" altLang="en-US">
               <a:solidFill>
@@ -10195,7 +12383,7 @@
                 </a:solidFill>
               </a:rPr>
               <a:pPr/>
-              <a:t>2019-11-28</a:t>
+              <a:t>2019-12-12</a:t>
             </a:fld>
             <a:endParaRPr lang="ko-KR" altLang="en-US">
               <a:solidFill>
@@ -10505,7 +12693,7 @@
           <a:p>
             <a:fld id="{FB4F50AB-2C49-403F-B441-A13C806D55BE}" type="datetimeFigureOut">
               <a:rPr lang="ko-KR" altLang="en-US" smtClean="0"/>
-              <a:t>2019-11-28</a:t>
+              <a:t>2019-12-12</a:t>
             </a:fld>
             <a:endParaRPr lang="ko-KR" altLang="en-US"/>
           </a:p>
@@ -10607,7 +12795,7 @@
                 </a:solidFill>
               </a:rPr>
               <a:pPr/>
-              <a:t>2019-11-28</a:t>
+              <a:t>2019-12-12</a:t>
             </a:fld>
             <a:endParaRPr lang="ko-KR" altLang="en-US">
               <a:solidFill>
@@ -10914,7 +13102,7 @@
                 </a:solidFill>
               </a:rPr>
               <a:pPr/>
-              <a:t>2019-11-28</a:t>
+              <a:t>2019-12-12</a:t>
             </a:fld>
             <a:endParaRPr lang="ko-KR" altLang="en-US">
               <a:solidFill>
@@ -11201,7 +13389,7 @@
                 </a:solidFill>
               </a:rPr>
               <a:pPr/>
-              <a:t>2019-11-28</a:t>
+              <a:t>2019-12-12</a:t>
             </a:fld>
             <a:endParaRPr lang="ko-KR" altLang="en-US">
               <a:solidFill>
@@ -11401,7 +13589,7 @@
                 </a:solidFill>
               </a:rPr>
               <a:pPr/>
-              <a:t>2019-11-28</a:t>
+              <a:t>2019-12-12</a:t>
             </a:fld>
             <a:endParaRPr lang="ko-KR" altLang="en-US">
               <a:solidFill>
@@ -11611,7 +13799,7 @@
                 </a:solidFill>
               </a:rPr>
               <a:pPr/>
-              <a:t>2019-11-28</a:t>
+              <a:t>2019-12-12</a:t>
             </a:fld>
             <a:endParaRPr lang="ko-KR" altLang="en-US">
               <a:solidFill>
@@ -11883,7 +14071,7 @@
                 </a:solidFill>
               </a:rPr>
               <a:pPr/>
-              <a:t>2019-11-28</a:t>
+              <a:t>2019-12-12</a:t>
             </a:fld>
             <a:endParaRPr lang="ko-KR" altLang="en-US">
               <a:solidFill>
@@ -12083,7 +14271,7 @@
                 </a:solidFill>
               </a:rPr>
               <a:pPr/>
-              <a:t>2019-11-28</a:t>
+              <a:t>2019-12-12</a:t>
             </a:fld>
             <a:endParaRPr lang="ko-KR" altLang="en-US">
               <a:solidFill>
@@ -12360,7 +14548,7 @@
                 </a:solidFill>
               </a:rPr>
               <a:pPr/>
-              <a:t>2019-11-28</a:t>
+              <a:t>2019-12-12</a:t>
             </a:fld>
             <a:endParaRPr lang="ko-KR" altLang="en-US">
               <a:solidFill>
@@ -12677,7 +14865,7 @@
                 </a:solidFill>
               </a:rPr>
               <a:pPr/>
-              <a:t>2019-11-28</a:t>
+              <a:t>2019-12-12</a:t>
             </a:fld>
             <a:endParaRPr lang="ko-KR" altLang="en-US">
               <a:solidFill>
@@ -13128,7 +15316,7 @@
                 </a:solidFill>
               </a:rPr>
               <a:pPr/>
-              <a:t>2019-11-28</a:t>
+              <a:t>2019-12-12</a:t>
             </a:fld>
             <a:endParaRPr lang="ko-KR" altLang="en-US">
               <a:solidFill>
@@ -13572,7 +15760,7 @@
           <a:p>
             <a:fld id="{FB4F50AB-2C49-403F-B441-A13C806D55BE}" type="datetimeFigureOut">
               <a:rPr lang="ko-KR" altLang="en-US" smtClean="0"/>
-              <a:t>2019-11-28</a:t>
+              <a:t>2019-12-12</a:t>
             </a:fld>
             <a:endParaRPr lang="ko-KR" altLang="en-US"/>
           </a:p>
@@ -13696,7 +15884,7 @@
                 </a:solidFill>
               </a:rPr>
               <a:pPr/>
-              <a:t>2019-11-28</a:t>
+              <a:t>2019-12-12</a:t>
             </a:fld>
             <a:endParaRPr lang="ko-KR" altLang="en-US">
               <a:solidFill>
@@ -13823,7 +16011,7 @@
                 </a:solidFill>
               </a:rPr>
               <a:pPr/>
-              <a:t>2019-11-28</a:t>
+              <a:t>2019-12-12</a:t>
             </a:fld>
             <a:endParaRPr lang="ko-KR" altLang="en-US">
               <a:solidFill>
@@ -14130,7 +16318,7 @@
                 </a:solidFill>
               </a:rPr>
               <a:pPr/>
-              <a:t>2019-11-28</a:t>
+              <a:t>2019-12-12</a:t>
             </a:fld>
             <a:endParaRPr lang="ko-KR" altLang="en-US">
               <a:solidFill>
@@ -14417,7 +16605,7 @@
                 </a:solidFill>
               </a:rPr>
               <a:pPr/>
-              <a:t>2019-11-28</a:t>
+              <a:t>2019-12-12</a:t>
             </a:fld>
             <a:endParaRPr lang="ko-KR" altLang="en-US">
               <a:solidFill>
@@ -14617,7 +16805,7 @@
                 </a:solidFill>
               </a:rPr>
               <a:pPr/>
-              <a:t>2019-11-28</a:t>
+              <a:t>2019-12-12</a:t>
             </a:fld>
             <a:endParaRPr lang="ko-KR" altLang="en-US">
               <a:solidFill>
@@ -14827,7 +17015,7 @@
                 </a:solidFill>
               </a:rPr>
               <a:pPr/>
-              <a:t>2019-11-28</a:t>
+              <a:t>2019-12-12</a:t>
             </a:fld>
             <a:endParaRPr lang="ko-KR" altLang="en-US">
               <a:solidFill>
@@ -15099,7 +17287,7 @@
                 </a:solidFill>
               </a:rPr>
               <a:pPr/>
-              <a:t>2019-11-28</a:t>
+              <a:t>2019-12-12</a:t>
             </a:fld>
             <a:endParaRPr lang="ko-KR" altLang="en-US">
               <a:solidFill>
@@ -15299,7 +17487,7 @@
                 </a:solidFill>
               </a:rPr>
               <a:pPr/>
-              <a:t>2019-11-28</a:t>
+              <a:t>2019-12-12</a:t>
             </a:fld>
             <a:endParaRPr lang="ko-KR" altLang="en-US">
               <a:solidFill>
@@ -15576,7 +17764,7 @@
                 </a:solidFill>
               </a:rPr>
               <a:pPr/>
-              <a:t>2019-11-28</a:t>
+              <a:t>2019-12-12</a:t>
             </a:fld>
             <a:endParaRPr lang="ko-KR" altLang="en-US">
               <a:solidFill>
@@ -15893,7 +18081,7 @@
                 </a:solidFill>
               </a:rPr>
               <a:pPr/>
-              <a:t>2019-11-28</a:t>
+              <a:t>2019-12-12</a:t>
             </a:fld>
             <a:endParaRPr lang="ko-KR" altLang="en-US">
               <a:solidFill>
@@ -16035,7 +18223,7 @@
           <a:p>
             <a:fld id="{FB4F50AB-2C49-403F-B441-A13C806D55BE}" type="datetimeFigureOut">
               <a:rPr lang="ko-KR" altLang="en-US" smtClean="0"/>
-              <a:t>2019-11-28</a:t>
+              <a:t>2019-12-12</a:t>
             </a:fld>
             <a:endParaRPr lang="ko-KR" altLang="en-US"/>
           </a:p>
@@ -16461,7 +18649,7 @@
                 </a:solidFill>
               </a:rPr>
               <a:pPr/>
-              <a:t>2019-11-28</a:t>
+              <a:t>2019-12-12</a:t>
             </a:fld>
             <a:endParaRPr lang="ko-KR" altLang="en-US">
               <a:solidFill>
@@ -16610,7 +18798,7 @@
                 </a:solidFill>
               </a:rPr>
               <a:pPr/>
-              <a:t>2019-11-28</a:t>
+              <a:t>2019-12-12</a:t>
             </a:fld>
             <a:endParaRPr lang="ko-KR" altLang="en-US">
               <a:solidFill>
@@ -16737,7 +18925,7 @@
                 </a:solidFill>
               </a:rPr>
               <a:pPr/>
-              <a:t>2019-11-28</a:t>
+              <a:t>2019-12-12</a:t>
             </a:fld>
             <a:endParaRPr lang="ko-KR" altLang="en-US">
               <a:solidFill>
@@ -17044,7 +19232,7 @@
                 </a:solidFill>
               </a:rPr>
               <a:pPr/>
-              <a:t>2019-11-28</a:t>
+              <a:t>2019-12-12</a:t>
             </a:fld>
             <a:endParaRPr lang="ko-KR" altLang="en-US">
               <a:solidFill>
@@ -17331,7 +19519,7 @@
                 </a:solidFill>
               </a:rPr>
               <a:pPr/>
-              <a:t>2019-11-28</a:t>
+              <a:t>2019-12-12</a:t>
             </a:fld>
             <a:endParaRPr lang="ko-KR" altLang="en-US">
               <a:solidFill>
@@ -17531,7 +19719,7 @@
                 </a:solidFill>
               </a:rPr>
               <a:pPr/>
-              <a:t>2019-11-28</a:t>
+              <a:t>2019-12-12</a:t>
             </a:fld>
             <a:endParaRPr lang="ko-KR" altLang="en-US">
               <a:solidFill>
@@ -17741,7 +19929,7 @@
                 </a:solidFill>
               </a:rPr>
               <a:pPr/>
-              <a:t>2019-11-28</a:t>
+              <a:t>2019-12-12</a:t>
             </a:fld>
             <a:endParaRPr lang="ko-KR" altLang="en-US">
               <a:solidFill>
@@ -17861,7 +20049,7 @@
           <a:p>
             <a:fld id="{FB4F50AB-2C49-403F-B441-A13C806D55BE}" type="datetimeFigureOut">
               <a:rPr lang="ko-KR" altLang="en-US" smtClean="0"/>
-              <a:t>2019-11-28</a:t>
+              <a:t>2019-12-12</a:t>
             </a:fld>
             <a:endParaRPr lang="ko-KR" altLang="en-US"/>
           </a:p>
@@ -18136,7 +20324,7 @@
           <a:p>
             <a:fld id="{FB4F50AB-2C49-403F-B441-A13C806D55BE}" type="datetimeFigureOut">
               <a:rPr lang="ko-KR" altLang="en-US" smtClean="0"/>
-              <a:t>2019-11-28</a:t>
+              <a:t>2019-12-12</a:t>
             </a:fld>
             <a:endParaRPr lang="ko-KR" altLang="en-US"/>
           </a:p>
@@ -18391,7 +20579,7 @@
           <a:p>
             <a:fld id="{FB4F50AB-2C49-403F-B441-A13C806D55BE}" type="datetimeFigureOut">
               <a:rPr lang="ko-KR" altLang="en-US" smtClean="0"/>
-              <a:t>2019-11-28</a:t>
+              <a:t>2019-12-12</a:t>
             </a:fld>
             <a:endParaRPr lang="ko-KR" altLang="en-US"/>
           </a:p>
@@ -18611,7 +20799,7 @@
           <a:p>
             <a:fld id="{FB4F50AB-2C49-403F-B441-A13C806D55BE}" type="datetimeFigureOut">
               <a:rPr lang="ko-KR" altLang="en-US" smtClean="0"/>
-              <a:t>2019-11-28</a:t>
+              <a:t>2019-12-12</a:t>
             </a:fld>
             <a:endParaRPr lang="ko-KR" altLang="en-US"/>
           </a:p>
@@ -19135,7 +21323,7 @@
                 </a:solidFill>
               </a:rPr>
               <a:pPr/>
-              <a:t>2019-11-28</a:t>
+              <a:t>2019-12-12</a:t>
             </a:fld>
             <a:endParaRPr lang="ko-KR" altLang="en-US">
               <a:solidFill>
@@ -19678,7 +21866,7 @@
                 </a:solidFill>
               </a:rPr>
               <a:pPr/>
-              <a:t>2019-11-28</a:t>
+              <a:t>2019-12-12</a:t>
             </a:fld>
             <a:endParaRPr lang="ko-KR" altLang="en-US">
               <a:solidFill>
@@ -20221,7 +22409,7 @@
                 </a:solidFill>
               </a:rPr>
               <a:pPr/>
-              <a:t>2019-11-28</a:t>
+              <a:t>2019-12-12</a:t>
             </a:fld>
             <a:endParaRPr lang="ko-KR" altLang="en-US">
               <a:solidFill>
@@ -20770,7 +22958,7 @@
                 </a:solidFill>
               </a:rPr>
               <a:pPr/>
-              <a:t>2019-11-28</a:t>
+              <a:t>2019-12-12</a:t>
             </a:fld>
             <a:endParaRPr lang="ko-KR" altLang="en-US">
               <a:solidFill>
@@ -21313,7 +23501,7 @@
                 </a:solidFill>
               </a:rPr>
               <a:pPr/>
-              <a:t>2019-11-28</a:t>
+              <a:t>2019-12-12</a:t>
             </a:fld>
             <a:endParaRPr lang="ko-KR" altLang="en-US">
               <a:solidFill>
@@ -23076,13 +25264,7 @@
       </p:sp>
       <p:pic>
         <p:nvPicPr>
-          <p:cNvPr id="2" name="그림 1">
-            <a:extLst>
-              <a:ext uri="{FF2B5EF4-FFF2-40B4-BE49-F238E27FC236}">
-                <a16:creationId xmlns:a16="http://schemas.microsoft.com/office/drawing/2014/main" id="{A163D2BF-99B1-4F2F-8CFD-7582FC44ED6A}"/>
-              </a:ext>
-            </a:extLst>
-          </p:cNvPr>
+          <p:cNvPr id="3" name="그림 2"/>
           <p:cNvPicPr>
             <a:picLocks noChangeAspect="1"/>
           </p:cNvPicPr>
@@ -23096,8 +25278,8 @@
         </p:blipFill>
         <p:spPr>
           <a:xfrm>
-            <a:off x="700512" y="1332329"/>
-            <a:ext cx="7741555" cy="4193342"/>
+            <a:off x="1115616" y="2132856"/>
+            <a:ext cx="7109395" cy="2843758"/>
           </a:xfrm>
           <a:prstGeom prst="rect">
             <a:avLst/>
@@ -24281,41 +26463,6 @@
           <a:chExt cx="0" cy="0"/>
         </a:xfrm>
       </p:grpSpPr>
-      <p:cxnSp>
-        <p:nvCxnSpPr>
-          <p:cNvPr id="26" name="직선 연결선 25"/>
-          <p:cNvCxnSpPr/>
-          <p:nvPr/>
-        </p:nvCxnSpPr>
-        <p:spPr>
-          <a:xfrm>
-            <a:off x="683568" y="6309320"/>
-            <a:ext cx="7776864" cy="0"/>
-          </a:xfrm>
-          <a:prstGeom prst="line">
-            <a:avLst/>
-          </a:prstGeom>
-          <a:ln>
-            <a:solidFill>
-              <a:schemeClr val="tx1"/>
-            </a:solidFill>
-          </a:ln>
-        </p:spPr>
-        <p:style>
-          <a:lnRef idx="1">
-            <a:schemeClr val="accent1"/>
-          </a:lnRef>
-          <a:fillRef idx="0">
-            <a:schemeClr val="accent1"/>
-          </a:fillRef>
-          <a:effectRef idx="0">
-            <a:schemeClr val="accent1"/>
-          </a:effectRef>
-          <a:fontRef idx="minor">
-            <a:schemeClr val="tx1"/>
-          </a:fontRef>
-        </p:style>
-      </p:cxnSp>
       <p:sp>
         <p:nvSpPr>
           <p:cNvPr id="28" name="직사각형 27"/>
@@ -24535,42 +26682,152 @@
           </a:p>
         </p:txBody>
       </p:sp>
-      <p:pic>
-        <p:nvPicPr>
-          <p:cNvPr id="6" name="그림 5">
-            <a:extLst>
-              <a:ext uri="{FF2B5EF4-FFF2-40B4-BE49-F238E27FC236}">
-                <a16:creationId xmlns:a16="http://schemas.microsoft.com/office/drawing/2014/main" id="{F8C1A83F-DCED-49F6-90B2-FD70F5E637A8}"/>
-              </a:ext>
-            </a:extLst>
-          </p:cNvPr>
-          <p:cNvPicPr>
-            <a:picLocks noChangeAspect="1"/>
-          </p:cNvPicPr>
+      <p:grpSp>
+        <p:nvGrpSpPr>
+          <p:cNvPr id="7" name="그룹 6"/>
+          <p:cNvGrpSpPr/>
           <p:nvPr/>
-        </p:nvPicPr>
-        <p:blipFill>
-          <a:blip r:embed="rId2" cstate="print">
-            <a:extLst>
-              <a:ext uri="{28A0092B-C50C-407E-A947-70E740481C1C}">
-                <a14:useLocalDpi xmlns:a14="http://schemas.microsoft.com/office/drawing/2010/main" val="0"/>
-              </a:ext>
-            </a:extLst>
-          </a:blip>
-          <a:stretch>
-            <a:fillRect/>
-          </a:stretch>
-        </p:blipFill>
-        <p:spPr>
+        </p:nvGrpSpPr>
+        <p:grpSpPr>
           <a:xfrm>
-            <a:off x="683568" y="1320740"/>
-            <a:ext cx="7776864" cy="4216519"/>
+            <a:off x="323771" y="1211110"/>
+            <a:ext cx="8496458" cy="5239595"/>
+            <a:chOff x="0" y="1069725"/>
+            <a:chExt cx="8496458" cy="5239595"/>
           </a:xfrm>
-          <a:prstGeom prst="rect">
-            <a:avLst/>
-          </a:prstGeom>
-        </p:spPr>
-      </p:pic>
+        </p:grpSpPr>
+        <p:cxnSp>
+          <p:nvCxnSpPr>
+            <p:cNvPr id="26" name="직선 연결선 25"/>
+            <p:cNvCxnSpPr/>
+            <p:nvPr/>
+          </p:nvCxnSpPr>
+          <p:spPr>
+            <a:xfrm>
+              <a:off x="683568" y="6309320"/>
+              <a:ext cx="7776864" cy="0"/>
+            </a:xfrm>
+            <a:prstGeom prst="line">
+              <a:avLst/>
+            </a:prstGeom>
+            <a:ln>
+              <a:solidFill>
+                <a:schemeClr val="tx1"/>
+              </a:solidFill>
+            </a:ln>
+          </p:spPr>
+          <p:style>
+            <a:lnRef idx="1">
+              <a:schemeClr val="accent1"/>
+            </a:lnRef>
+            <a:fillRef idx="0">
+              <a:schemeClr val="accent1"/>
+            </a:fillRef>
+            <a:effectRef idx="0">
+              <a:schemeClr val="accent1"/>
+            </a:effectRef>
+            <a:fontRef idx="minor">
+              <a:schemeClr val="tx1"/>
+            </a:fontRef>
+          </p:style>
+        </p:cxnSp>
+        <p:pic>
+          <p:nvPicPr>
+            <p:cNvPr id="2" name="그림 1"/>
+            <p:cNvPicPr>
+              <a:picLocks noChangeAspect="1"/>
+            </p:cNvPicPr>
+            <p:nvPr/>
+          </p:nvPicPr>
+          <p:blipFill>
+            <a:blip r:embed="rId2"/>
+            <a:stretch>
+              <a:fillRect/>
+            </a:stretch>
+          </p:blipFill>
+          <p:spPr>
+            <a:xfrm>
+              <a:off x="0" y="1069725"/>
+              <a:ext cx="4229100" cy="2425230"/>
+            </a:xfrm>
+            <a:prstGeom prst="rect">
+              <a:avLst/>
+            </a:prstGeom>
+          </p:spPr>
+        </p:pic>
+        <p:pic>
+          <p:nvPicPr>
+            <p:cNvPr id="3" name="그림 2"/>
+            <p:cNvPicPr>
+              <a:picLocks noChangeAspect="1"/>
+            </p:cNvPicPr>
+            <p:nvPr/>
+          </p:nvPicPr>
+          <p:blipFill>
+            <a:blip r:embed="rId3"/>
+            <a:stretch>
+              <a:fillRect/>
+            </a:stretch>
+          </p:blipFill>
+          <p:spPr>
+            <a:xfrm>
+              <a:off x="4210208" y="1069725"/>
+              <a:ext cx="4286250" cy="2447925"/>
+            </a:xfrm>
+            <a:prstGeom prst="rect">
+              <a:avLst/>
+            </a:prstGeom>
+          </p:spPr>
+        </p:pic>
+        <p:pic>
+          <p:nvPicPr>
+            <p:cNvPr id="4" name="그림 3"/>
+            <p:cNvPicPr>
+              <a:picLocks noChangeAspect="1"/>
+            </p:cNvPicPr>
+            <p:nvPr/>
+          </p:nvPicPr>
+          <p:blipFill>
+            <a:blip r:embed="rId4"/>
+            <a:stretch>
+              <a:fillRect/>
+            </a:stretch>
+          </p:blipFill>
+          <p:spPr>
+            <a:xfrm>
+              <a:off x="17406" y="3494955"/>
+              <a:ext cx="4245338" cy="2466975"/>
+            </a:xfrm>
+            <a:prstGeom prst="rect">
+              <a:avLst/>
+            </a:prstGeom>
+          </p:spPr>
+        </p:pic>
+        <p:pic>
+          <p:nvPicPr>
+            <p:cNvPr id="5" name="그림 4"/>
+            <p:cNvPicPr>
+              <a:picLocks noChangeAspect="1"/>
+            </p:cNvPicPr>
+            <p:nvPr/>
+          </p:nvPicPr>
+          <p:blipFill>
+            <a:blip r:embed="rId5"/>
+            <a:stretch>
+              <a:fillRect/>
+            </a:stretch>
+          </p:blipFill>
+          <p:spPr>
+            <a:xfrm>
+              <a:off x="4246506" y="3494955"/>
+              <a:ext cx="4249952" cy="2466975"/>
+            </a:xfrm>
+            <a:prstGeom prst="rect">
+              <a:avLst/>
+            </a:prstGeom>
+          </p:spPr>
+        </p:pic>
+      </p:grpSp>
     </p:spTree>
     <p:extLst>
       <p:ext uri="{BB962C8B-B14F-4D97-AF65-F5344CB8AC3E}">
@@ -25791,7 +28048,7 @@
           <p:nvPr/>
         </p:nvPicPr>
         <p:blipFill>
-          <a:blip r:embed="rId2"/>
+          <a:blip r:embed="rId3"/>
           <a:stretch>
             <a:fillRect/>
           </a:stretch>
@@ -25864,7 +28121,7 @@
           <p:nvPr/>
         </p:nvPicPr>
         <p:blipFill>
-          <a:blip r:embed="rId3"/>
+          <a:blip r:embed="rId4"/>
           <a:stretch>
             <a:fillRect/>
           </a:stretch>
@@ -25894,7 +28151,7 @@
           <p:nvPr/>
         </p:nvPicPr>
         <p:blipFill>
-          <a:blip r:embed="rId4"/>
+          <a:blip r:embed="rId5"/>
           <a:stretch>
             <a:fillRect/>
           </a:stretch>
@@ -26383,42 +28640,132 @@
           </a:p>
         </p:txBody>
       </p:sp>
-      <p:pic>
-        <p:nvPicPr>
-          <p:cNvPr id="7" name="그림 6">
-            <a:extLst>
-              <a:ext uri="{FF2B5EF4-FFF2-40B4-BE49-F238E27FC236}">
-                <a16:creationId xmlns:a16="http://schemas.microsoft.com/office/drawing/2014/main" id="{4D15D346-7348-46BB-A5DB-53988D31344F}"/>
-              </a:ext>
-            </a:extLst>
-          </p:cNvPr>
-          <p:cNvPicPr>
-            <a:picLocks noChangeAspect="1"/>
-          </p:cNvPicPr>
+      <p:grpSp>
+        <p:nvGrpSpPr>
+          <p:cNvPr id="8" name="그룹 7"/>
+          <p:cNvGrpSpPr/>
           <p:nvPr/>
-        </p:nvPicPr>
-        <p:blipFill>
-          <a:blip r:embed="rId2" cstate="print">
-            <a:extLst>
-              <a:ext uri="{28A0092B-C50C-407E-A947-70E740481C1C}">
-                <a14:useLocalDpi xmlns:a14="http://schemas.microsoft.com/office/drawing/2010/main" val="0"/>
-              </a:ext>
-            </a:extLst>
-          </a:blip>
-          <a:stretch>
-            <a:fillRect/>
-          </a:stretch>
-        </p:blipFill>
-        <p:spPr>
+        </p:nvGrpSpPr>
+        <p:grpSpPr>
           <a:xfrm>
-            <a:off x="702036" y="1330754"/>
-            <a:ext cx="7739927" cy="4196492"/>
+            <a:off x="583367" y="1124744"/>
+            <a:ext cx="7907525" cy="4291352"/>
+            <a:chOff x="-106066" y="1681279"/>
+            <a:chExt cx="8038185" cy="4326807"/>
           </a:xfrm>
-          <a:prstGeom prst="rect">
-            <a:avLst/>
-          </a:prstGeom>
-        </p:spPr>
-      </p:pic>
+        </p:grpSpPr>
+        <p:grpSp>
+          <p:nvGrpSpPr>
+            <p:cNvPr id="6" name="그룹 5"/>
+            <p:cNvGrpSpPr/>
+            <p:nvPr/>
+          </p:nvGrpSpPr>
+          <p:grpSpPr>
+            <a:xfrm>
+              <a:off x="-106066" y="1681279"/>
+              <a:ext cx="8038185" cy="4326807"/>
+              <a:chOff x="-106066" y="1681279"/>
+              <a:chExt cx="8038185" cy="4326807"/>
+            </a:xfrm>
+          </p:grpSpPr>
+          <p:pic>
+            <p:nvPicPr>
+              <p:cNvPr id="2" name="그림 1"/>
+              <p:cNvPicPr>
+                <a:picLocks noChangeAspect="1"/>
+              </p:cNvPicPr>
+              <p:nvPr/>
+            </p:nvPicPr>
+            <p:blipFill>
+              <a:blip r:embed="rId2"/>
+              <a:stretch>
+                <a:fillRect/>
+              </a:stretch>
+            </p:blipFill>
+            <p:spPr>
+              <a:xfrm>
+                <a:off x="-106066" y="1681279"/>
+                <a:ext cx="3932868" cy="2119511"/>
+              </a:xfrm>
+              <a:prstGeom prst="rect">
+                <a:avLst/>
+              </a:prstGeom>
+            </p:spPr>
+          </p:pic>
+          <p:pic>
+            <p:nvPicPr>
+              <p:cNvPr id="3" name="그림 2"/>
+              <p:cNvPicPr>
+                <a:picLocks noChangeAspect="1"/>
+              </p:cNvPicPr>
+              <p:nvPr/>
+            </p:nvPicPr>
+            <p:blipFill>
+              <a:blip r:embed="rId3"/>
+              <a:stretch>
+                <a:fillRect/>
+              </a:stretch>
+            </p:blipFill>
+            <p:spPr>
+              <a:xfrm>
+                <a:off x="3821989" y="1700808"/>
+                <a:ext cx="4110130" cy="2187766"/>
+              </a:xfrm>
+              <a:prstGeom prst="rect">
+                <a:avLst/>
+              </a:prstGeom>
+            </p:spPr>
+          </p:pic>
+          <p:pic>
+            <p:nvPicPr>
+              <p:cNvPr id="4" name="그림 3"/>
+              <p:cNvPicPr>
+                <a:picLocks noChangeAspect="1"/>
+              </p:cNvPicPr>
+              <p:nvPr/>
+            </p:nvPicPr>
+            <p:blipFill>
+              <a:blip r:embed="rId4"/>
+              <a:stretch>
+                <a:fillRect/>
+              </a:stretch>
+            </p:blipFill>
+            <p:spPr>
+              <a:xfrm>
+                <a:off x="-106066" y="3800791"/>
+                <a:ext cx="3932868" cy="2207295"/>
+              </a:xfrm>
+              <a:prstGeom prst="rect">
+                <a:avLst/>
+              </a:prstGeom>
+            </p:spPr>
+          </p:pic>
+        </p:grpSp>
+        <p:pic>
+          <p:nvPicPr>
+            <p:cNvPr id="5" name="그림 4"/>
+            <p:cNvPicPr>
+              <a:picLocks noChangeAspect="1"/>
+            </p:cNvPicPr>
+            <p:nvPr/>
+          </p:nvPicPr>
+          <p:blipFill>
+            <a:blip r:embed="rId5"/>
+            <a:stretch>
+              <a:fillRect/>
+            </a:stretch>
+          </p:blipFill>
+          <p:spPr>
+            <a:xfrm>
+              <a:off x="3811562" y="3800790"/>
+              <a:ext cx="4115743" cy="2207295"/>
+            </a:xfrm>
+            <a:prstGeom prst="rect">
+              <a:avLst/>
+            </a:prstGeom>
+          </p:spPr>
+        </p:pic>
+      </p:grpSp>
     </p:spTree>
     <p:extLst>
       <p:ext uri="{BB962C8B-B14F-4D97-AF65-F5344CB8AC3E}">
@@ -27410,34 +29757,46 @@
       </p:sp>
       <p:pic>
         <p:nvPicPr>
-          <p:cNvPr id="3" name="그림 2">
-            <a:extLst>
-              <a:ext uri="{FF2B5EF4-FFF2-40B4-BE49-F238E27FC236}">
-                <a16:creationId xmlns:a16="http://schemas.microsoft.com/office/drawing/2014/main" id="{3D00C41C-3322-48A3-B7A3-BD8295A5E4E9}"/>
-              </a:ext>
-            </a:extLst>
-          </p:cNvPr>
+          <p:cNvPr id="5" name="그림 4"/>
           <p:cNvPicPr>
             <a:picLocks noChangeAspect="1"/>
           </p:cNvPicPr>
           <p:nvPr/>
         </p:nvPicPr>
         <p:blipFill>
-          <a:blip r:embed="rId2" cstate="print">
-            <a:extLst>
-              <a:ext uri="{28A0092B-C50C-407E-A947-70E740481C1C}">
-                <a14:useLocalDpi xmlns:a14="http://schemas.microsoft.com/office/drawing/2010/main" val="0"/>
-              </a:ext>
-            </a:extLst>
-          </a:blip>
+          <a:blip r:embed="rId2"/>
           <a:stretch>
             <a:fillRect/>
           </a:stretch>
         </p:blipFill>
         <p:spPr>
           <a:xfrm>
-            <a:off x="702036" y="1330754"/>
-            <a:ext cx="7739927" cy="4196492"/>
+            <a:off x="431540" y="1700808"/>
+            <a:ext cx="3876675" cy="2905125"/>
+          </a:xfrm>
+          <a:prstGeom prst="rect">
+            <a:avLst/>
+          </a:prstGeom>
+        </p:spPr>
+      </p:pic>
+      <p:pic>
+        <p:nvPicPr>
+          <p:cNvPr id="6" name="그림 5"/>
+          <p:cNvPicPr>
+            <a:picLocks noChangeAspect="1"/>
+          </p:cNvPicPr>
+          <p:nvPr/>
+        </p:nvPicPr>
+        <p:blipFill>
+          <a:blip r:embed="rId3"/>
+          <a:stretch>
+            <a:fillRect/>
+          </a:stretch>
+        </p:blipFill>
+        <p:spPr>
+          <a:xfrm>
+            <a:off x="4797685" y="1710333"/>
+            <a:ext cx="3914775" cy="2895600"/>
           </a:xfrm>
           <a:prstGeom prst="rect">
             <a:avLst/>
@@ -29937,7 +32296,7 @@
           <p:nvPr/>
         </p:nvPicPr>
         <p:blipFill>
-          <a:blip r:embed="rId2"/>
+          <a:blip r:embed="rId3"/>
           <a:stretch>
             <a:fillRect/>
           </a:stretch>
@@ -29967,7 +32326,7 @@
           <p:nvPr/>
         </p:nvPicPr>
         <p:blipFill>
-          <a:blip r:embed="rId3"/>
+          <a:blip r:embed="rId4"/>
           <a:stretch>
             <a:fillRect/>
           </a:stretch>
@@ -29997,7 +32356,7 @@
           <p:nvPr/>
         </p:nvPicPr>
         <p:blipFill>
-          <a:blip r:embed="rId4"/>
+          <a:blip r:embed="rId5"/>
           <a:stretch>
             <a:fillRect/>
           </a:stretch>
@@ -30027,7 +32386,7 @@
           <p:nvPr/>
         </p:nvPicPr>
         <p:blipFill>
-          <a:blip r:embed="rId5"/>
+          <a:blip r:embed="rId6"/>
           <a:stretch>
             <a:fillRect/>
           </a:stretch>
@@ -30057,7 +32416,7 @@
           <p:nvPr/>
         </p:nvPicPr>
         <p:blipFill>
-          <a:blip r:embed="rId6"/>
+          <a:blip r:embed="rId7"/>
           <a:stretch>
             <a:fillRect/>
           </a:stretch>
@@ -30087,7 +32446,7 @@
           <p:nvPr/>
         </p:nvPicPr>
         <p:blipFill>
-          <a:blip r:embed="rId7"/>
+          <a:blip r:embed="rId8"/>
           <a:stretch>
             <a:fillRect/>
           </a:stretch>
@@ -31023,34 +33382,22 @@
       </p:sp>
       <p:pic>
         <p:nvPicPr>
-          <p:cNvPr id="3" name="그림 2">
-            <a:extLst>
-              <a:ext uri="{FF2B5EF4-FFF2-40B4-BE49-F238E27FC236}">
-                <a16:creationId xmlns:a16="http://schemas.microsoft.com/office/drawing/2014/main" id="{B548CEA6-D58F-42AF-A616-7CDB8855F12C}"/>
-              </a:ext>
-            </a:extLst>
-          </p:cNvPr>
+          <p:cNvPr id="4" name="그림 3"/>
           <p:cNvPicPr>
             <a:picLocks noChangeAspect="1"/>
           </p:cNvPicPr>
           <p:nvPr/>
         </p:nvPicPr>
         <p:blipFill>
-          <a:blip r:embed="rId2">
-            <a:extLst>
-              <a:ext uri="{28A0092B-C50C-407E-A947-70E740481C1C}">
-                <a14:useLocalDpi xmlns:a14="http://schemas.microsoft.com/office/drawing/2010/main" val="0"/>
-              </a:ext>
-            </a:extLst>
-          </a:blip>
+          <a:blip r:embed="rId2"/>
           <a:stretch>
             <a:fillRect/>
           </a:stretch>
         </p:blipFill>
         <p:spPr>
           <a:xfrm>
-            <a:off x="683568" y="1396890"/>
-            <a:ext cx="6018222" cy="3254624"/>
+            <a:off x="452234" y="1228382"/>
+            <a:ext cx="4543801" cy="2552431"/>
           </a:xfrm>
           <a:prstGeom prst="rect">
             <a:avLst/>
@@ -31059,34 +33406,22 @@
       </p:pic>
       <p:pic>
         <p:nvPicPr>
-          <p:cNvPr id="6" name="그림 5">
-            <a:extLst>
-              <a:ext uri="{FF2B5EF4-FFF2-40B4-BE49-F238E27FC236}">
-                <a16:creationId xmlns:a16="http://schemas.microsoft.com/office/drawing/2014/main" id="{EC18FE33-8CFD-4EDA-98FE-1A2E32E4241F}"/>
-              </a:ext>
-            </a:extLst>
-          </p:cNvPr>
+          <p:cNvPr id="2" name="그림 1"/>
           <p:cNvPicPr>
             <a:picLocks noChangeAspect="1"/>
           </p:cNvPicPr>
           <p:nvPr/>
         </p:nvPicPr>
         <p:blipFill>
-          <a:blip r:embed="rId3">
-            <a:extLst>
-              <a:ext uri="{28A0092B-C50C-407E-A947-70E740481C1C}">
-                <a14:useLocalDpi xmlns:a14="http://schemas.microsoft.com/office/drawing/2010/main" val="0"/>
-              </a:ext>
-            </a:extLst>
-          </a:blip>
+          <a:blip r:embed="rId3"/>
           <a:stretch>
             <a:fillRect/>
           </a:stretch>
         </p:blipFill>
         <p:spPr>
           <a:xfrm>
-            <a:off x="2537505" y="2348880"/>
-            <a:ext cx="6018222" cy="3259870"/>
+            <a:off x="4365778" y="2884566"/>
+            <a:ext cx="4392488" cy="2596664"/>
           </a:xfrm>
           <a:prstGeom prst="rect">
             <a:avLst/>
@@ -31114,75 +33449,7 @@
   <p:timing>
     <p:tnLst>
       <p:par>
-        <p:cTn id="1" dur="indefinite" restart="never" nodeType="tmRoot">
-          <p:childTnLst>
-            <p:seq concurrent="1" nextAc="seek">
-              <p:cTn id="2" dur="indefinite" nodeType="mainSeq">
-                <p:childTnLst>
-                  <p:par>
-                    <p:cTn id="3" fill="hold">
-                      <p:stCondLst>
-                        <p:cond delay="indefinite"/>
-                      </p:stCondLst>
-                      <p:childTnLst>
-                        <p:par>
-                          <p:cTn id="4" fill="hold">
-                            <p:stCondLst>
-                              <p:cond delay="0"/>
-                            </p:stCondLst>
-                            <p:childTnLst>
-                              <p:par>
-                                <p:cTn id="5" presetID="1" presetClass="entr" presetSubtype="0" fill="hold" nodeType="clickEffect">
-                                  <p:stCondLst>
-                                    <p:cond delay="0"/>
-                                  </p:stCondLst>
-                                  <p:childTnLst>
-                                    <p:set>
-                                      <p:cBhvr>
-                                        <p:cTn id="6" dur="1" fill="hold">
-                                          <p:stCondLst>
-                                            <p:cond delay="0"/>
-                                          </p:stCondLst>
-                                        </p:cTn>
-                                        <p:tgtEl>
-                                          <p:spTgt spid="6"/>
-                                        </p:tgtEl>
-                                        <p:attrNameLst>
-                                          <p:attrName>style.visibility</p:attrName>
-                                        </p:attrNameLst>
-                                      </p:cBhvr>
-                                      <p:to>
-                                        <p:strVal val="visible"/>
-                                      </p:to>
-                                    </p:set>
-                                  </p:childTnLst>
-                                </p:cTn>
-                              </p:par>
-                            </p:childTnLst>
-                          </p:cTn>
-                        </p:par>
-                      </p:childTnLst>
-                    </p:cTn>
-                  </p:par>
-                </p:childTnLst>
-              </p:cTn>
-              <p:prevCondLst>
-                <p:cond evt="onPrev" delay="0">
-                  <p:tgtEl>
-                    <p:sldTgt/>
-                  </p:tgtEl>
-                </p:cond>
-              </p:prevCondLst>
-              <p:nextCondLst>
-                <p:cond evt="onNext" delay="0">
-                  <p:tgtEl>
-                    <p:sldTgt/>
-                  </p:tgtEl>
-                </p:cond>
-              </p:nextCondLst>
-            </p:seq>
-          </p:childTnLst>
-        </p:cTn>
+        <p:cTn id="1" dur="indefinite" restart="never" nodeType="tmRoot"/>
       </p:par>
     </p:tnLst>
   </p:timing>
@@ -35129,8 +37396,8 @@
           </p:nvSpPr>
           <p:spPr>
             <a:xfrm>
-              <a:off x="1366003" y="3730696"/>
-              <a:ext cx="1241045" cy="523220"/>
+              <a:off x="1617859" y="3762139"/>
+              <a:ext cx="861133" cy="523220"/>
             </a:xfrm>
             <a:prstGeom prst="rect">
               <a:avLst/>
@@ -35143,14 +37410,14 @@
             <a:lstStyle/>
             <a:p>
               <a:r>
-                <a:rPr lang="ko-KR" altLang="en-US" sz="2800" dirty="0">
+                <a:rPr lang="ko-KR" altLang="en-US" sz="2800" smtClean="0">
                   <a:solidFill>
                     <a:srgbClr val="00B050"/>
                   </a:solidFill>
                   <a:latin typeface="나눔고딕" panose="020D0604000000000000" pitchFamily="50" charset="-127"/>
                   <a:ea typeface="나눔고딕" panose="020D0604000000000000" pitchFamily="50" charset="-127"/>
                 </a:rPr>
-                <a:t>로그인</a:t>
+                <a:t>접속</a:t>
               </a:r>
               <a:endParaRPr lang="en-US" altLang="ko-KR" sz="2800" dirty="0">
                 <a:solidFill>
@@ -35655,8 +37922,8 @@
         </p:nvSpPr>
         <p:spPr>
           <a:xfrm>
-            <a:off x="955974" y="3961558"/>
-            <a:ext cx="1877437" cy="386837"/>
+            <a:off x="1093832" y="3961558"/>
+            <a:ext cx="1601721" cy="415498"/>
           </a:xfrm>
           <a:prstGeom prst="rect">
             <a:avLst/>
@@ -35674,11 +37941,25 @@
               </a:lnSpc>
             </a:pPr>
             <a:r>
+              <a:rPr lang="ko-KR" altLang="en-US" sz="1400" dirty="0" smtClean="0">
+                <a:latin typeface="나눔바른고딕" panose="020B0603020101020101" pitchFamily="50" charset="-127"/>
+                <a:ea typeface="나눔바른고딕" panose="020B0603020101020101" pitchFamily="50" charset="-127"/>
+              </a:rPr>
+              <a:t>접속</a:t>
+            </a:r>
+            <a:r>
+              <a:rPr lang="ko-KR" altLang="en-US" sz="1400" dirty="0" smtClean="0">
+                <a:latin typeface="나눔바른고딕" panose="020B0603020101020101" pitchFamily="50" charset="-127"/>
+                <a:ea typeface="나눔바른고딕" panose="020B0603020101020101" pitchFamily="50" charset="-127"/>
+              </a:rPr>
+              <a:t>을 </a:t>
+            </a:r>
+            <a:r>
               <a:rPr lang="ko-KR" altLang="en-US" sz="1400" dirty="0">
                 <a:latin typeface="나눔바른고딕" panose="020B0603020101020101" pitchFamily="50" charset="-127"/>
                 <a:ea typeface="나눔바른고딕" panose="020B0603020101020101" pitchFamily="50" charset="-127"/>
               </a:rPr>
-              <a:t>로그인을 위해 </a:t>
+              <a:t>위해 </a:t>
             </a:r>
             <a:r>
               <a:rPr lang="en-US" altLang="ko-KR" sz="1400" dirty="0">
